--- a/实验准备/汇报ppt.pptx
+++ b/实验准备/汇报ppt.pptx
@@ -5,19 +5,25 @@
     <p:sldMasterId id="2147483660" r:id="rId1"/>
   </p:sldMasterIdLst>
   <p:notesMasterIdLst>
-    <p:notesMasterId r:id="rId12"/>
+    <p:notesMasterId r:id="rId18"/>
   </p:notesMasterIdLst>
   <p:sldIdLst>
     <p:sldId id="256" r:id="rId2"/>
     <p:sldId id="261" r:id="rId3"/>
     <p:sldId id="282" r:id="rId4"/>
-    <p:sldId id="283" r:id="rId5"/>
-    <p:sldId id="290" r:id="rId6"/>
-    <p:sldId id="285" r:id="rId7"/>
-    <p:sldId id="293" r:id="rId8"/>
-    <p:sldId id="291" r:id="rId9"/>
-    <p:sldId id="292" r:id="rId10"/>
-    <p:sldId id="272" r:id="rId11"/>
+    <p:sldId id="295" r:id="rId5"/>
+    <p:sldId id="283" r:id="rId6"/>
+    <p:sldId id="290" r:id="rId7"/>
+    <p:sldId id="285" r:id="rId8"/>
+    <p:sldId id="293" r:id="rId9"/>
+    <p:sldId id="299" r:id="rId10"/>
+    <p:sldId id="302" r:id="rId11"/>
+    <p:sldId id="296" r:id="rId12"/>
+    <p:sldId id="297" r:id="rId13"/>
+    <p:sldId id="291" r:id="rId14"/>
+    <p:sldId id="292" r:id="rId15"/>
+    <p:sldId id="294" r:id="rId16"/>
+    <p:sldId id="272" r:id="rId17"/>
   </p:sldIdLst>
   <p:sldSz cx="12192000" cy="6858000"/>
   <p:notesSz cx="6858000" cy="9144000"/>
@@ -206,7 +212,7 @@
           <a:p>
             <a:fld id="{96B07F6E-5E06-4377-95F5-B5E03129E00E}" type="datetimeFigureOut">
               <a:rPr lang="zh-CN" altLang="en-US" smtClean="0"/>
-              <a:t>2020/3/10</a:t>
+              <a:t>2020/3/13</a:t>
             </a:fld>
             <a:endParaRPr lang="zh-CN" altLang="en-US"/>
           </a:p>
@@ -270,38 +276,37 @@
           <a:p>
             <a:pPr lvl="0"/>
             <a:r>
-              <a:rPr lang="zh-CN" altLang="en-US" smtClean="0"/>
+              <a:rPr lang="zh-CN" altLang="en-US"/>
               <a:t>编辑母版文本样式</a:t>
             </a:r>
           </a:p>
           <a:p>
             <a:pPr lvl="1"/>
             <a:r>
-              <a:rPr lang="zh-CN" altLang="en-US" smtClean="0"/>
+              <a:rPr lang="zh-CN" altLang="en-US"/>
               <a:t>第二级</a:t>
             </a:r>
           </a:p>
           <a:p>
             <a:pPr lvl="2"/>
             <a:r>
-              <a:rPr lang="zh-CN" altLang="en-US" smtClean="0"/>
+              <a:rPr lang="zh-CN" altLang="en-US"/>
               <a:t>第三级</a:t>
             </a:r>
           </a:p>
           <a:p>
             <a:pPr lvl="3"/>
             <a:r>
-              <a:rPr lang="zh-CN" altLang="en-US" smtClean="0"/>
+              <a:rPr lang="zh-CN" altLang="en-US"/>
               <a:t>第四级</a:t>
             </a:r>
           </a:p>
           <a:p>
             <a:pPr lvl="4"/>
             <a:r>
-              <a:rPr lang="zh-CN" altLang="en-US" smtClean="0"/>
+              <a:rPr lang="zh-CN" altLang="en-US"/>
               <a:t>第五级</a:t>
             </a:r>
-            <a:endParaRPr lang="zh-CN" altLang="en-US"/>
           </a:p>
         </p:txBody>
       </p:sp>
@@ -529,6 +534,90 @@
             <a:spLocks noGrp="1"/>
           </p:cNvSpPr>
           <p:nvPr>
+            <p:ph type="sldNum" sz="quarter" idx="5"/>
+          </p:nvPr>
+        </p:nvSpPr>
+        <p:spPr/>
+        <p:txBody>
+          <a:bodyPr/>
+          <a:lstStyle/>
+          <a:p>
+            <a:fld id="{BAF2B8CB-1187-4F19-9556-73EC7E40D81C}" type="slidenum">
+              <a:rPr lang="zh-CN" altLang="en-US" smtClean="0"/>
+              <a:t>3</a:t>
+            </a:fld>
+            <a:endParaRPr lang="zh-CN" altLang="en-US"/>
+          </a:p>
+        </p:txBody>
+      </p:sp>
+    </p:spTree>
+    <p:extLst>
+      <p:ext uri="{BB962C8B-B14F-4D97-AF65-F5344CB8AC3E}">
+        <p14:creationId xmlns:p14="http://schemas.microsoft.com/office/powerpoint/2010/main" val="2304310168"/>
+      </p:ext>
+    </p:extLst>
+  </p:cSld>
+  <p:clrMapOvr>
+    <a:masterClrMapping/>
+  </p:clrMapOvr>
+</p:notes>
+</file>
+
+<file path=ppt/notesSlides/notesSlide2.xml><?xml version="1.0" encoding="utf-8"?>
+<p:notes xmlns:a="http://schemas.openxmlformats.org/drawingml/2006/main" xmlns:r="http://schemas.openxmlformats.org/officeDocument/2006/relationships" xmlns:p="http://schemas.openxmlformats.org/presentationml/2006/main">
+  <p:cSld>
+    <p:spTree>
+      <p:nvGrpSpPr>
+        <p:cNvPr id="1" name=""/>
+        <p:cNvGrpSpPr/>
+        <p:nvPr/>
+      </p:nvGrpSpPr>
+      <p:grpSpPr>
+        <a:xfrm>
+          <a:off x="0" y="0"/>
+          <a:ext cx="0" cy="0"/>
+          <a:chOff x="0" y="0"/>
+          <a:chExt cx="0" cy="0"/>
+        </a:xfrm>
+      </p:grpSpPr>
+      <p:sp>
+        <p:nvSpPr>
+          <p:cNvPr id="2" name="幻灯片图像占位符 1"/>
+          <p:cNvSpPr>
+            <a:spLocks noGrp="1" noRot="1" noChangeAspect="1"/>
+          </p:cNvSpPr>
+          <p:nvPr>
+            <p:ph type="sldImg"/>
+          </p:nvPr>
+        </p:nvSpPr>
+        <p:spPr/>
+      </p:sp>
+      <p:sp>
+        <p:nvSpPr>
+          <p:cNvPr id="3" name="备注占位符 2"/>
+          <p:cNvSpPr>
+            <a:spLocks noGrp="1"/>
+          </p:cNvSpPr>
+          <p:nvPr>
+            <p:ph type="body" idx="1"/>
+          </p:nvPr>
+        </p:nvSpPr>
+        <p:spPr/>
+        <p:txBody>
+          <a:bodyPr/>
+          <a:lstStyle/>
+          <a:p>
+            <a:endParaRPr lang="zh-CN" altLang="en-US" dirty="0"/>
+          </a:p>
+        </p:txBody>
+      </p:sp>
+      <p:sp>
+        <p:nvSpPr>
+          <p:cNvPr id="4" name="灯片编号占位符 3"/>
+          <p:cNvSpPr>
+            <a:spLocks noGrp="1"/>
+          </p:cNvSpPr>
+          <p:nvPr>
             <p:ph type="sldNum" sz="quarter" idx="10"/>
           </p:nvPr>
         </p:nvSpPr>
@@ -539,7 +628,7 @@
           <a:p>
             <a:fld id="{BAF2B8CB-1187-4F19-9556-73EC7E40D81C}" type="slidenum">
               <a:rPr lang="zh-CN" altLang="en-US" smtClean="0"/>
-              <a:t>4</a:t>
+              <a:t>5</a:t>
             </a:fld>
             <a:endParaRPr lang="zh-CN" altLang="en-US"/>
           </a:p>
@@ -549,6 +638,90 @@
     <p:extLst>
       <p:ext uri="{BB962C8B-B14F-4D97-AF65-F5344CB8AC3E}">
         <p14:creationId xmlns:p14="http://schemas.microsoft.com/office/powerpoint/2010/main" val="421139962"/>
+      </p:ext>
+    </p:extLst>
+  </p:cSld>
+  <p:clrMapOvr>
+    <a:masterClrMapping/>
+  </p:clrMapOvr>
+</p:notes>
+</file>
+
+<file path=ppt/notesSlides/notesSlide3.xml><?xml version="1.0" encoding="utf-8"?>
+<p:notes xmlns:a="http://schemas.openxmlformats.org/drawingml/2006/main" xmlns:r="http://schemas.openxmlformats.org/officeDocument/2006/relationships" xmlns:p="http://schemas.openxmlformats.org/presentationml/2006/main">
+  <p:cSld>
+    <p:spTree>
+      <p:nvGrpSpPr>
+        <p:cNvPr id="1" name=""/>
+        <p:cNvGrpSpPr/>
+        <p:nvPr/>
+      </p:nvGrpSpPr>
+      <p:grpSpPr>
+        <a:xfrm>
+          <a:off x="0" y="0"/>
+          <a:ext cx="0" cy="0"/>
+          <a:chOff x="0" y="0"/>
+          <a:chExt cx="0" cy="0"/>
+        </a:xfrm>
+      </p:grpSpPr>
+      <p:sp>
+        <p:nvSpPr>
+          <p:cNvPr id="2" name="幻灯片图像占位符 1"/>
+          <p:cNvSpPr>
+            <a:spLocks noGrp="1" noRot="1" noChangeAspect="1"/>
+          </p:cNvSpPr>
+          <p:nvPr>
+            <p:ph type="sldImg"/>
+          </p:nvPr>
+        </p:nvSpPr>
+        <p:spPr/>
+      </p:sp>
+      <p:sp>
+        <p:nvSpPr>
+          <p:cNvPr id="3" name="备注占位符 2"/>
+          <p:cNvSpPr>
+            <a:spLocks noGrp="1"/>
+          </p:cNvSpPr>
+          <p:nvPr>
+            <p:ph type="body" idx="1"/>
+          </p:nvPr>
+        </p:nvSpPr>
+        <p:spPr/>
+        <p:txBody>
+          <a:bodyPr/>
+          <a:lstStyle/>
+          <a:p>
+            <a:endParaRPr lang="zh-CN" altLang="en-US" dirty="0"/>
+          </a:p>
+        </p:txBody>
+      </p:sp>
+      <p:sp>
+        <p:nvSpPr>
+          <p:cNvPr id="4" name="灯片编号占位符 3"/>
+          <p:cNvSpPr>
+            <a:spLocks noGrp="1"/>
+          </p:cNvSpPr>
+          <p:nvPr>
+            <p:ph type="sldNum" sz="quarter" idx="5"/>
+          </p:nvPr>
+        </p:nvSpPr>
+        <p:spPr/>
+        <p:txBody>
+          <a:bodyPr/>
+          <a:lstStyle/>
+          <a:p>
+            <a:fld id="{BAF2B8CB-1187-4F19-9556-73EC7E40D81C}" type="slidenum">
+              <a:rPr lang="zh-CN" altLang="en-US" smtClean="0"/>
+              <a:t>11</a:t>
+            </a:fld>
+            <a:endParaRPr lang="zh-CN" altLang="en-US"/>
+          </a:p>
+        </p:txBody>
+      </p:sp>
+    </p:spTree>
+    <p:extLst>
+      <p:ext uri="{BB962C8B-B14F-4D97-AF65-F5344CB8AC3E}">
+        <p14:creationId xmlns:p14="http://schemas.microsoft.com/office/powerpoint/2010/main" val="910192226"/>
       </p:ext>
     </p:extLst>
   </p:cSld>
@@ -643,7 +816,7 @@
           </a:lstStyle>
           <a:p>
             <a:r>
-              <a:rPr lang="zh-CN" altLang="en-US" dirty="0" smtClean="0"/>
+              <a:rPr lang="zh-CN" altLang="en-US" dirty="0"/>
               <a:t>单击此处编辑母版标题样式</a:t>
             </a:r>
             <a:endParaRPr lang="en-US" dirty="0"/>
@@ -710,7 +883,7 @@
           </a:lstStyle>
           <a:p>
             <a:r>
-              <a:rPr lang="zh-CN" altLang="en-US" smtClean="0"/>
+              <a:rPr lang="zh-CN" altLang="en-US"/>
               <a:t>单击以编辑母版副标题样式</a:t>
             </a:r>
             <a:endParaRPr lang="en-US" dirty="0"/>
@@ -734,7 +907,7 @@
           <a:p>
             <a:fld id="{AE984D52-CCAD-4B14-974A-DD4900A9F75E}" type="datetimeFigureOut">
               <a:rPr lang="zh-CN" altLang="en-US" smtClean="0"/>
-              <a:t>2020/3/10</a:t>
+              <a:t>2020/3/13</a:t>
             </a:fld>
             <a:endParaRPr lang="zh-CN" altLang="en-US"/>
           </a:p>
@@ -804,13 +977,6 @@
       </p:transition>
     </mc:Fallback>
   </mc:AlternateContent>
-  <p:timing>
-    <p:tnLst>
-      <p:par>
-        <p:cTn id="1" dur="indefinite" restart="never" nodeType="tmRoot"/>
-      </p:par>
-    </p:tnLst>
-  </p:timing>
 </p:sldLayout>
 </file>
 
@@ -903,10 +1069,9 @@
           <a:p>
             <a:pPr lvl="0"/>
             <a:r>
-              <a:rPr lang="zh-CN" altLang="en-US" dirty="0" smtClean="0"/>
+              <a:rPr lang="zh-CN" altLang="en-US" dirty="0"/>
               <a:t>目  录</a:t>
             </a:r>
-            <a:endParaRPr lang="zh-CN" altLang="en-US" dirty="0"/>
           </a:p>
         </p:txBody>
       </p:sp>
@@ -1092,13 +1257,6 @@
       </p:transition>
     </mc:Fallback>
   </mc:AlternateContent>
-  <p:timing>
-    <p:tnLst>
-      <p:par>
-        <p:cTn id="1" dur="indefinite" restart="never" nodeType="tmRoot"/>
-      </p:par>
-    </p:tnLst>
-  </p:timing>
 </p:sldLayout>
 </file>
 
@@ -1135,7 +1293,7 @@
           <a:lstStyle/>
           <a:p>
             <a:r>
-              <a:rPr lang="zh-CN" altLang="en-US" smtClean="0"/>
+              <a:rPr lang="zh-CN" altLang="en-US"/>
               <a:t>单击此处编辑母版标题样式</a:t>
             </a:r>
             <a:endParaRPr lang="en-US" dirty="0"/>
@@ -1159,35 +1317,35 @@
           <a:p>
             <a:pPr lvl="0"/>
             <a:r>
-              <a:rPr lang="zh-CN" altLang="en-US" smtClean="0"/>
+              <a:rPr lang="zh-CN" altLang="en-US"/>
               <a:t>编辑母版文本样式</a:t>
             </a:r>
           </a:p>
           <a:p>
             <a:pPr lvl="1"/>
             <a:r>
-              <a:rPr lang="zh-CN" altLang="en-US" smtClean="0"/>
+              <a:rPr lang="zh-CN" altLang="en-US"/>
               <a:t>第二级</a:t>
             </a:r>
           </a:p>
           <a:p>
             <a:pPr lvl="2"/>
             <a:r>
-              <a:rPr lang="zh-CN" altLang="en-US" smtClean="0"/>
+              <a:rPr lang="zh-CN" altLang="en-US"/>
               <a:t>第三级</a:t>
             </a:r>
           </a:p>
           <a:p>
             <a:pPr lvl="3"/>
             <a:r>
-              <a:rPr lang="zh-CN" altLang="en-US" smtClean="0"/>
+              <a:rPr lang="zh-CN" altLang="en-US"/>
               <a:t>第四级</a:t>
             </a:r>
           </a:p>
           <a:p>
             <a:pPr lvl="4"/>
             <a:r>
-              <a:rPr lang="zh-CN" altLang="en-US" smtClean="0"/>
+              <a:rPr lang="zh-CN" altLang="en-US"/>
               <a:t>第五级</a:t>
             </a:r>
             <a:endParaRPr lang="en-US" dirty="0"/>
@@ -1211,7 +1369,7 @@
           <a:p>
             <a:fld id="{AE984D52-CCAD-4B14-974A-DD4900A9F75E}" type="datetimeFigureOut">
               <a:rPr lang="zh-CN" altLang="en-US" smtClean="0"/>
-              <a:t>2020/3/10</a:t>
+              <a:t>2020/3/13</a:t>
             </a:fld>
             <a:endParaRPr lang="zh-CN" altLang="en-US"/>
           </a:p>
@@ -1317,7 +1475,7 @@
           <a:lstStyle/>
           <a:p>
             <a:r>
-              <a:rPr lang="zh-CN" altLang="en-US" smtClean="0"/>
+              <a:rPr lang="zh-CN" altLang="en-US"/>
               <a:t>单击此处编辑母版标题样式</a:t>
             </a:r>
             <a:endParaRPr lang="en-US" dirty="0"/>
@@ -1374,35 +1532,35 @@
           <a:p>
             <a:pPr lvl="0"/>
             <a:r>
-              <a:rPr lang="zh-CN" altLang="en-US" smtClean="0"/>
+              <a:rPr lang="zh-CN" altLang="en-US"/>
               <a:t>编辑母版文本样式</a:t>
             </a:r>
           </a:p>
           <a:p>
             <a:pPr lvl="1"/>
             <a:r>
-              <a:rPr lang="zh-CN" altLang="en-US" smtClean="0"/>
+              <a:rPr lang="zh-CN" altLang="en-US"/>
               <a:t>第二级</a:t>
             </a:r>
           </a:p>
           <a:p>
             <a:pPr lvl="2"/>
             <a:r>
-              <a:rPr lang="zh-CN" altLang="en-US" smtClean="0"/>
+              <a:rPr lang="zh-CN" altLang="en-US"/>
               <a:t>第三级</a:t>
             </a:r>
           </a:p>
           <a:p>
             <a:pPr lvl="3"/>
             <a:r>
-              <a:rPr lang="zh-CN" altLang="en-US" smtClean="0"/>
+              <a:rPr lang="zh-CN" altLang="en-US"/>
               <a:t>第四级</a:t>
             </a:r>
           </a:p>
           <a:p>
             <a:pPr lvl="4"/>
             <a:r>
-              <a:rPr lang="zh-CN" altLang="en-US" smtClean="0"/>
+              <a:rPr lang="zh-CN" altLang="en-US"/>
               <a:t>第五级</a:t>
             </a:r>
             <a:endParaRPr lang="en-US" dirty="0"/>
@@ -1459,35 +1617,35 @@
           <a:p>
             <a:pPr lvl="0"/>
             <a:r>
-              <a:rPr lang="zh-CN" altLang="en-US" smtClean="0"/>
+              <a:rPr lang="zh-CN" altLang="en-US"/>
               <a:t>编辑母版文本样式</a:t>
             </a:r>
           </a:p>
           <a:p>
             <a:pPr lvl="1"/>
             <a:r>
-              <a:rPr lang="zh-CN" altLang="en-US" smtClean="0"/>
+              <a:rPr lang="zh-CN" altLang="en-US"/>
               <a:t>第二级</a:t>
             </a:r>
           </a:p>
           <a:p>
             <a:pPr lvl="2"/>
             <a:r>
-              <a:rPr lang="zh-CN" altLang="en-US" smtClean="0"/>
+              <a:rPr lang="zh-CN" altLang="en-US"/>
               <a:t>第三级</a:t>
             </a:r>
           </a:p>
           <a:p>
             <a:pPr lvl="3"/>
             <a:r>
-              <a:rPr lang="zh-CN" altLang="en-US" smtClean="0"/>
+              <a:rPr lang="zh-CN" altLang="en-US"/>
               <a:t>第四级</a:t>
             </a:r>
           </a:p>
           <a:p>
             <a:pPr lvl="4"/>
             <a:r>
-              <a:rPr lang="zh-CN" altLang="en-US" smtClean="0"/>
+              <a:rPr lang="zh-CN" altLang="en-US"/>
               <a:t>第五级</a:t>
             </a:r>
             <a:endParaRPr lang="en-US" dirty="0"/>
@@ -1511,7 +1669,7 @@
           <a:p>
             <a:fld id="{AE984D52-CCAD-4B14-974A-DD4900A9F75E}" type="datetimeFigureOut">
               <a:rPr lang="zh-CN" altLang="en-US" smtClean="0"/>
-              <a:t>2020/3/10</a:t>
+              <a:t>2020/3/13</a:t>
             </a:fld>
             <a:endParaRPr lang="zh-CN" altLang="en-US"/>
           </a:p>
@@ -1617,7 +1775,7 @@
           <a:lstStyle/>
           <a:p>
             <a:r>
-              <a:rPr lang="zh-CN" altLang="en-US" smtClean="0"/>
+              <a:rPr lang="zh-CN" altLang="en-US"/>
               <a:t>单击此处编辑母版标题样式</a:t>
             </a:r>
             <a:endParaRPr lang="en-US" dirty="0"/>
@@ -1685,7 +1843,7 @@
           <a:p>
             <a:pPr lvl="0"/>
             <a:r>
-              <a:rPr lang="zh-CN" altLang="en-US" smtClean="0"/>
+              <a:rPr lang="zh-CN" altLang="en-US"/>
               <a:t>编辑母版文本样式</a:t>
             </a:r>
           </a:p>
@@ -1741,35 +1899,35 @@
           <a:p>
             <a:pPr lvl="0"/>
             <a:r>
-              <a:rPr lang="zh-CN" altLang="en-US" smtClean="0"/>
+              <a:rPr lang="zh-CN" altLang="en-US"/>
               <a:t>编辑母版文本样式</a:t>
             </a:r>
           </a:p>
           <a:p>
             <a:pPr lvl="1"/>
             <a:r>
-              <a:rPr lang="zh-CN" altLang="en-US" smtClean="0"/>
+              <a:rPr lang="zh-CN" altLang="en-US"/>
               <a:t>第二级</a:t>
             </a:r>
           </a:p>
           <a:p>
             <a:pPr lvl="2"/>
             <a:r>
-              <a:rPr lang="zh-CN" altLang="en-US" smtClean="0"/>
+              <a:rPr lang="zh-CN" altLang="en-US"/>
               <a:t>第三级</a:t>
             </a:r>
           </a:p>
           <a:p>
             <a:pPr lvl="3"/>
             <a:r>
-              <a:rPr lang="zh-CN" altLang="en-US" smtClean="0"/>
+              <a:rPr lang="zh-CN" altLang="en-US"/>
               <a:t>第四级</a:t>
             </a:r>
           </a:p>
           <a:p>
             <a:pPr lvl="4"/>
             <a:r>
-              <a:rPr lang="zh-CN" altLang="en-US" smtClean="0"/>
+              <a:rPr lang="zh-CN" altLang="en-US"/>
               <a:t>第五级</a:t>
             </a:r>
             <a:endParaRPr lang="en-US" dirty="0"/>
@@ -1837,7 +1995,7 @@
           <a:p>
             <a:pPr lvl="0"/>
             <a:r>
-              <a:rPr lang="zh-CN" altLang="en-US" smtClean="0"/>
+              <a:rPr lang="zh-CN" altLang="en-US"/>
               <a:t>编辑母版文本样式</a:t>
             </a:r>
           </a:p>
@@ -1893,35 +2051,35 @@
           <a:p>
             <a:pPr lvl="0"/>
             <a:r>
-              <a:rPr lang="zh-CN" altLang="en-US" smtClean="0"/>
+              <a:rPr lang="zh-CN" altLang="en-US"/>
               <a:t>编辑母版文本样式</a:t>
             </a:r>
           </a:p>
           <a:p>
             <a:pPr lvl="1"/>
             <a:r>
-              <a:rPr lang="zh-CN" altLang="en-US" smtClean="0"/>
+              <a:rPr lang="zh-CN" altLang="en-US"/>
               <a:t>第二级</a:t>
             </a:r>
           </a:p>
           <a:p>
             <a:pPr lvl="2"/>
             <a:r>
-              <a:rPr lang="zh-CN" altLang="en-US" smtClean="0"/>
+              <a:rPr lang="zh-CN" altLang="en-US"/>
               <a:t>第三级</a:t>
             </a:r>
           </a:p>
           <a:p>
             <a:pPr lvl="3"/>
             <a:r>
-              <a:rPr lang="zh-CN" altLang="en-US" smtClean="0"/>
+              <a:rPr lang="zh-CN" altLang="en-US"/>
               <a:t>第四级</a:t>
             </a:r>
           </a:p>
           <a:p>
             <a:pPr lvl="4"/>
             <a:r>
-              <a:rPr lang="zh-CN" altLang="en-US" smtClean="0"/>
+              <a:rPr lang="zh-CN" altLang="en-US"/>
               <a:t>第五级</a:t>
             </a:r>
             <a:endParaRPr lang="en-US" dirty="0"/>
@@ -1945,7 +2103,7 @@
           <a:p>
             <a:fld id="{AE984D52-CCAD-4B14-974A-DD4900A9F75E}" type="datetimeFigureOut">
               <a:rPr lang="zh-CN" altLang="en-US" smtClean="0"/>
-              <a:t>2020/3/10</a:t>
+              <a:t>2020/3/13</a:t>
             </a:fld>
             <a:endParaRPr lang="zh-CN" altLang="en-US"/>
           </a:p>
@@ -2051,7 +2209,7 @@
           <a:lstStyle/>
           <a:p>
             <a:r>
-              <a:rPr lang="zh-CN" altLang="en-US" smtClean="0"/>
+              <a:rPr lang="zh-CN" altLang="en-US"/>
               <a:t>单击此处编辑母版标题样式</a:t>
             </a:r>
             <a:endParaRPr lang="en-US" dirty="0"/>
@@ -2075,7 +2233,7 @@
           <a:p>
             <a:fld id="{AE984D52-CCAD-4B14-974A-DD4900A9F75E}" type="datetimeFigureOut">
               <a:rPr lang="zh-CN" altLang="en-US" smtClean="0"/>
-              <a:t>2020/3/10</a:t>
+              <a:t>2020/3/13</a:t>
             </a:fld>
             <a:endParaRPr lang="zh-CN" altLang="en-US"/>
           </a:p>
@@ -2182,7 +2340,7 @@
           <a:p>
             <a:fld id="{AE984D52-CCAD-4B14-974A-DD4900A9F75E}" type="datetimeFigureOut">
               <a:rPr lang="zh-CN" altLang="en-US" smtClean="0"/>
-              <a:t>2020/3/10</a:t>
+              <a:t>2020/3/13</a:t>
             </a:fld>
             <a:endParaRPr lang="zh-CN" altLang="en-US"/>
           </a:p>
@@ -2252,13 +2410,6 @@
       </p:transition>
     </mc:Fallback>
   </mc:AlternateContent>
-  <p:timing>
-    <p:tnLst>
-      <p:par>
-        <p:cTn id="1" dur="indefinite" restart="never" nodeType="tmRoot"/>
-      </p:par>
-    </p:tnLst>
-  </p:timing>
 </p:sldLayout>
 </file>
 
@@ -2348,7 +2499,7 @@
           <a:lstStyle/>
           <a:p>
             <a:r>
-              <a:rPr lang="zh-CN" altLang="en-US" smtClean="0"/>
+              <a:rPr lang="zh-CN" altLang="en-US"/>
               <a:t>单击此处编辑母版标题样式</a:t>
             </a:r>
             <a:endParaRPr lang="en-US" dirty="0"/>
@@ -2382,35 +2533,35 @@
           <a:p>
             <a:pPr lvl="0"/>
             <a:r>
-              <a:rPr lang="zh-CN" altLang="en-US" smtClean="0"/>
+              <a:rPr lang="zh-CN" altLang="en-US"/>
               <a:t>编辑母版文本样式</a:t>
             </a:r>
           </a:p>
           <a:p>
             <a:pPr lvl="1"/>
             <a:r>
-              <a:rPr lang="zh-CN" altLang="en-US" smtClean="0"/>
+              <a:rPr lang="zh-CN" altLang="en-US"/>
               <a:t>第二级</a:t>
             </a:r>
           </a:p>
           <a:p>
             <a:pPr lvl="2"/>
             <a:r>
-              <a:rPr lang="zh-CN" altLang="en-US" smtClean="0"/>
+              <a:rPr lang="zh-CN" altLang="en-US"/>
               <a:t>第三级</a:t>
             </a:r>
           </a:p>
           <a:p>
             <a:pPr lvl="3"/>
             <a:r>
-              <a:rPr lang="zh-CN" altLang="en-US" smtClean="0"/>
+              <a:rPr lang="zh-CN" altLang="en-US"/>
               <a:t>第四级</a:t>
             </a:r>
           </a:p>
           <a:p>
             <a:pPr lvl="4"/>
             <a:r>
-              <a:rPr lang="zh-CN" altLang="en-US" smtClean="0"/>
+              <a:rPr lang="zh-CN" altLang="en-US"/>
               <a:t>第五级</a:t>
             </a:r>
             <a:endParaRPr lang="en-US" dirty="0"/>
@@ -2450,7 +2601,7 @@
           <a:p>
             <a:fld id="{AE984D52-CCAD-4B14-974A-DD4900A9F75E}" type="datetimeFigureOut">
               <a:rPr lang="zh-CN" altLang="en-US" smtClean="0"/>
-              <a:t>2020/3/10</a:t>
+              <a:t>2020/3/13</a:t>
             </a:fld>
             <a:endParaRPr lang="zh-CN" altLang="en-US"/>
           </a:p>
@@ -2559,13 +2710,6 @@
       </p:transition>
     </mc:Fallback>
   </mc:AlternateContent>
-  <p:timing>
-    <p:tnLst>
-      <p:par>
-        <p:cTn id="1" dur="indefinite" restart="never" nodeType="tmRoot"/>
-      </p:par>
-    </p:tnLst>
-  </p:timing>
   <p:txStyles>
     <p:titleStyle>
       <a:lvl1pPr algn="l" defTabSz="914400" rtl="0" eaLnBrk="1" latinLnBrk="0" hangingPunct="1">
@@ -2936,10 +3080,13 @@
           <a:lstStyle/>
           <a:p>
             <a:r>
-              <a:rPr lang="zh-CN" altLang="en-US" dirty="0" smtClean="0"/>
-              <a:t>软件工程实验项目计划</a:t>
-            </a:r>
-            <a:endParaRPr lang="zh-CN" altLang="en-US" dirty="0"/>
+              <a:rPr lang="en-US" altLang="zh-CN" dirty="0" err="1"/>
+              <a:t>Scrapy</a:t>
+            </a:r>
+            <a:r>
+              <a:rPr lang="zh-CN" altLang="en-US" dirty="0"/>
+              <a:t>项目计划</a:t>
+            </a:r>
           </a:p>
         </p:txBody>
       </p:sp>
@@ -2965,34 +3112,34 @@
           <a:p>
             <a:pPr algn="l"/>
             <a:r>
-              <a:rPr lang="zh-CN" altLang="en-US" dirty="0" smtClean="0"/>
+              <a:rPr lang="zh-CN" altLang="en-US" dirty="0"/>
               <a:t>小组：</a:t>
             </a:r>
             <a:r>
-              <a:rPr lang="en-US" altLang="zh-CN" dirty="0" smtClean="0"/>
+              <a:rPr lang="en-US" altLang="zh-CN" dirty="0"/>
               <a:t>H</a:t>
             </a:r>
             <a:r>
-              <a:rPr lang="zh-CN" altLang="en-US" dirty="0" smtClean="0"/>
+              <a:rPr lang="zh-CN" altLang="en-US" dirty="0"/>
               <a:t>组</a:t>
             </a:r>
-            <a:endParaRPr lang="en-US" altLang="zh-CN" dirty="0" smtClean="0"/>
+            <a:endParaRPr lang="en-US" altLang="zh-CN" dirty="0"/>
           </a:p>
           <a:p>
             <a:pPr algn="l"/>
             <a:r>
-              <a:rPr lang="zh-CN" altLang="en-US" dirty="0" smtClean="0"/>
+              <a:rPr lang="zh-CN" altLang="en-US" dirty="0"/>
               <a:t>组员：赵正阳、郭浩隆、沈一聪、梁远志、宋冰晨</a:t>
             </a:r>
-            <a:endParaRPr lang="en-US" altLang="zh-CN" dirty="0" smtClean="0"/>
+            <a:endParaRPr lang="en-US" altLang="zh-CN" dirty="0"/>
           </a:p>
           <a:p>
             <a:pPr algn="l"/>
-            <a:endParaRPr lang="en-US" altLang="zh-CN" dirty="0" smtClean="0"/>
-          </a:p>
-          <a:p>
-            <a:r>
-              <a:rPr lang="en-US" altLang="zh-CN" dirty="0" smtClean="0"/>
+            <a:endParaRPr lang="en-US" altLang="zh-CN" dirty="0"/>
+          </a:p>
+          <a:p>
+            <a:r>
+              <a:rPr lang="en-US" altLang="zh-CN" dirty="0"/>
               <a:t>2020.3.13</a:t>
             </a:r>
             <a:endParaRPr lang="zh-CN" altLang="en-US" dirty="0"/>
@@ -3021,17 +3168,1881 @@
       </p:transition>
     </mc:Fallback>
   </mc:AlternateContent>
-  <p:timing>
-    <p:tnLst>
-      <p:par>
-        <p:cTn id="1" dur="indefinite" restart="never" nodeType="tmRoot"/>
-      </p:par>
-    </p:tnLst>
-  </p:timing>
 </p:sld>
 </file>
 
 <file path=ppt/slides/slide10.xml><?xml version="1.0" encoding="utf-8"?>
+<p:sld xmlns:a="http://schemas.openxmlformats.org/drawingml/2006/main" xmlns:r="http://schemas.openxmlformats.org/officeDocument/2006/relationships" xmlns:p="http://schemas.openxmlformats.org/presentationml/2006/main">
+  <p:cSld>
+    <p:spTree>
+      <p:nvGrpSpPr>
+        <p:cNvPr id="1" name=""/>
+        <p:cNvGrpSpPr/>
+        <p:nvPr/>
+      </p:nvGrpSpPr>
+      <p:grpSpPr>
+        <a:xfrm>
+          <a:off x="0" y="0"/>
+          <a:ext cx="0" cy="0"/>
+          <a:chOff x="0" y="0"/>
+          <a:chExt cx="0" cy="0"/>
+        </a:xfrm>
+      </p:grpSpPr>
+      <p:sp>
+        <p:nvSpPr>
+          <p:cNvPr id="7" name="Title 6">
+            <a:extLst>
+              <a:ext uri="{FF2B5EF4-FFF2-40B4-BE49-F238E27FC236}">
+                <a16:creationId xmlns:a16="http://schemas.microsoft.com/office/drawing/2014/main" id="{61E0F559-A44E-4C3A-8B09-C017050414F6}"/>
+              </a:ext>
+            </a:extLst>
+          </p:cNvPr>
+          <p:cNvSpPr>
+            <a:spLocks noGrp="1"/>
+          </p:cNvSpPr>
+          <p:nvPr>
+            <p:ph type="title"/>
+          </p:nvPr>
+        </p:nvSpPr>
+        <p:spPr/>
+        <p:txBody>
+          <a:bodyPr/>
+          <a:lstStyle/>
+          <a:p>
+            <a:r>
+              <a:rPr lang="zh-CN" altLang="en-US" dirty="0"/>
+              <a:t>改进</a:t>
+            </a:r>
+            <a:r>
+              <a:rPr lang="en-US" altLang="zh-CN"/>
+              <a:t>2——</a:t>
+            </a:r>
+            <a:r>
+              <a:rPr lang="zh-CN" altLang="en-US"/>
+              <a:t>分布式爬虫</a:t>
+            </a:r>
+            <a:endParaRPr lang="en-US" dirty="0"/>
+          </a:p>
+        </p:txBody>
+      </p:sp>
+      <p:sp>
+        <p:nvSpPr>
+          <p:cNvPr id="8" name="Content Placeholder 7">
+            <a:extLst>
+              <a:ext uri="{FF2B5EF4-FFF2-40B4-BE49-F238E27FC236}">
+                <a16:creationId xmlns:a16="http://schemas.microsoft.com/office/drawing/2014/main" id="{0A9B36FA-D68E-49F8-B787-AAD1DA49C8DF}"/>
+              </a:ext>
+            </a:extLst>
+          </p:cNvPr>
+          <p:cNvSpPr>
+            <a:spLocks noGrp="1"/>
+          </p:cNvSpPr>
+          <p:nvPr>
+            <p:ph idx="1"/>
+          </p:nvPr>
+        </p:nvSpPr>
+        <p:spPr/>
+        <p:txBody>
+          <a:bodyPr/>
+          <a:lstStyle/>
+          <a:p>
+            <a:r>
+              <a:rPr lang="en-US" altLang="zh-CN"/>
+              <a:t>Scrapy </a:t>
+            </a:r>
+            <a:r>
+              <a:rPr lang="zh-CN" altLang="en-US"/>
+              <a:t>本身并没有内建的分布式爬虫的设施。通常的做法是将 </a:t>
+            </a:r>
+            <a:r>
+              <a:rPr lang="en-US" altLang="zh-CN"/>
+              <a:t>Scrapyd </a:t>
+            </a:r>
+            <a:r>
+              <a:rPr lang="zh-CN" altLang="en-US"/>
+              <a:t>实例部署在若干个服务器上，再手工切割爬虫任务，分别让不同的实例运行。</a:t>
+            </a:r>
+            <a:endParaRPr lang="en-US" altLang="zh-CN"/>
+          </a:p>
+          <a:p>
+            <a:r>
+              <a:rPr lang="zh-CN" altLang="en-US"/>
+              <a:t>我们的工作内容包括编写一个能自动化分布任务的爬虫任务调度客户端，联系各个实际进行爬虫的服务器。</a:t>
+            </a:r>
+            <a:endParaRPr lang="en-US"/>
+          </a:p>
+        </p:txBody>
+      </p:sp>
+      <p:pic>
+        <p:nvPicPr>
+          <p:cNvPr id="5" name="Picture 4">
+            <a:extLst>
+              <a:ext uri="{FF2B5EF4-FFF2-40B4-BE49-F238E27FC236}">
+                <a16:creationId xmlns:a16="http://schemas.microsoft.com/office/drawing/2014/main" id="{566C1C4A-62C6-47A7-A668-57646CDE2BE7}"/>
+              </a:ext>
+            </a:extLst>
+          </p:cNvPr>
+          <p:cNvPicPr>
+            <a:picLocks noChangeAspect="1"/>
+          </p:cNvPicPr>
+          <p:nvPr/>
+        </p:nvPicPr>
+        <p:blipFill>
+          <a:blip r:embed="rId2"/>
+          <a:stretch>
+            <a:fillRect/>
+          </a:stretch>
+        </p:blipFill>
+        <p:spPr>
+          <a:xfrm>
+            <a:off x="1655962" y="2930886"/>
+            <a:ext cx="8877993" cy="3761617"/>
+          </a:xfrm>
+          <a:prstGeom prst="rect">
+            <a:avLst/>
+          </a:prstGeom>
+        </p:spPr>
+      </p:pic>
+    </p:spTree>
+    <p:extLst>
+      <p:ext uri="{BB962C8B-B14F-4D97-AF65-F5344CB8AC3E}">
+        <p14:creationId xmlns:p14="http://schemas.microsoft.com/office/powerpoint/2010/main" val="3680144076"/>
+      </p:ext>
+    </p:extLst>
+  </p:cSld>
+  <p:clrMapOvr>
+    <a:masterClrMapping/>
+  </p:clrMapOvr>
+  <mc:AlternateContent xmlns:mc="http://schemas.openxmlformats.org/markup-compatibility/2006" xmlns:p14="http://schemas.microsoft.com/office/powerpoint/2010/main">
+    <mc:Choice Requires="p14">
+      <p:transition spd="med" p14:dur="700">
+        <p:fade/>
+      </p:transition>
+    </mc:Choice>
+    <mc:Fallback xmlns="">
+      <p:transition spd="med">
+        <p:fade/>
+      </p:transition>
+    </mc:Fallback>
+  </mc:AlternateContent>
+</p:sld>
+</file>
+
+<file path=ppt/slides/slide11.xml><?xml version="1.0" encoding="utf-8"?>
+<p:sld xmlns:a="http://schemas.openxmlformats.org/drawingml/2006/main" xmlns:r="http://schemas.openxmlformats.org/officeDocument/2006/relationships" xmlns:p="http://schemas.openxmlformats.org/presentationml/2006/main">
+  <p:cSld>
+    <p:spTree>
+      <p:nvGrpSpPr>
+        <p:cNvPr id="1" name=""/>
+        <p:cNvGrpSpPr/>
+        <p:nvPr/>
+      </p:nvGrpSpPr>
+      <p:grpSpPr>
+        <a:xfrm>
+          <a:off x="0" y="0"/>
+          <a:ext cx="0" cy="0"/>
+          <a:chOff x="0" y="0"/>
+          <a:chExt cx="0" cy="0"/>
+        </a:xfrm>
+      </p:grpSpPr>
+      <p:sp>
+        <p:nvSpPr>
+          <p:cNvPr id="2" name="标题 1">
+            <a:extLst>
+              <a:ext uri="{FF2B5EF4-FFF2-40B4-BE49-F238E27FC236}">
+                <a16:creationId xmlns:a16="http://schemas.microsoft.com/office/drawing/2014/main" id="{05E3430D-BEE0-42FF-97EA-21D7953A46B7}"/>
+              </a:ext>
+            </a:extLst>
+          </p:cNvPr>
+          <p:cNvSpPr>
+            <a:spLocks noGrp="1"/>
+          </p:cNvSpPr>
+          <p:nvPr>
+            <p:ph type="title"/>
+          </p:nvPr>
+        </p:nvSpPr>
+        <p:spPr/>
+        <p:txBody>
+          <a:bodyPr>
+            <a:normAutofit/>
+          </a:bodyPr>
+          <a:lstStyle/>
+          <a:p>
+            <a:r>
+              <a:rPr lang="zh-CN" altLang="en-US" dirty="0"/>
+              <a:t>改进</a:t>
+            </a:r>
+            <a:r>
+              <a:rPr lang="en-US" altLang="zh-CN" dirty="0"/>
+              <a:t>3—— </a:t>
+            </a:r>
+            <a:r>
+              <a:rPr lang="en-US" altLang="zh-CN" dirty="0" err="1"/>
+              <a:t>Scrapy</a:t>
+            </a:r>
+            <a:r>
+              <a:rPr lang="zh-CN" altLang="en-US" dirty="0"/>
+              <a:t>可视化管理管理工具</a:t>
+            </a:r>
+          </a:p>
+        </p:txBody>
+      </p:sp>
+      <p:sp>
+        <p:nvSpPr>
+          <p:cNvPr id="3" name="文本占位符 2">
+            <a:extLst>
+              <a:ext uri="{FF2B5EF4-FFF2-40B4-BE49-F238E27FC236}">
+                <a16:creationId xmlns:a16="http://schemas.microsoft.com/office/drawing/2014/main" id="{C001B156-59B8-4816-A44B-093B80980AB1}"/>
+              </a:ext>
+            </a:extLst>
+          </p:cNvPr>
+          <p:cNvSpPr>
+            <a:spLocks noGrp="1"/>
+          </p:cNvSpPr>
+          <p:nvPr>
+            <p:ph type="body" idx="1"/>
+          </p:nvPr>
+        </p:nvSpPr>
+        <p:spPr/>
+        <p:txBody>
+          <a:bodyPr/>
+          <a:lstStyle/>
+          <a:p>
+            <a:r>
+              <a:rPr lang="en-US" altLang="zh-CN" dirty="0" err="1"/>
+              <a:t>Scrapyd</a:t>
+            </a:r>
+            <a:endParaRPr lang="zh-CN" altLang="en-US" dirty="0"/>
+          </a:p>
+        </p:txBody>
+      </p:sp>
+      <p:sp>
+        <p:nvSpPr>
+          <p:cNvPr id="4" name="内容占位符 3">
+            <a:extLst>
+              <a:ext uri="{FF2B5EF4-FFF2-40B4-BE49-F238E27FC236}">
+                <a16:creationId xmlns:a16="http://schemas.microsoft.com/office/drawing/2014/main" id="{2C73AC67-6CA5-416D-A8B2-30371D16EE8B}"/>
+              </a:ext>
+            </a:extLst>
+          </p:cNvPr>
+          <p:cNvSpPr>
+            <a:spLocks noGrp="1"/>
+          </p:cNvSpPr>
+          <p:nvPr>
+            <p:ph sz="half" idx="2"/>
+          </p:nvPr>
+        </p:nvSpPr>
+        <p:spPr/>
+        <p:txBody>
+          <a:bodyPr/>
+          <a:lstStyle/>
+          <a:p>
+            <a:r>
+              <a:rPr lang="zh-CN" altLang="en-US" dirty="0"/>
+              <a:t>运行 </a:t>
+            </a:r>
+            <a:r>
+              <a:rPr lang="en-US" altLang="zh-CN" dirty="0" err="1"/>
+              <a:t>Scrapy</a:t>
+            </a:r>
+            <a:r>
+              <a:rPr lang="en-US" altLang="zh-CN" dirty="0"/>
+              <a:t> </a:t>
+            </a:r>
+            <a:r>
+              <a:rPr lang="zh-CN" altLang="en-US" dirty="0"/>
+              <a:t>爬虫程序的一种服务</a:t>
+            </a:r>
+            <a:endParaRPr lang="en-US" altLang="zh-CN" dirty="0"/>
+          </a:p>
+          <a:p>
+            <a:endParaRPr lang="zh-CN" altLang="en-US" dirty="0"/>
+          </a:p>
+        </p:txBody>
+      </p:sp>
+      <p:sp>
+        <p:nvSpPr>
+          <p:cNvPr id="5" name="文本占位符 4">
+            <a:extLst>
+              <a:ext uri="{FF2B5EF4-FFF2-40B4-BE49-F238E27FC236}">
+                <a16:creationId xmlns:a16="http://schemas.microsoft.com/office/drawing/2014/main" id="{03DA0432-CB92-4B48-8936-5065B3B7ACE6}"/>
+              </a:ext>
+            </a:extLst>
+          </p:cNvPr>
+          <p:cNvSpPr>
+            <a:spLocks noGrp="1"/>
+          </p:cNvSpPr>
+          <p:nvPr>
+            <p:ph type="body" sz="quarter" idx="3"/>
+          </p:nvPr>
+        </p:nvSpPr>
+        <p:spPr/>
+        <p:txBody>
+          <a:bodyPr/>
+          <a:lstStyle/>
+          <a:p>
+            <a:r>
+              <a:rPr lang="en-US" altLang="zh-CN" dirty="0" err="1"/>
+              <a:t>ScrapydArt</a:t>
+            </a:r>
+            <a:endParaRPr lang="zh-CN" altLang="en-US" dirty="0"/>
+          </a:p>
+        </p:txBody>
+      </p:sp>
+      <p:sp>
+        <p:nvSpPr>
+          <p:cNvPr id="6" name="内容占位符 5">
+            <a:extLst>
+              <a:ext uri="{FF2B5EF4-FFF2-40B4-BE49-F238E27FC236}">
+                <a16:creationId xmlns:a16="http://schemas.microsoft.com/office/drawing/2014/main" id="{20A6D494-E8EC-4C30-8371-625330136B11}"/>
+              </a:ext>
+            </a:extLst>
+          </p:cNvPr>
+          <p:cNvSpPr>
+            <a:spLocks noGrp="1"/>
+          </p:cNvSpPr>
+          <p:nvPr>
+            <p:ph sz="quarter" idx="4"/>
+          </p:nvPr>
+        </p:nvSpPr>
+        <p:spPr/>
+        <p:txBody>
+          <a:bodyPr/>
+          <a:lstStyle/>
+          <a:p>
+            <a:pPr>
+              <a:lnSpc>
+                <a:spcPct val="150000"/>
+              </a:lnSpc>
+            </a:pPr>
+            <a:r>
+              <a:rPr lang="zh-CN" altLang="en-US" dirty="0"/>
+              <a:t>在</a:t>
+            </a:r>
+            <a:r>
+              <a:rPr lang="en-US" altLang="zh-CN" dirty="0" err="1"/>
+              <a:t>Scrapyd</a:t>
+            </a:r>
+            <a:r>
+              <a:rPr lang="zh-CN" altLang="en-US" dirty="0"/>
+              <a:t>基础上新增了权限验证、筛选过滤、排序、数据统计以及排行榜等功能，并且有了更强大的</a:t>
+            </a:r>
+            <a:r>
+              <a:rPr lang="en-US" altLang="zh-CN" dirty="0"/>
+              <a:t>API</a:t>
+            </a:r>
+          </a:p>
+          <a:p>
+            <a:endParaRPr lang="zh-CN" altLang="en-US" dirty="0"/>
+          </a:p>
+        </p:txBody>
+      </p:sp>
+      <p:pic>
+        <p:nvPicPr>
+          <p:cNvPr id="7" name="图片 6">
+            <a:extLst>
+              <a:ext uri="{FF2B5EF4-FFF2-40B4-BE49-F238E27FC236}">
+                <a16:creationId xmlns:a16="http://schemas.microsoft.com/office/drawing/2014/main" id="{B7F58A8B-7D8A-453F-A223-B81B32AFD247}"/>
+              </a:ext>
+            </a:extLst>
+          </p:cNvPr>
+          <p:cNvPicPr>
+            <a:picLocks noChangeAspect="1"/>
+          </p:cNvPicPr>
+          <p:nvPr/>
+        </p:nvPicPr>
+        <p:blipFill>
+          <a:blip r:embed="rId3"/>
+          <a:stretch>
+            <a:fillRect/>
+          </a:stretch>
+        </p:blipFill>
+        <p:spPr>
+          <a:xfrm>
+            <a:off x="1474886" y="3101820"/>
+            <a:ext cx="4023570" cy="2334092"/>
+          </a:xfrm>
+          <a:prstGeom prst="rect">
+            <a:avLst/>
+          </a:prstGeom>
+        </p:spPr>
+      </p:pic>
+      <p:pic>
+        <p:nvPicPr>
+          <p:cNvPr id="8" name="图片 7">
+            <a:extLst>
+              <a:ext uri="{FF2B5EF4-FFF2-40B4-BE49-F238E27FC236}">
+                <a16:creationId xmlns:a16="http://schemas.microsoft.com/office/drawing/2014/main" id="{C013DCC5-448A-4C66-B02D-B64A4279B62F}"/>
+              </a:ext>
+            </a:extLst>
+          </p:cNvPr>
+          <p:cNvPicPr>
+            <a:picLocks noChangeAspect="1"/>
+          </p:cNvPicPr>
+          <p:nvPr/>
+        </p:nvPicPr>
+        <p:blipFill>
+          <a:blip r:embed="rId4"/>
+          <a:stretch>
+            <a:fillRect/>
+          </a:stretch>
+        </p:blipFill>
+        <p:spPr>
+          <a:xfrm>
+            <a:off x="6565299" y="3846657"/>
+            <a:ext cx="4086742" cy="2632682"/>
+          </a:xfrm>
+          <a:prstGeom prst="rect">
+            <a:avLst/>
+          </a:prstGeom>
+        </p:spPr>
+      </p:pic>
+    </p:spTree>
+    <p:extLst>
+      <p:ext uri="{BB962C8B-B14F-4D97-AF65-F5344CB8AC3E}">
+        <p14:creationId xmlns:p14="http://schemas.microsoft.com/office/powerpoint/2010/main" val="69015356"/>
+      </p:ext>
+    </p:extLst>
+  </p:cSld>
+  <p:clrMapOvr>
+    <a:masterClrMapping/>
+  </p:clrMapOvr>
+  <mc:AlternateContent xmlns:mc="http://schemas.openxmlformats.org/markup-compatibility/2006" xmlns:p14="http://schemas.microsoft.com/office/powerpoint/2010/main">
+    <mc:Choice Requires="p14">
+      <p:transition spd="med" p14:dur="700">
+        <p:fade/>
+      </p:transition>
+    </mc:Choice>
+    <mc:Fallback xmlns="">
+      <p:transition spd="med">
+        <p:fade/>
+      </p:transition>
+    </mc:Fallback>
+  </mc:AlternateContent>
+</p:sld>
+</file>
+
+<file path=ppt/slides/slide12.xml><?xml version="1.0" encoding="utf-8"?>
+<p:sld xmlns:a="http://schemas.openxmlformats.org/drawingml/2006/main" xmlns:r="http://schemas.openxmlformats.org/officeDocument/2006/relationships" xmlns:p="http://schemas.openxmlformats.org/presentationml/2006/main">
+  <p:cSld>
+    <p:spTree>
+      <p:nvGrpSpPr>
+        <p:cNvPr id="1" name=""/>
+        <p:cNvGrpSpPr/>
+        <p:nvPr/>
+      </p:nvGrpSpPr>
+      <p:grpSpPr>
+        <a:xfrm>
+          <a:off x="0" y="0"/>
+          <a:ext cx="0" cy="0"/>
+          <a:chOff x="0" y="0"/>
+          <a:chExt cx="0" cy="0"/>
+        </a:xfrm>
+      </p:grpSpPr>
+      <p:sp>
+        <p:nvSpPr>
+          <p:cNvPr id="2" name="标题 1">
+            <a:extLst>
+              <a:ext uri="{FF2B5EF4-FFF2-40B4-BE49-F238E27FC236}">
+                <a16:creationId xmlns:a16="http://schemas.microsoft.com/office/drawing/2014/main" id="{05E3430D-BEE0-42FF-97EA-21D7953A46B7}"/>
+              </a:ext>
+            </a:extLst>
+          </p:cNvPr>
+          <p:cNvSpPr>
+            <a:spLocks noGrp="1"/>
+          </p:cNvSpPr>
+          <p:nvPr>
+            <p:ph type="title"/>
+          </p:nvPr>
+        </p:nvSpPr>
+        <p:spPr/>
+        <p:txBody>
+          <a:bodyPr>
+            <a:normAutofit fontScale="90000"/>
+          </a:bodyPr>
+          <a:lstStyle/>
+          <a:p>
+            <a:r>
+              <a:rPr lang="zh-CN" altLang="en-US" dirty="0"/>
+              <a:t>可选的改进</a:t>
+            </a:r>
+            <a:r>
+              <a:rPr lang="en-US" altLang="zh-CN" dirty="0"/>
+              <a:t>—— </a:t>
+            </a:r>
+            <a:r>
+              <a:rPr lang="en-US" altLang="zh-CN" dirty="0" err="1"/>
+              <a:t>Scrapy</a:t>
+            </a:r>
+            <a:r>
+              <a:rPr lang="zh-CN" altLang="en-US" dirty="0"/>
+              <a:t>可视化管理管理工具</a:t>
+            </a:r>
+          </a:p>
+        </p:txBody>
+      </p:sp>
+      <p:sp>
+        <p:nvSpPr>
+          <p:cNvPr id="3" name="文本占位符 2">
+            <a:extLst>
+              <a:ext uri="{FF2B5EF4-FFF2-40B4-BE49-F238E27FC236}">
+                <a16:creationId xmlns:a16="http://schemas.microsoft.com/office/drawing/2014/main" id="{C001B156-59B8-4816-A44B-093B80980AB1}"/>
+              </a:ext>
+            </a:extLst>
+          </p:cNvPr>
+          <p:cNvSpPr>
+            <a:spLocks noGrp="1"/>
+          </p:cNvSpPr>
+          <p:nvPr>
+            <p:ph type="body" idx="1"/>
+          </p:nvPr>
+        </p:nvSpPr>
+        <p:spPr/>
+        <p:txBody>
+          <a:bodyPr/>
+          <a:lstStyle/>
+          <a:p>
+            <a:r>
+              <a:rPr lang="en-US" altLang="zh-CN" dirty="0" err="1"/>
+              <a:t>ScrapydWeb</a:t>
+            </a:r>
+            <a:endParaRPr lang="zh-CN" altLang="en-US" dirty="0"/>
+          </a:p>
+        </p:txBody>
+      </p:sp>
+      <p:sp>
+        <p:nvSpPr>
+          <p:cNvPr id="4" name="内容占位符 3">
+            <a:extLst>
+              <a:ext uri="{FF2B5EF4-FFF2-40B4-BE49-F238E27FC236}">
+                <a16:creationId xmlns:a16="http://schemas.microsoft.com/office/drawing/2014/main" id="{2C73AC67-6CA5-416D-A8B2-30371D16EE8B}"/>
+              </a:ext>
+            </a:extLst>
+          </p:cNvPr>
+          <p:cNvSpPr>
+            <a:spLocks noGrp="1"/>
+          </p:cNvSpPr>
+          <p:nvPr>
+            <p:ph sz="half" idx="2"/>
+          </p:nvPr>
+        </p:nvSpPr>
+        <p:spPr/>
+        <p:txBody>
+          <a:bodyPr/>
+          <a:lstStyle/>
+          <a:p>
+            <a:r>
+              <a:rPr lang="en-US" altLang="zh-CN" dirty="0" err="1"/>
+              <a:t>Scrapyd</a:t>
+            </a:r>
+            <a:r>
+              <a:rPr lang="en-US" altLang="zh-CN" dirty="0"/>
+              <a:t> </a:t>
+            </a:r>
+            <a:r>
+              <a:rPr lang="zh-CN" altLang="en-US" dirty="0"/>
+              <a:t>集群管理</a:t>
+            </a:r>
+          </a:p>
+          <a:p>
+            <a:r>
+              <a:rPr lang="en-US" altLang="zh-CN" dirty="0" err="1"/>
+              <a:t>Scrapy</a:t>
+            </a:r>
+            <a:r>
+              <a:rPr lang="en-US" altLang="zh-CN" dirty="0"/>
+              <a:t> </a:t>
+            </a:r>
+            <a:r>
+              <a:rPr lang="zh-CN" altLang="en-US" dirty="0"/>
+              <a:t>日志分析</a:t>
+            </a:r>
+          </a:p>
+          <a:p>
+            <a:r>
+              <a:rPr lang="zh-CN" altLang="en-US" dirty="0"/>
+              <a:t>支持所有 </a:t>
+            </a:r>
+            <a:r>
+              <a:rPr lang="en-US" altLang="zh-CN" dirty="0" err="1"/>
+              <a:t>Scrapyd</a:t>
+            </a:r>
+            <a:r>
+              <a:rPr lang="en-US" altLang="zh-CN" dirty="0"/>
+              <a:t> API</a:t>
+            </a:r>
+          </a:p>
+          <a:p>
+            <a:r>
+              <a:rPr lang="en-US" altLang="zh-CN" dirty="0"/>
+              <a:t>web UI </a:t>
+            </a:r>
+            <a:r>
+              <a:rPr lang="zh-CN" altLang="en-US" dirty="0"/>
+              <a:t>支持 </a:t>
+            </a:r>
+            <a:r>
+              <a:rPr lang="en-US" altLang="zh-CN" dirty="0"/>
+              <a:t>Basic Auth</a:t>
+            </a:r>
+          </a:p>
+          <a:p>
+            <a:endParaRPr lang="zh-CN" altLang="en-US" dirty="0"/>
+          </a:p>
+        </p:txBody>
+      </p:sp>
+      <p:sp>
+        <p:nvSpPr>
+          <p:cNvPr id="5" name="文本占位符 4">
+            <a:extLst>
+              <a:ext uri="{FF2B5EF4-FFF2-40B4-BE49-F238E27FC236}">
+                <a16:creationId xmlns:a16="http://schemas.microsoft.com/office/drawing/2014/main" id="{03DA0432-CB92-4B48-8936-5065B3B7ACE6}"/>
+              </a:ext>
+            </a:extLst>
+          </p:cNvPr>
+          <p:cNvSpPr>
+            <a:spLocks noGrp="1"/>
+          </p:cNvSpPr>
+          <p:nvPr>
+            <p:ph type="body" sz="quarter" idx="3"/>
+          </p:nvPr>
+        </p:nvSpPr>
+        <p:spPr/>
+        <p:txBody>
+          <a:bodyPr/>
+          <a:lstStyle/>
+          <a:p>
+            <a:r>
+              <a:rPr lang="en-US" altLang="zh-CN" dirty="0" err="1"/>
+              <a:t>SpiderKeeper</a:t>
+            </a:r>
+            <a:endParaRPr lang="zh-CN" altLang="en-US" dirty="0"/>
+          </a:p>
+        </p:txBody>
+      </p:sp>
+      <p:sp>
+        <p:nvSpPr>
+          <p:cNvPr id="6" name="内容占位符 5">
+            <a:extLst>
+              <a:ext uri="{FF2B5EF4-FFF2-40B4-BE49-F238E27FC236}">
+                <a16:creationId xmlns:a16="http://schemas.microsoft.com/office/drawing/2014/main" id="{20A6D494-E8EC-4C30-8371-625330136B11}"/>
+              </a:ext>
+            </a:extLst>
+          </p:cNvPr>
+          <p:cNvSpPr>
+            <a:spLocks noGrp="1"/>
+          </p:cNvSpPr>
+          <p:nvPr>
+            <p:ph sz="quarter" idx="4"/>
+          </p:nvPr>
+        </p:nvSpPr>
+        <p:spPr/>
+        <p:txBody>
+          <a:bodyPr/>
+          <a:lstStyle/>
+          <a:p>
+            <a:r>
+              <a:rPr lang="zh-CN" altLang="en-US" dirty="0"/>
+              <a:t>通过</a:t>
+            </a:r>
+            <a:r>
+              <a:rPr lang="en-US" altLang="zh-CN" dirty="0"/>
+              <a:t>web UI</a:t>
+            </a:r>
+            <a:r>
+              <a:rPr lang="zh-CN" altLang="en-US" dirty="0"/>
+              <a:t>管理爬虫</a:t>
+            </a:r>
+          </a:p>
+          <a:p>
+            <a:r>
+              <a:rPr lang="zh-CN" altLang="en-US" dirty="0"/>
+              <a:t>部署</a:t>
+            </a:r>
+            <a:r>
+              <a:rPr lang="en-US" altLang="zh-CN" dirty="0" err="1"/>
+              <a:t>scrapy</a:t>
+            </a:r>
+            <a:r>
+              <a:rPr lang="zh-CN" altLang="en-US" dirty="0"/>
+              <a:t>项目操作简单</a:t>
+            </a:r>
+          </a:p>
+          <a:p>
+            <a:r>
+              <a:rPr lang="zh-CN" altLang="en-US" dirty="0"/>
+              <a:t>显示爬虫运行统计</a:t>
+            </a:r>
+          </a:p>
+        </p:txBody>
+      </p:sp>
+      <p:pic>
+        <p:nvPicPr>
+          <p:cNvPr id="9" name="图片 8">
+            <a:extLst>
+              <a:ext uri="{FF2B5EF4-FFF2-40B4-BE49-F238E27FC236}">
+                <a16:creationId xmlns:a16="http://schemas.microsoft.com/office/drawing/2014/main" id="{3449101F-F31D-4EEC-8CA2-9AC9C252E11C}"/>
+              </a:ext>
+            </a:extLst>
+          </p:cNvPr>
+          <p:cNvPicPr>
+            <a:picLocks noChangeAspect="1"/>
+          </p:cNvPicPr>
+          <p:nvPr/>
+        </p:nvPicPr>
+        <p:blipFill>
+          <a:blip r:embed="rId2"/>
+          <a:stretch>
+            <a:fillRect/>
+          </a:stretch>
+        </p:blipFill>
+        <p:spPr>
+          <a:xfrm>
+            <a:off x="1431143" y="4190708"/>
+            <a:ext cx="4306609" cy="1667508"/>
+          </a:xfrm>
+          <a:prstGeom prst="rect">
+            <a:avLst/>
+          </a:prstGeom>
+        </p:spPr>
+      </p:pic>
+      <p:pic>
+        <p:nvPicPr>
+          <p:cNvPr id="10" name="图片 9">
+            <a:extLst>
+              <a:ext uri="{FF2B5EF4-FFF2-40B4-BE49-F238E27FC236}">
+                <a16:creationId xmlns:a16="http://schemas.microsoft.com/office/drawing/2014/main" id="{597715F5-4A91-4C20-80BE-0F34B2047AC8}"/>
+              </a:ext>
+            </a:extLst>
+          </p:cNvPr>
+          <p:cNvPicPr>
+            <a:picLocks noChangeAspect="1"/>
+          </p:cNvPicPr>
+          <p:nvPr/>
+        </p:nvPicPr>
+        <p:blipFill>
+          <a:blip r:embed="rId3"/>
+          <a:stretch>
+            <a:fillRect/>
+          </a:stretch>
+        </p:blipFill>
+        <p:spPr>
+          <a:xfrm>
+            <a:off x="6643805" y="3723609"/>
+            <a:ext cx="3929729" cy="2200468"/>
+          </a:xfrm>
+          <a:prstGeom prst="rect">
+            <a:avLst/>
+          </a:prstGeom>
+        </p:spPr>
+      </p:pic>
+    </p:spTree>
+    <p:extLst>
+      <p:ext uri="{BB962C8B-B14F-4D97-AF65-F5344CB8AC3E}">
+        <p14:creationId xmlns:p14="http://schemas.microsoft.com/office/powerpoint/2010/main" val="2689974410"/>
+      </p:ext>
+    </p:extLst>
+  </p:cSld>
+  <p:clrMapOvr>
+    <a:masterClrMapping/>
+  </p:clrMapOvr>
+  <mc:AlternateContent xmlns:mc="http://schemas.openxmlformats.org/markup-compatibility/2006" xmlns:p14="http://schemas.microsoft.com/office/powerpoint/2010/main">
+    <mc:Choice Requires="p14">
+      <p:transition spd="med" p14:dur="700">
+        <p:fade/>
+      </p:transition>
+    </mc:Choice>
+    <mc:Fallback xmlns="">
+      <p:transition spd="med">
+        <p:fade/>
+      </p:transition>
+    </mc:Fallback>
+  </mc:AlternateContent>
+</p:sld>
+</file>
+
+<file path=ppt/slides/slide13.xml><?xml version="1.0" encoding="utf-8"?>
+<p:sld xmlns:a="http://schemas.openxmlformats.org/drawingml/2006/main" xmlns:r="http://schemas.openxmlformats.org/officeDocument/2006/relationships" xmlns:p="http://schemas.openxmlformats.org/presentationml/2006/main">
+  <p:cSld>
+    <p:spTree>
+      <p:nvGrpSpPr>
+        <p:cNvPr id="1" name=""/>
+        <p:cNvGrpSpPr/>
+        <p:nvPr/>
+      </p:nvGrpSpPr>
+      <p:grpSpPr>
+        <a:xfrm>
+          <a:off x="0" y="0"/>
+          <a:ext cx="0" cy="0"/>
+          <a:chOff x="0" y="0"/>
+          <a:chExt cx="0" cy="0"/>
+        </a:xfrm>
+      </p:grpSpPr>
+      <p:sp>
+        <p:nvSpPr>
+          <p:cNvPr id="2" name="文本占位符 1"/>
+          <p:cNvSpPr>
+            <a:spLocks noGrp="1"/>
+          </p:cNvSpPr>
+          <p:nvPr>
+            <p:ph type="body" sz="quarter" idx="10"/>
+          </p:nvPr>
+        </p:nvSpPr>
+        <p:spPr/>
+        <p:txBody>
+          <a:bodyPr/>
+          <a:lstStyle/>
+          <a:p>
+            <a:r>
+              <a:rPr lang="zh-CN" altLang="en-US" dirty="0"/>
+              <a:t>目  录</a:t>
+            </a:r>
+          </a:p>
+        </p:txBody>
+      </p:sp>
+      <p:sp>
+        <p:nvSpPr>
+          <p:cNvPr id="3" name="文本占位符 2"/>
+          <p:cNvSpPr>
+            <a:spLocks noGrp="1"/>
+          </p:cNvSpPr>
+          <p:nvPr>
+            <p:ph type="body" sz="quarter" idx="11"/>
+          </p:nvPr>
+        </p:nvSpPr>
+        <p:spPr>
+          <a:xfrm>
+            <a:off x="4913083" y="2189458"/>
+            <a:ext cx="4030662" cy="507855"/>
+          </a:xfrm>
+        </p:spPr>
+        <p:txBody>
+          <a:bodyPr>
+            <a:normAutofit lnSpcReduction="10000"/>
+          </a:bodyPr>
+          <a:lstStyle/>
+          <a:p>
+            <a:r>
+              <a:rPr lang="en-US" altLang="zh-CN" dirty="0">
+                <a:solidFill>
+                  <a:schemeClr val="tx1">
+                    <a:lumMod val="25000"/>
+                    <a:lumOff val="75000"/>
+                  </a:schemeClr>
+                </a:solidFill>
+              </a:rPr>
+              <a:t>1 </a:t>
+            </a:r>
+            <a:r>
+              <a:rPr lang="zh-CN" altLang="en-US" dirty="0">
+                <a:solidFill>
+                  <a:schemeClr val="tx1">
+                    <a:lumMod val="25000"/>
+                    <a:lumOff val="75000"/>
+                  </a:schemeClr>
+                </a:solidFill>
+              </a:rPr>
+              <a:t>组员介绍</a:t>
+            </a:r>
+          </a:p>
+        </p:txBody>
+      </p:sp>
+      <p:sp>
+        <p:nvSpPr>
+          <p:cNvPr id="4" name="文本占位符 3"/>
+          <p:cNvSpPr>
+            <a:spLocks noGrp="1"/>
+          </p:cNvSpPr>
+          <p:nvPr>
+            <p:ph type="body" sz="quarter" idx="12"/>
+          </p:nvPr>
+        </p:nvSpPr>
+        <p:spPr>
+          <a:xfrm>
+            <a:off x="4913083" y="3149406"/>
+            <a:ext cx="4030662" cy="507855"/>
+          </a:xfrm>
+        </p:spPr>
+        <p:txBody>
+          <a:bodyPr>
+            <a:normAutofit lnSpcReduction="10000"/>
+          </a:bodyPr>
+          <a:lstStyle/>
+          <a:p>
+            <a:r>
+              <a:rPr lang="en-US" altLang="zh-CN" dirty="0">
+                <a:solidFill>
+                  <a:schemeClr val="tx1">
+                    <a:lumMod val="25000"/>
+                    <a:lumOff val="75000"/>
+                  </a:schemeClr>
+                </a:solidFill>
+              </a:rPr>
+              <a:t>2 </a:t>
+            </a:r>
+            <a:r>
+              <a:rPr lang="zh-CN" altLang="en-US" dirty="0">
+                <a:solidFill>
+                  <a:schemeClr val="tx1">
+                    <a:lumMod val="25000"/>
+                    <a:lumOff val="75000"/>
+                  </a:schemeClr>
+                </a:solidFill>
+              </a:rPr>
+              <a:t>项目选择</a:t>
+            </a:r>
+          </a:p>
+        </p:txBody>
+      </p:sp>
+      <p:sp>
+        <p:nvSpPr>
+          <p:cNvPr id="5" name="文本占位符 4"/>
+          <p:cNvSpPr>
+            <a:spLocks noGrp="1"/>
+          </p:cNvSpPr>
+          <p:nvPr>
+            <p:ph type="body" sz="quarter" idx="13"/>
+          </p:nvPr>
+        </p:nvSpPr>
+        <p:spPr>
+          <a:xfrm>
+            <a:off x="4913083" y="4109354"/>
+            <a:ext cx="4030662" cy="507855"/>
+          </a:xfrm>
+        </p:spPr>
+        <p:txBody>
+          <a:bodyPr>
+            <a:normAutofit lnSpcReduction="10000"/>
+          </a:bodyPr>
+          <a:lstStyle/>
+          <a:p>
+            <a:r>
+              <a:rPr lang="en-US" altLang="zh-CN" dirty="0"/>
+              <a:t>3 </a:t>
+            </a:r>
+            <a:r>
+              <a:rPr lang="zh-CN" altLang="en-US" dirty="0"/>
+              <a:t>项目计划</a:t>
+            </a:r>
+          </a:p>
+        </p:txBody>
+      </p:sp>
+    </p:spTree>
+    <p:extLst>
+      <p:ext uri="{BB962C8B-B14F-4D97-AF65-F5344CB8AC3E}">
+        <p14:creationId xmlns:p14="http://schemas.microsoft.com/office/powerpoint/2010/main" val="3063920228"/>
+      </p:ext>
+    </p:extLst>
+  </p:cSld>
+  <p:clrMapOvr>
+    <a:masterClrMapping/>
+  </p:clrMapOvr>
+  <mc:AlternateContent xmlns:mc="http://schemas.openxmlformats.org/markup-compatibility/2006" xmlns:p14="http://schemas.microsoft.com/office/powerpoint/2010/main">
+    <mc:Choice Requires="p14">
+      <p:transition spd="med" p14:dur="700">
+        <p:fade/>
+      </p:transition>
+    </mc:Choice>
+    <mc:Fallback xmlns="">
+      <p:transition spd="med">
+        <p:fade/>
+      </p:transition>
+    </mc:Fallback>
+  </mc:AlternateContent>
+</p:sld>
+</file>
+
+<file path=ppt/slides/slide14.xml><?xml version="1.0" encoding="utf-8"?>
+<p:sld xmlns:a="http://schemas.openxmlformats.org/drawingml/2006/main" xmlns:r="http://schemas.openxmlformats.org/officeDocument/2006/relationships" xmlns:p="http://schemas.openxmlformats.org/presentationml/2006/main">
+  <p:cSld>
+    <p:spTree>
+      <p:nvGrpSpPr>
+        <p:cNvPr id="1" name=""/>
+        <p:cNvGrpSpPr/>
+        <p:nvPr/>
+      </p:nvGrpSpPr>
+      <p:grpSpPr>
+        <a:xfrm>
+          <a:off x="0" y="0"/>
+          <a:ext cx="0" cy="0"/>
+          <a:chOff x="0" y="0"/>
+          <a:chExt cx="0" cy="0"/>
+        </a:xfrm>
+      </p:grpSpPr>
+      <p:sp>
+        <p:nvSpPr>
+          <p:cNvPr id="2" name="标题 1"/>
+          <p:cNvSpPr>
+            <a:spLocks noGrp="1"/>
+          </p:cNvSpPr>
+          <p:nvPr>
+            <p:ph type="title"/>
+          </p:nvPr>
+        </p:nvSpPr>
+        <p:spPr/>
+        <p:txBody>
+          <a:bodyPr/>
+          <a:lstStyle/>
+          <a:p>
+            <a:r>
+              <a:rPr lang="zh-CN" altLang="en-US" dirty="0"/>
+              <a:t>项目计划</a:t>
+            </a:r>
+          </a:p>
+        </p:txBody>
+      </p:sp>
+      <p:sp>
+        <p:nvSpPr>
+          <p:cNvPr id="3" name="文本占位符 2"/>
+          <p:cNvSpPr>
+            <a:spLocks noGrp="1"/>
+          </p:cNvSpPr>
+          <p:nvPr>
+            <p:ph type="body" idx="1"/>
+          </p:nvPr>
+        </p:nvSpPr>
+        <p:spPr>
+          <a:xfrm>
+            <a:off x="6571488" y="1563595"/>
+            <a:ext cx="4754880" cy="743094"/>
+          </a:xfrm>
+        </p:spPr>
+        <p:txBody>
+          <a:bodyPr/>
+          <a:lstStyle/>
+          <a:p>
+            <a:r>
+              <a:rPr lang="zh-CN" altLang="en-US" dirty="0"/>
+              <a:t>近期工作内容</a:t>
+            </a:r>
+          </a:p>
+        </p:txBody>
+      </p:sp>
+      <p:sp>
+        <p:nvSpPr>
+          <p:cNvPr id="4" name="内容占位符 3"/>
+          <p:cNvSpPr>
+            <a:spLocks noGrp="1"/>
+          </p:cNvSpPr>
+          <p:nvPr>
+            <p:ph sz="half" idx="2"/>
+          </p:nvPr>
+        </p:nvSpPr>
+        <p:spPr>
+          <a:xfrm>
+            <a:off x="6571488" y="2306691"/>
+            <a:ext cx="5132832" cy="4006734"/>
+          </a:xfrm>
+        </p:spPr>
+        <p:txBody>
+          <a:bodyPr>
+            <a:normAutofit fontScale="92500"/>
+          </a:bodyPr>
+          <a:lstStyle/>
+          <a:p>
+            <a:pPr>
+              <a:lnSpc>
+                <a:spcPct val="150000"/>
+              </a:lnSpc>
+              <a:buFont typeface="Wingdings" panose="05000000000000000000" pitchFamily="2" charset="2"/>
+              <a:buChar char="Ø"/>
+            </a:pPr>
+            <a:r>
+              <a:rPr lang="zh-CN" altLang="en-US" dirty="0"/>
+              <a:t>针对某个网站使用</a:t>
+            </a:r>
+            <a:r>
+              <a:rPr lang="en-US" altLang="zh-CN" dirty="0" err="1"/>
+              <a:t>Scrapy</a:t>
+            </a:r>
+            <a:r>
+              <a:rPr lang="zh-CN" altLang="en-US" dirty="0"/>
+              <a:t>编写爬虫程序，熟悉软件的使用并且了解背后的原理</a:t>
+            </a:r>
+            <a:endParaRPr lang="en-US" altLang="zh-CN" dirty="0"/>
+          </a:p>
+          <a:p>
+            <a:pPr>
+              <a:lnSpc>
+                <a:spcPct val="150000"/>
+              </a:lnSpc>
+              <a:buFont typeface="Wingdings" panose="05000000000000000000" pitchFamily="2" charset="2"/>
+              <a:buChar char="Ø"/>
+            </a:pPr>
+            <a:r>
+              <a:rPr lang="zh-CN" altLang="en-US" dirty="0"/>
+              <a:t>思考对</a:t>
+            </a:r>
+            <a:r>
+              <a:rPr lang="en-US" altLang="zh-CN" dirty="0" err="1"/>
+              <a:t>Scrapy</a:t>
+            </a:r>
+            <a:r>
+              <a:rPr lang="zh-CN" altLang="en-US" dirty="0"/>
+              <a:t>改进的具体方案和实现方法，包括：配合</a:t>
+            </a:r>
+            <a:r>
+              <a:rPr lang="en-US" altLang="zh-CN" dirty="0"/>
+              <a:t>selenium</a:t>
+            </a:r>
+            <a:r>
+              <a:rPr lang="zh-CN" altLang="en-US" dirty="0"/>
+              <a:t>反爬虫、分布式功能以及</a:t>
+            </a:r>
+            <a:r>
+              <a:rPr lang="en-US" altLang="zh-CN" dirty="0"/>
+              <a:t>WEB GUI</a:t>
+            </a:r>
+            <a:r>
+              <a:rPr lang="zh-CN" altLang="en-US" dirty="0"/>
+              <a:t>的配套开发</a:t>
+            </a:r>
+          </a:p>
+        </p:txBody>
+      </p:sp>
+      <p:sp>
+        <p:nvSpPr>
+          <p:cNvPr id="5" name="文本占位符 4"/>
+          <p:cNvSpPr>
+            <a:spLocks noGrp="1"/>
+          </p:cNvSpPr>
+          <p:nvPr>
+            <p:ph type="body" sz="quarter" idx="3"/>
+          </p:nvPr>
+        </p:nvSpPr>
+        <p:spPr>
+          <a:xfrm>
+            <a:off x="1249680" y="1563595"/>
+            <a:ext cx="4754880" cy="743094"/>
+          </a:xfrm>
+        </p:spPr>
+        <p:txBody>
+          <a:bodyPr/>
+          <a:lstStyle/>
+          <a:p>
+            <a:r>
+              <a:rPr lang="zh-CN" altLang="en-US" dirty="0"/>
+              <a:t>整体目标</a:t>
+            </a:r>
+          </a:p>
+        </p:txBody>
+      </p:sp>
+      <p:sp>
+        <p:nvSpPr>
+          <p:cNvPr id="6" name="内容占位符 5"/>
+          <p:cNvSpPr>
+            <a:spLocks noGrp="1"/>
+          </p:cNvSpPr>
+          <p:nvPr>
+            <p:ph sz="quarter" idx="4"/>
+          </p:nvPr>
+        </p:nvSpPr>
+        <p:spPr>
+          <a:xfrm>
+            <a:off x="1249680" y="2306689"/>
+            <a:ext cx="4754880" cy="3880751"/>
+          </a:xfrm>
+        </p:spPr>
+        <p:txBody>
+          <a:bodyPr>
+            <a:normAutofit fontScale="92500"/>
+          </a:bodyPr>
+          <a:lstStyle/>
+          <a:p>
+            <a:pPr marL="457200" indent="-457200">
+              <a:lnSpc>
+                <a:spcPct val="150000"/>
+              </a:lnSpc>
+              <a:buFont typeface="+mj-lt"/>
+              <a:buAutoNum type="arabicPeriod"/>
+            </a:pPr>
+            <a:r>
+              <a:rPr lang="zh-CN" altLang="en-US" dirty="0"/>
+              <a:t>了解</a:t>
+            </a:r>
+            <a:r>
+              <a:rPr lang="en-US" altLang="zh-CN" dirty="0" err="1"/>
+              <a:t>Scrapy</a:t>
+            </a:r>
+            <a:r>
+              <a:rPr lang="zh-CN" altLang="en-US" dirty="0"/>
+              <a:t>框架和使用方法及原理</a:t>
+            </a:r>
+            <a:endParaRPr lang="en-US" altLang="zh-CN" dirty="0"/>
+          </a:p>
+          <a:p>
+            <a:pPr marL="457200" indent="-457200">
+              <a:lnSpc>
+                <a:spcPct val="150000"/>
+              </a:lnSpc>
+              <a:buFont typeface="+mj-lt"/>
+              <a:buAutoNum type="arabicPeriod"/>
+            </a:pPr>
+            <a:r>
+              <a:rPr lang="zh-CN" altLang="en-US" dirty="0"/>
+              <a:t>使用</a:t>
+            </a:r>
+            <a:r>
+              <a:rPr lang="en-US" altLang="zh-CN" dirty="0" err="1"/>
+              <a:t>Scrapy</a:t>
+            </a:r>
+            <a:r>
+              <a:rPr lang="zh-CN" altLang="en-US" dirty="0"/>
+              <a:t>编写爬虫程序，阅读源代码，熟悉</a:t>
+            </a:r>
+            <a:r>
+              <a:rPr lang="en-US" altLang="zh-CN" dirty="0" err="1"/>
+              <a:t>Scrapy</a:t>
+            </a:r>
+            <a:r>
+              <a:rPr lang="zh-CN" altLang="en-US" dirty="0"/>
+              <a:t>框架的几个主要组件</a:t>
+            </a:r>
+            <a:endParaRPr lang="en-US" altLang="zh-CN" dirty="0"/>
+          </a:p>
+          <a:p>
+            <a:pPr marL="457200" indent="-457200">
+              <a:lnSpc>
+                <a:spcPct val="150000"/>
+              </a:lnSpc>
+              <a:buFont typeface="+mj-lt"/>
+              <a:buAutoNum type="arabicPeriod"/>
+            </a:pPr>
+            <a:r>
+              <a:rPr lang="zh-CN" altLang="en-US" dirty="0"/>
+              <a:t>针对某个网站编写完整的爬虫程序并分析性能</a:t>
+            </a:r>
+            <a:endParaRPr lang="en-US" altLang="zh-CN" dirty="0"/>
+          </a:p>
+          <a:p>
+            <a:pPr marL="457200" indent="-457200">
+              <a:lnSpc>
+                <a:spcPct val="150000"/>
+              </a:lnSpc>
+              <a:buFont typeface="+mj-lt"/>
+              <a:buAutoNum type="arabicPeriod"/>
+            </a:pPr>
+            <a:r>
+              <a:rPr lang="zh-CN" altLang="en-US" dirty="0"/>
+              <a:t>对爬虫程序进行改进和测试</a:t>
+            </a:r>
+          </a:p>
+        </p:txBody>
+      </p:sp>
+    </p:spTree>
+    <p:extLst>
+      <p:ext uri="{BB962C8B-B14F-4D97-AF65-F5344CB8AC3E}">
+        <p14:creationId xmlns:p14="http://schemas.microsoft.com/office/powerpoint/2010/main" val="2612895551"/>
+      </p:ext>
+    </p:extLst>
+  </p:cSld>
+  <p:clrMapOvr>
+    <a:masterClrMapping/>
+  </p:clrMapOvr>
+  <mc:AlternateContent xmlns:mc="http://schemas.openxmlformats.org/markup-compatibility/2006" xmlns:p14="http://schemas.microsoft.com/office/powerpoint/2010/main">
+    <mc:Choice Requires="p14">
+      <p:transition spd="med" p14:dur="700">
+        <p:fade/>
+      </p:transition>
+    </mc:Choice>
+    <mc:Fallback xmlns="">
+      <p:transition spd="med">
+        <p:fade/>
+      </p:transition>
+    </mc:Fallback>
+  </mc:AlternateContent>
+</p:sld>
+</file>
+
+<file path=ppt/slides/slide15.xml><?xml version="1.0" encoding="utf-8"?>
+<p:sld xmlns:a="http://schemas.openxmlformats.org/drawingml/2006/main" xmlns:r="http://schemas.openxmlformats.org/officeDocument/2006/relationships" xmlns:p="http://schemas.openxmlformats.org/presentationml/2006/main">
+  <p:cSld>
+    <p:spTree>
+      <p:nvGrpSpPr>
+        <p:cNvPr id="1" name=""/>
+        <p:cNvGrpSpPr/>
+        <p:nvPr/>
+      </p:nvGrpSpPr>
+      <p:grpSpPr>
+        <a:xfrm>
+          <a:off x="0" y="0"/>
+          <a:ext cx="0" cy="0"/>
+          <a:chOff x="0" y="0"/>
+          <a:chExt cx="0" cy="0"/>
+        </a:xfrm>
+      </p:grpSpPr>
+      <p:sp>
+        <p:nvSpPr>
+          <p:cNvPr id="2" name="标题 1">
+            <a:extLst>
+              <a:ext uri="{FF2B5EF4-FFF2-40B4-BE49-F238E27FC236}">
+                <a16:creationId xmlns:a16="http://schemas.microsoft.com/office/drawing/2014/main" id="{8930A575-499D-4AAC-9F57-CD7DB63C4BF1}"/>
+              </a:ext>
+            </a:extLst>
+          </p:cNvPr>
+          <p:cNvSpPr>
+            <a:spLocks noGrp="1"/>
+          </p:cNvSpPr>
+          <p:nvPr>
+            <p:ph type="title"/>
+          </p:nvPr>
+        </p:nvSpPr>
+        <p:spPr/>
+        <p:txBody>
+          <a:bodyPr/>
+          <a:lstStyle/>
+          <a:p>
+            <a:r>
+              <a:rPr lang="zh-CN" altLang="en-US" dirty="0"/>
+              <a:t>时间表</a:t>
+            </a:r>
+          </a:p>
+        </p:txBody>
+      </p:sp>
+      <p:graphicFrame>
+        <p:nvGraphicFramePr>
+          <p:cNvPr id="7" name="表格 7">
+            <a:extLst>
+              <a:ext uri="{FF2B5EF4-FFF2-40B4-BE49-F238E27FC236}">
+                <a16:creationId xmlns:a16="http://schemas.microsoft.com/office/drawing/2014/main" id="{D31E8322-DF0B-45DD-A587-F58563191670}"/>
+              </a:ext>
+            </a:extLst>
+          </p:cNvPr>
+          <p:cNvGraphicFramePr>
+            <a:graphicFrameLocks noGrp="1"/>
+          </p:cNvGraphicFramePr>
+          <p:nvPr>
+            <p:ph sz="half" idx="2"/>
+            <p:extLst>
+              <p:ext uri="{D42A27DB-BD31-4B8C-83A1-F6EECF244321}">
+                <p14:modId xmlns:p14="http://schemas.microsoft.com/office/powerpoint/2010/main" val="3618395289"/>
+              </p:ext>
+            </p:extLst>
+          </p:nvPr>
+        </p:nvGraphicFramePr>
+        <p:xfrm>
+          <a:off x="420085" y="1675462"/>
+          <a:ext cx="11351830" cy="4450080"/>
+        </p:xfrm>
+        <a:graphic>
+          <a:graphicData uri="http://schemas.openxmlformats.org/drawingml/2006/table">
+            <a:tbl>
+              <a:tblPr firstRow="1" bandRow="1">
+                <a:tableStyleId>{5C22544A-7EE6-4342-B048-85BDC9FD1C3A}</a:tableStyleId>
+              </a:tblPr>
+              <a:tblGrid>
+                <a:gridCol w="9717828">
+                  <a:extLst>
+                    <a:ext uri="{9D8B030D-6E8A-4147-A177-3AD203B41FA5}">
+                      <a16:colId xmlns:a16="http://schemas.microsoft.com/office/drawing/2014/main" val="64766722"/>
+                    </a:ext>
+                  </a:extLst>
+                </a:gridCol>
+                <a:gridCol w="1634002">
+                  <a:extLst>
+                    <a:ext uri="{9D8B030D-6E8A-4147-A177-3AD203B41FA5}">
+                      <a16:colId xmlns:a16="http://schemas.microsoft.com/office/drawing/2014/main" val="3546174839"/>
+                    </a:ext>
+                  </a:extLst>
+                </a:gridCol>
+              </a:tblGrid>
+              <a:tr h="370840">
+                <a:tc>
+                  <a:txBody>
+                    <a:bodyPr/>
+                    <a:lstStyle/>
+                    <a:p>
+                      <a:pPr algn="ctr"/>
+                      <a:r>
+                        <a:rPr lang="zh-CN" altLang="en-US" dirty="0"/>
+                        <a:t>主要计划</a:t>
+                      </a:r>
+                    </a:p>
+                  </a:txBody>
+                  <a:tcPr>
+                    <a:solidFill>
+                      <a:schemeClr val="accent1"/>
+                    </a:solidFill>
+                  </a:tcPr>
+                </a:tc>
+                <a:tc>
+                  <a:txBody>
+                    <a:bodyPr/>
+                    <a:lstStyle/>
+                    <a:p>
+                      <a:pPr algn="ctr"/>
+                      <a:r>
+                        <a:rPr lang="zh-CN" altLang="en-US" dirty="0"/>
+                        <a:t>周数</a:t>
+                      </a:r>
+                    </a:p>
+                  </a:txBody>
+                  <a:tcPr/>
+                </a:tc>
+                <a:extLst>
+                  <a:ext uri="{0D108BD9-81ED-4DB2-BD59-A6C34878D82A}">
+                    <a16:rowId xmlns:a16="http://schemas.microsoft.com/office/drawing/2014/main" val="264345844"/>
+                  </a:ext>
+                </a:extLst>
+              </a:tr>
+              <a:tr h="370840">
+                <a:tc>
+                  <a:txBody>
+                    <a:bodyPr/>
+                    <a:lstStyle/>
+                    <a:p>
+                      <a:pPr algn="ctr"/>
+                      <a:r>
+                        <a:rPr lang="zh-CN" altLang="en-US" dirty="0"/>
+                        <a:t>完成实验的准备，包括项目的目标、计划安排以及组织的形式</a:t>
+                      </a:r>
+                    </a:p>
+                  </a:txBody>
+                  <a:tcPr/>
+                </a:tc>
+                <a:tc>
+                  <a:txBody>
+                    <a:bodyPr/>
+                    <a:lstStyle/>
+                    <a:p>
+                      <a:pPr algn="ctr"/>
+                      <a:r>
+                        <a:rPr lang="en-US" altLang="zh-CN" dirty="0"/>
+                        <a:t>2</a:t>
+                      </a:r>
+                      <a:endParaRPr lang="zh-CN" altLang="en-US" dirty="0"/>
+                    </a:p>
+                  </a:txBody>
+                  <a:tcPr/>
+                </a:tc>
+                <a:extLst>
+                  <a:ext uri="{0D108BD9-81ED-4DB2-BD59-A6C34878D82A}">
+                    <a16:rowId xmlns:a16="http://schemas.microsoft.com/office/drawing/2014/main" val="3694345784"/>
+                  </a:ext>
+                </a:extLst>
+              </a:tr>
+              <a:tr h="370840">
+                <a:tc>
+                  <a:txBody>
+                    <a:bodyPr/>
+                    <a:lstStyle/>
+                    <a:p>
+                      <a:pPr algn="ctr"/>
+                      <a:r>
+                        <a:rPr lang="zh-CN" altLang="en-US" dirty="0"/>
+                        <a:t>完成软件的需求分析</a:t>
+                      </a:r>
+                    </a:p>
+                  </a:txBody>
+                  <a:tcPr/>
+                </a:tc>
+                <a:tc>
+                  <a:txBody>
+                    <a:bodyPr/>
+                    <a:lstStyle/>
+                    <a:p>
+                      <a:pPr algn="ctr"/>
+                      <a:r>
+                        <a:rPr lang="en-US" altLang="zh-CN" dirty="0"/>
+                        <a:t>3-4</a:t>
+                      </a:r>
+                      <a:endParaRPr lang="zh-CN" altLang="en-US" dirty="0"/>
+                    </a:p>
+                  </a:txBody>
+                  <a:tcPr/>
+                </a:tc>
+                <a:extLst>
+                  <a:ext uri="{0D108BD9-81ED-4DB2-BD59-A6C34878D82A}">
+                    <a16:rowId xmlns:a16="http://schemas.microsoft.com/office/drawing/2014/main" val="3934140763"/>
+                  </a:ext>
+                </a:extLst>
+              </a:tr>
+              <a:tr h="370840">
+                <a:tc>
+                  <a:txBody>
+                    <a:bodyPr/>
+                    <a:lstStyle/>
+                    <a:p>
+                      <a:pPr algn="ctr"/>
+                      <a:r>
+                        <a:rPr lang="zh-CN" altLang="en-US" dirty="0"/>
+                        <a:t>完成软件需求的评审和复审</a:t>
+                      </a:r>
+                    </a:p>
+                  </a:txBody>
+                  <a:tcPr/>
+                </a:tc>
+                <a:tc>
+                  <a:txBody>
+                    <a:bodyPr/>
+                    <a:lstStyle/>
+                    <a:p>
+                      <a:pPr algn="ctr"/>
+                      <a:r>
+                        <a:rPr lang="en-US" altLang="zh-CN" dirty="0"/>
+                        <a:t>5-6</a:t>
+                      </a:r>
+                      <a:endParaRPr lang="zh-CN" altLang="en-US" dirty="0"/>
+                    </a:p>
+                  </a:txBody>
+                  <a:tcPr/>
+                </a:tc>
+                <a:extLst>
+                  <a:ext uri="{0D108BD9-81ED-4DB2-BD59-A6C34878D82A}">
+                    <a16:rowId xmlns:a16="http://schemas.microsoft.com/office/drawing/2014/main" val="2290871653"/>
+                  </a:ext>
+                </a:extLst>
+              </a:tr>
+              <a:tr h="370840">
+                <a:tc>
+                  <a:txBody>
+                    <a:bodyPr/>
+                    <a:lstStyle/>
+                    <a:p>
+                      <a:pPr algn="ctr"/>
+                      <a:r>
+                        <a:rPr lang="zh-CN" altLang="en-US" dirty="0"/>
+                        <a:t>完成项目的管理、配置和分析</a:t>
+                      </a:r>
+                    </a:p>
+                  </a:txBody>
+                  <a:tcPr/>
+                </a:tc>
+                <a:tc>
+                  <a:txBody>
+                    <a:bodyPr/>
+                    <a:lstStyle/>
+                    <a:p>
+                      <a:pPr algn="ctr"/>
+                      <a:r>
+                        <a:rPr lang="en-US" altLang="zh-CN" dirty="0"/>
+                        <a:t>7</a:t>
+                      </a:r>
+                      <a:endParaRPr lang="zh-CN" altLang="en-US" dirty="0"/>
+                    </a:p>
+                  </a:txBody>
+                  <a:tcPr/>
+                </a:tc>
+                <a:extLst>
+                  <a:ext uri="{0D108BD9-81ED-4DB2-BD59-A6C34878D82A}">
+                    <a16:rowId xmlns:a16="http://schemas.microsoft.com/office/drawing/2014/main" val="245750687"/>
+                  </a:ext>
+                </a:extLst>
+              </a:tr>
+              <a:tr h="370840">
+                <a:tc>
+                  <a:txBody>
+                    <a:bodyPr/>
+                    <a:lstStyle/>
+                    <a:p>
+                      <a:pPr algn="ctr"/>
+                      <a:r>
+                        <a:rPr lang="zh-CN" altLang="en-US" dirty="0"/>
+                        <a:t>软件产品的改进及其实现</a:t>
+                      </a:r>
+                    </a:p>
+                  </a:txBody>
+                  <a:tcPr/>
+                </a:tc>
+                <a:tc>
+                  <a:txBody>
+                    <a:bodyPr/>
+                    <a:lstStyle/>
+                    <a:p>
+                      <a:pPr algn="ctr"/>
+                      <a:r>
+                        <a:rPr lang="en-US" altLang="zh-CN" dirty="0"/>
+                        <a:t>8-10</a:t>
+                      </a:r>
+                      <a:endParaRPr lang="zh-CN" altLang="en-US" dirty="0"/>
+                    </a:p>
+                  </a:txBody>
+                  <a:tcPr/>
+                </a:tc>
+                <a:extLst>
+                  <a:ext uri="{0D108BD9-81ED-4DB2-BD59-A6C34878D82A}">
+                    <a16:rowId xmlns:a16="http://schemas.microsoft.com/office/drawing/2014/main" val="3028844575"/>
+                  </a:ext>
+                </a:extLst>
+              </a:tr>
+              <a:tr h="370840">
+                <a:tc>
+                  <a:txBody>
+                    <a:bodyPr/>
+                    <a:lstStyle/>
+                    <a:p>
+                      <a:pPr marL="0" marR="0" lvl="0" indent="0" algn="ctr" defTabSz="914400" rtl="0" eaLnBrk="1" fontAlgn="auto" latinLnBrk="0" hangingPunct="1">
+                        <a:lnSpc>
+                          <a:spcPct val="100000"/>
+                        </a:lnSpc>
+                        <a:spcBef>
+                          <a:spcPts val="0"/>
+                        </a:spcBef>
+                        <a:spcAft>
+                          <a:spcPts val="0"/>
+                        </a:spcAft>
+                        <a:buClrTx/>
+                        <a:buSzTx/>
+                        <a:buFontTx/>
+                        <a:buNone/>
+                        <a:tabLst/>
+                        <a:defRPr/>
+                      </a:pPr>
+                      <a:r>
+                        <a:rPr lang="zh-CN" altLang="en-US" dirty="0"/>
+                        <a:t>配合</a:t>
+                      </a:r>
+                      <a:r>
+                        <a:rPr lang="en-US" altLang="zh-CN" dirty="0"/>
+                        <a:t>selenium</a:t>
+                      </a:r>
+                      <a:r>
+                        <a:rPr lang="zh-CN" altLang="en-US" dirty="0"/>
+                        <a:t>反爬虫、开发分布式功能、</a:t>
+                      </a:r>
+                      <a:r>
+                        <a:rPr lang="en-US" altLang="zh-CN" dirty="0"/>
+                        <a:t>WEB GUI</a:t>
+                      </a:r>
+                      <a:r>
+                        <a:rPr lang="zh-CN" altLang="en-US" dirty="0"/>
+                        <a:t>开发</a:t>
+                      </a:r>
+                    </a:p>
+                  </a:txBody>
+                  <a:tcPr/>
+                </a:tc>
+                <a:tc>
+                  <a:txBody>
+                    <a:bodyPr/>
+                    <a:lstStyle/>
+                    <a:p>
+                      <a:pPr algn="ctr"/>
+                      <a:r>
+                        <a:rPr lang="en-US" altLang="zh-CN" dirty="0"/>
+                        <a:t>8-9</a:t>
+                      </a:r>
+                      <a:endParaRPr lang="zh-CN" altLang="en-US" dirty="0"/>
+                    </a:p>
+                  </a:txBody>
+                  <a:tcPr/>
+                </a:tc>
+                <a:extLst>
+                  <a:ext uri="{0D108BD9-81ED-4DB2-BD59-A6C34878D82A}">
+                    <a16:rowId xmlns:a16="http://schemas.microsoft.com/office/drawing/2014/main" val="3462728270"/>
+                  </a:ext>
+                </a:extLst>
+              </a:tr>
+              <a:tr h="370840">
+                <a:tc>
+                  <a:txBody>
+                    <a:bodyPr/>
+                    <a:lstStyle/>
+                    <a:p>
+                      <a:pPr algn="ctr"/>
+                      <a:r>
+                        <a:rPr lang="zh-CN" altLang="en-US" dirty="0"/>
+                        <a:t>功能改进的整合和封装</a:t>
+                      </a:r>
+                    </a:p>
+                  </a:txBody>
+                  <a:tcPr/>
+                </a:tc>
+                <a:tc>
+                  <a:txBody>
+                    <a:bodyPr/>
+                    <a:lstStyle/>
+                    <a:p>
+                      <a:pPr algn="ctr"/>
+                      <a:r>
+                        <a:rPr lang="en-US" altLang="zh-CN" dirty="0"/>
+                        <a:t>10</a:t>
+                      </a:r>
+                      <a:endParaRPr lang="zh-CN" altLang="en-US" dirty="0"/>
+                    </a:p>
+                  </a:txBody>
+                  <a:tcPr/>
+                </a:tc>
+                <a:extLst>
+                  <a:ext uri="{0D108BD9-81ED-4DB2-BD59-A6C34878D82A}">
+                    <a16:rowId xmlns:a16="http://schemas.microsoft.com/office/drawing/2014/main" val="3183679442"/>
+                  </a:ext>
+                </a:extLst>
+              </a:tr>
+              <a:tr h="370840">
+                <a:tc>
+                  <a:txBody>
+                    <a:bodyPr/>
+                    <a:lstStyle/>
+                    <a:p>
+                      <a:pPr algn="ctr"/>
+                      <a:r>
+                        <a:rPr lang="zh-CN" altLang="en-US" dirty="0"/>
+                        <a:t>软件测试需求分析</a:t>
+                      </a:r>
+                    </a:p>
+                  </a:txBody>
+                  <a:tcPr/>
+                </a:tc>
+                <a:tc>
+                  <a:txBody>
+                    <a:bodyPr/>
+                    <a:lstStyle/>
+                    <a:p>
+                      <a:pPr algn="ctr"/>
+                      <a:r>
+                        <a:rPr lang="en-US" altLang="zh-CN" dirty="0"/>
+                        <a:t>11</a:t>
+                      </a:r>
+                      <a:endParaRPr lang="zh-CN" altLang="en-US" dirty="0"/>
+                    </a:p>
+                  </a:txBody>
+                  <a:tcPr/>
+                </a:tc>
+                <a:extLst>
+                  <a:ext uri="{0D108BD9-81ED-4DB2-BD59-A6C34878D82A}">
+                    <a16:rowId xmlns:a16="http://schemas.microsoft.com/office/drawing/2014/main" val="3185175639"/>
+                  </a:ext>
+                </a:extLst>
+              </a:tr>
+              <a:tr h="370840">
+                <a:tc>
+                  <a:txBody>
+                    <a:bodyPr/>
+                    <a:lstStyle/>
+                    <a:p>
+                      <a:pPr algn="ctr"/>
+                      <a:r>
+                        <a:rPr lang="zh-CN" altLang="en-US" dirty="0"/>
+                        <a:t>软件测试评审、复审</a:t>
+                      </a:r>
+                    </a:p>
+                  </a:txBody>
+                  <a:tcPr/>
+                </a:tc>
+                <a:tc>
+                  <a:txBody>
+                    <a:bodyPr/>
+                    <a:lstStyle/>
+                    <a:p>
+                      <a:pPr algn="ctr"/>
+                      <a:r>
+                        <a:rPr lang="en-US" altLang="zh-CN" dirty="0"/>
+                        <a:t>12-13</a:t>
+                      </a:r>
+                      <a:endParaRPr lang="zh-CN" altLang="en-US" dirty="0"/>
+                    </a:p>
+                  </a:txBody>
+                  <a:tcPr/>
+                </a:tc>
+                <a:extLst>
+                  <a:ext uri="{0D108BD9-81ED-4DB2-BD59-A6C34878D82A}">
+                    <a16:rowId xmlns:a16="http://schemas.microsoft.com/office/drawing/2014/main" val="1700167259"/>
+                  </a:ext>
+                </a:extLst>
+              </a:tr>
+              <a:tr h="370840">
+                <a:tc>
+                  <a:txBody>
+                    <a:bodyPr/>
+                    <a:lstStyle/>
+                    <a:p>
+                      <a:pPr algn="ctr"/>
+                      <a:r>
+                        <a:rPr lang="zh-CN" altLang="en-US" dirty="0"/>
+                        <a:t>软件测试演示及测评</a:t>
+                      </a:r>
+                    </a:p>
+                  </a:txBody>
+                  <a:tcPr/>
+                </a:tc>
+                <a:tc>
+                  <a:txBody>
+                    <a:bodyPr/>
+                    <a:lstStyle/>
+                    <a:p>
+                      <a:pPr algn="ctr"/>
+                      <a:r>
+                        <a:rPr lang="en-US" altLang="zh-CN" dirty="0"/>
+                        <a:t>14</a:t>
+                      </a:r>
+                      <a:endParaRPr lang="zh-CN" altLang="en-US" dirty="0"/>
+                    </a:p>
+                  </a:txBody>
+                  <a:tcPr/>
+                </a:tc>
+                <a:extLst>
+                  <a:ext uri="{0D108BD9-81ED-4DB2-BD59-A6C34878D82A}">
+                    <a16:rowId xmlns:a16="http://schemas.microsoft.com/office/drawing/2014/main" val="2445252589"/>
+                  </a:ext>
+                </a:extLst>
+              </a:tr>
+              <a:tr h="370840">
+                <a:tc>
+                  <a:txBody>
+                    <a:bodyPr/>
+                    <a:lstStyle/>
+                    <a:p>
+                      <a:pPr algn="ctr"/>
+                      <a:r>
+                        <a:rPr lang="zh-CN" altLang="en-US" dirty="0"/>
+                        <a:t>软件项目管理、配置管理及分析与总结</a:t>
+                      </a:r>
+                    </a:p>
+                  </a:txBody>
+                  <a:tcPr/>
+                </a:tc>
+                <a:tc>
+                  <a:txBody>
+                    <a:bodyPr/>
+                    <a:lstStyle/>
+                    <a:p>
+                      <a:pPr algn="ctr"/>
+                      <a:r>
+                        <a:rPr lang="en-US" altLang="zh-CN" dirty="0"/>
+                        <a:t>15-16</a:t>
+                      </a:r>
+                      <a:endParaRPr lang="zh-CN" altLang="en-US" dirty="0"/>
+                    </a:p>
+                  </a:txBody>
+                  <a:tcPr/>
+                </a:tc>
+                <a:extLst>
+                  <a:ext uri="{0D108BD9-81ED-4DB2-BD59-A6C34878D82A}">
+                    <a16:rowId xmlns:a16="http://schemas.microsoft.com/office/drawing/2014/main" val="1795082527"/>
+                  </a:ext>
+                </a:extLst>
+              </a:tr>
+            </a:tbl>
+          </a:graphicData>
+        </a:graphic>
+      </p:graphicFrame>
+    </p:spTree>
+    <p:extLst>
+      <p:ext uri="{BB962C8B-B14F-4D97-AF65-F5344CB8AC3E}">
+        <p14:creationId xmlns:p14="http://schemas.microsoft.com/office/powerpoint/2010/main" val="2126817662"/>
+      </p:ext>
+    </p:extLst>
+  </p:cSld>
+  <p:clrMapOvr>
+    <a:masterClrMapping/>
+  </p:clrMapOvr>
+  <mc:AlternateContent xmlns:mc="http://schemas.openxmlformats.org/markup-compatibility/2006" xmlns:p14="http://schemas.microsoft.com/office/powerpoint/2010/main">
+    <mc:Choice Requires="p14">
+      <p:transition spd="med" p14:dur="700">
+        <p:fade/>
+      </p:transition>
+    </mc:Choice>
+    <mc:Fallback xmlns="">
+      <p:transition spd="med">
+        <p:fade/>
+      </p:transition>
+    </mc:Fallback>
+  </mc:AlternateContent>
+</p:sld>
+</file>
+
+<file path=ppt/slides/slide16.xml><?xml version="1.0" encoding="utf-8"?>
 <p:sld xmlns:a="http://schemas.openxmlformats.org/drawingml/2006/main" xmlns:r="http://schemas.openxmlformats.org/officeDocument/2006/relationships" xmlns:p="http://schemas.openxmlformats.org/presentationml/2006/main">
   <p:cSld>
     <p:spTree>
@@ -3064,10 +5075,9 @@
           <a:lstStyle/>
           <a:p>
             <a:r>
-              <a:rPr lang="zh-CN" altLang="en-US" dirty="0" smtClean="0"/>
+              <a:rPr lang="zh-CN" altLang="en-US" dirty="0"/>
               <a:t>谢谢</a:t>
             </a:r>
-            <a:endParaRPr lang="zh-CN" altLang="en-US" dirty="0"/>
           </a:p>
         </p:txBody>
       </p:sp>
@@ -3093,13 +5103,6 @@
       </p:transition>
     </mc:Fallback>
   </mc:AlternateContent>
-  <p:timing>
-    <p:tnLst>
-      <p:par>
-        <p:cTn id="1" dur="indefinite" restart="never" nodeType="tmRoot"/>
-      </p:par>
-    </p:tnLst>
-  </p:timing>
 </p:sld>
 </file>
 
@@ -3136,10 +5139,9 @@
           <a:lstStyle/>
           <a:p>
             <a:r>
-              <a:rPr lang="zh-CN" altLang="en-US" dirty="0" smtClean="0"/>
+              <a:rPr lang="zh-CN" altLang="en-US" dirty="0"/>
               <a:t>目  录</a:t>
             </a:r>
-            <a:endParaRPr lang="zh-CN" altLang="en-US" dirty="0"/>
           </a:p>
         </p:txBody>
       </p:sp>
@@ -3170,10 +5172,9 @@
               <a:t>1 </a:t>
             </a:r>
             <a:r>
-              <a:rPr lang="zh-CN" altLang="en-US" dirty="0" smtClean="0"/>
+              <a:rPr lang="zh-CN" altLang="en-US" dirty="0"/>
               <a:t>组员介绍</a:t>
             </a:r>
-            <a:endParaRPr lang="zh-CN" altLang="en-US" dirty="0"/>
           </a:p>
         </p:txBody>
       </p:sp>
@@ -3211,7 +5212,7 @@
               <a:t>2 </a:t>
             </a:r>
             <a:r>
-              <a:rPr lang="zh-CN" altLang="en-US" dirty="0" smtClean="0">
+              <a:rPr lang="zh-CN" altLang="en-US" dirty="0">
                 <a:solidFill>
                   <a:schemeClr val="tx1">
                     <a:lumMod val="25000"/>
@@ -3221,14 +5222,6 @@
               </a:rPr>
               <a:t>项目选择</a:t>
             </a:r>
-            <a:endParaRPr lang="zh-CN" altLang="en-US" dirty="0">
-              <a:solidFill>
-                <a:schemeClr val="tx1">
-                  <a:lumMod val="25000"/>
-                  <a:lumOff val="75000"/>
-                </a:schemeClr>
-              </a:solidFill>
-            </a:endParaRPr>
           </a:p>
         </p:txBody>
       </p:sp>
@@ -3255,7 +5248,7 @@
           <a:lstStyle/>
           <a:p>
             <a:r>
-              <a:rPr lang="en-US" altLang="zh-CN" dirty="0" smtClean="0">
+              <a:rPr lang="en-US" altLang="zh-CN" dirty="0">
                 <a:solidFill>
                   <a:schemeClr val="tx1">
                     <a:lumMod val="25000"/>
@@ -3274,27 +5267,8 @@
                   </a:schemeClr>
                 </a:solidFill>
               </a:rPr>
-              <a:t>项目</a:t>
-            </a:r>
-            <a:r>
-              <a:rPr lang="zh-CN" altLang="en-US" dirty="0" smtClean="0">
-                <a:solidFill>
-                  <a:schemeClr val="tx1">
-                    <a:lumMod val="25000"/>
-                    <a:lumOff val="75000"/>
-                  </a:schemeClr>
-                </a:solidFill>
-              </a:rPr>
-              <a:t>计划</a:t>
-            </a:r>
-            <a:endParaRPr lang="zh-CN" altLang="en-US" dirty="0">
-              <a:solidFill>
-                <a:schemeClr val="tx1">
-                  <a:lumMod val="25000"/>
-                  <a:lumOff val="75000"/>
-                </a:schemeClr>
-              </a:solidFill>
-            </a:endParaRPr>
+              <a:t>项目计划</a:t>
+            </a:r>
           </a:p>
         </p:txBody>
       </p:sp>
@@ -3320,13 +5294,6 @@
       </p:transition>
     </mc:Fallback>
   </mc:AlternateContent>
-  <p:timing>
-    <p:tnLst>
-      <p:par>
-        <p:cTn id="1" dur="indefinite" restart="never" nodeType="tmRoot"/>
-      </p:par>
-    </p:tnLst>
-  </p:timing>
 </p:sld>
 </file>
 
@@ -3363,10 +5330,9 @@
           <a:lstStyle/>
           <a:p>
             <a:r>
-              <a:rPr lang="zh-CN" altLang="en-US" dirty="0" smtClean="0"/>
+              <a:rPr lang="zh-CN" altLang="en-US" dirty="0"/>
               <a:t>组员介绍</a:t>
             </a:r>
-            <a:endParaRPr lang="zh-CN" altLang="en-US" dirty="0"/>
           </a:p>
         </p:txBody>
       </p:sp>
@@ -3420,18 +5386,13 @@
           <a:p>
             <a:pPr algn="ctr"/>
             <a:r>
-              <a:rPr lang="zh-CN" altLang="en-US" sz="2000" dirty="0" smtClean="0">
+              <a:rPr lang="zh-CN" altLang="en-US" sz="2000" dirty="0">
                 <a:solidFill>
                   <a:schemeClr val="bg2"/>
                 </a:solidFill>
               </a:rPr>
               <a:t>赵正阳</a:t>
             </a:r>
-            <a:endParaRPr lang="zh-CN" altLang="en-US" sz="2000" dirty="0">
-              <a:solidFill>
-                <a:schemeClr val="bg2"/>
-              </a:solidFill>
-            </a:endParaRPr>
           </a:p>
         </p:txBody>
       </p:sp>
@@ -3465,10 +5426,10 @@
               <a:buChar char="Ø"/>
             </a:pPr>
             <a:r>
-              <a:rPr lang="zh-CN" altLang="en-US" dirty="0" smtClean="0"/>
+              <a:rPr lang="zh-CN" altLang="en-US" dirty="0"/>
               <a:t>软国重实验室</a:t>
             </a:r>
-            <a:endParaRPr lang="en-US" altLang="zh-CN" dirty="0" smtClean="0"/>
+            <a:endParaRPr lang="en-US" altLang="zh-CN" dirty="0"/>
           </a:p>
           <a:p>
             <a:pPr marL="285750" indent="-285750">
@@ -3479,18 +5440,18 @@
               <a:buChar char="Ø"/>
             </a:pPr>
             <a:r>
-              <a:rPr lang="zh-CN" altLang="en-US" dirty="0" smtClean="0"/>
+              <a:rPr lang="zh-CN" altLang="en-US" dirty="0"/>
               <a:t>熟悉</a:t>
             </a:r>
             <a:r>
-              <a:rPr lang="en-US" altLang="zh-CN" dirty="0" smtClean="0"/>
+              <a:rPr lang="en-US" altLang="zh-CN" dirty="0"/>
               <a:t>Java, Python</a:t>
             </a:r>
             <a:r>
-              <a:rPr lang="zh-CN" altLang="en-US" dirty="0" smtClean="0"/>
+              <a:rPr lang="zh-CN" altLang="en-US" dirty="0"/>
               <a:t>语言</a:t>
             </a:r>
-            <a:endParaRPr lang="en-US" altLang="zh-CN" dirty="0" smtClean="0"/>
+            <a:endParaRPr lang="en-US" altLang="zh-CN" dirty="0"/>
           </a:p>
           <a:p>
             <a:pPr marL="285750" indent="-285750">
@@ -3501,18 +5462,18 @@
               <a:buChar char="Ø"/>
             </a:pPr>
             <a:r>
-              <a:rPr lang="en-US" altLang="zh-CN" dirty="0" smtClean="0"/>
+              <a:rPr lang="en-US" altLang="zh-CN" dirty="0"/>
               <a:t>Spring Boot, </a:t>
             </a:r>
             <a:r>
-              <a:rPr lang="en-US" altLang="zh-CN" dirty="0" err="1" smtClean="0"/>
+              <a:rPr lang="en-US" altLang="zh-CN" dirty="0" err="1"/>
               <a:t>TensorFlow</a:t>
             </a:r>
             <a:r>
-              <a:rPr lang="zh-CN" altLang="en-US" dirty="0" smtClean="0"/>
+              <a:rPr lang="zh-CN" altLang="en-US" dirty="0"/>
               <a:t>框架</a:t>
             </a:r>
-            <a:endParaRPr lang="en-US" altLang="zh-CN" dirty="0" smtClean="0"/>
+            <a:endParaRPr lang="en-US" altLang="zh-CN" dirty="0"/>
           </a:p>
         </p:txBody>
       </p:sp>
@@ -3566,18 +5527,13 @@
           <a:p>
             <a:pPr algn="ctr"/>
             <a:r>
-              <a:rPr lang="zh-CN" altLang="en-US" sz="2000" dirty="0" smtClean="0">
+              <a:rPr lang="zh-CN" altLang="en-US" sz="2000" dirty="0">
                 <a:solidFill>
                   <a:schemeClr val="tx1"/>
                 </a:solidFill>
               </a:rPr>
               <a:t>郭浩隆</a:t>
             </a:r>
-            <a:endParaRPr lang="zh-CN" altLang="en-US" sz="2000" dirty="0">
-              <a:solidFill>
-                <a:schemeClr val="tx1"/>
-              </a:solidFill>
-            </a:endParaRPr>
           </a:p>
         </p:txBody>
       </p:sp>
@@ -3611,10 +5567,10 @@
               <a:buChar char="Ø"/>
             </a:pPr>
             <a:r>
-              <a:rPr lang="zh-CN" altLang="en-US" dirty="0" smtClean="0"/>
+              <a:rPr lang="zh-CN" altLang="en-US" dirty="0"/>
               <a:t>软国重实验室</a:t>
             </a:r>
-            <a:endParaRPr lang="en-US" altLang="zh-CN" dirty="0" smtClean="0"/>
+            <a:endParaRPr lang="en-US" altLang="zh-CN" dirty="0"/>
           </a:p>
           <a:p>
             <a:pPr marL="285750" indent="-285750">
@@ -3625,18 +5581,18 @@
               <a:buChar char="Ø"/>
             </a:pPr>
             <a:r>
-              <a:rPr lang="zh-CN" altLang="en-US" dirty="0" smtClean="0"/>
+              <a:rPr lang="zh-CN" altLang="en-US" dirty="0"/>
               <a:t>熟悉</a:t>
             </a:r>
             <a:r>
-              <a:rPr lang="en-US" altLang="zh-CN" dirty="0" smtClean="0"/>
+              <a:rPr lang="en-US" altLang="zh-CN" dirty="0"/>
               <a:t>Java, Python</a:t>
             </a:r>
             <a:r>
-              <a:rPr lang="zh-CN" altLang="en-US" dirty="0" smtClean="0"/>
+              <a:rPr lang="zh-CN" altLang="en-US" dirty="0"/>
               <a:t>语言</a:t>
             </a:r>
-            <a:endParaRPr lang="en-US" altLang="zh-CN" dirty="0" smtClean="0"/>
+            <a:endParaRPr lang="en-US" altLang="zh-CN" dirty="0"/>
           </a:p>
           <a:p>
             <a:pPr marL="285750" indent="-285750">
@@ -3647,18 +5603,18 @@
               <a:buChar char="Ø"/>
             </a:pPr>
             <a:r>
-              <a:rPr lang="en-US" altLang="zh-CN" dirty="0" smtClean="0"/>
+              <a:rPr lang="en-US" altLang="zh-CN" dirty="0"/>
               <a:t>Spring Boot, </a:t>
             </a:r>
             <a:r>
-              <a:rPr lang="en-US" altLang="zh-CN" dirty="0" err="1" smtClean="0"/>
+              <a:rPr lang="en-US" altLang="zh-CN" dirty="0" err="1"/>
               <a:t>PyTorch</a:t>
             </a:r>
             <a:r>
-              <a:rPr lang="zh-CN" altLang="en-US" dirty="0" smtClean="0"/>
+              <a:rPr lang="zh-CN" altLang="en-US" dirty="0"/>
               <a:t>框架</a:t>
             </a:r>
-            <a:endParaRPr lang="en-US" altLang="zh-CN" dirty="0" smtClean="0"/>
+            <a:endParaRPr lang="en-US" altLang="zh-CN" dirty="0"/>
           </a:p>
         </p:txBody>
       </p:sp>
@@ -3712,18 +5668,13 @@
           <a:p>
             <a:pPr algn="ctr"/>
             <a:r>
-              <a:rPr lang="zh-CN" altLang="en-US" sz="2000" dirty="0" smtClean="0">
+              <a:rPr lang="zh-CN" altLang="en-US" sz="2000" dirty="0">
                 <a:solidFill>
                   <a:schemeClr val="tx1"/>
                 </a:solidFill>
               </a:rPr>
               <a:t>沈一聪</a:t>
             </a:r>
-            <a:endParaRPr lang="zh-CN" altLang="en-US" sz="2000" dirty="0">
-              <a:solidFill>
-                <a:schemeClr val="tx1"/>
-              </a:solidFill>
-            </a:endParaRPr>
           </a:p>
         </p:txBody>
       </p:sp>
@@ -3777,18 +5728,13 @@
           <a:p>
             <a:pPr algn="ctr"/>
             <a:r>
-              <a:rPr lang="zh-CN" altLang="en-US" sz="2000" dirty="0" smtClean="0">
+              <a:rPr lang="zh-CN" altLang="en-US" sz="2000" dirty="0">
                 <a:solidFill>
                   <a:schemeClr val="bg2"/>
                 </a:solidFill>
               </a:rPr>
               <a:t>梁远志</a:t>
             </a:r>
-            <a:endParaRPr lang="zh-CN" altLang="en-US" sz="2000" dirty="0">
-              <a:solidFill>
-                <a:schemeClr val="bg2"/>
-              </a:solidFill>
-            </a:endParaRPr>
           </a:p>
         </p:txBody>
       </p:sp>
@@ -3923,18 +5869,13 @@
           <a:p>
             <a:pPr algn="ctr"/>
             <a:r>
-              <a:rPr lang="zh-CN" altLang="en-US" sz="2000" dirty="0" smtClean="0">
+              <a:rPr lang="zh-CN" altLang="en-US" sz="2000" dirty="0">
                 <a:solidFill>
                   <a:schemeClr val="bg2"/>
                 </a:solidFill>
               </a:rPr>
               <a:t>宋冰晨</a:t>
             </a:r>
-            <a:endParaRPr lang="zh-CN" altLang="en-US" sz="2000" dirty="0">
-              <a:solidFill>
-                <a:schemeClr val="bg2"/>
-              </a:solidFill>
-            </a:endParaRPr>
           </a:p>
         </p:txBody>
       </p:sp>
@@ -3969,13 +5910,9 @@
             </a:pPr>
             <a:r>
               <a:rPr lang="zh-CN" altLang="en-US" dirty="0"/>
-              <a:t>软件开发环境国家重点</a:t>
-            </a:r>
-            <a:r>
-              <a:rPr lang="zh-CN" altLang="en-US" dirty="0" smtClean="0"/>
-              <a:t>实验室</a:t>
-            </a:r>
-            <a:endParaRPr lang="en-US" altLang="zh-CN" dirty="0" smtClean="0"/>
+              <a:t>软件开发环境国家重点实验室</a:t>
+            </a:r>
+            <a:endParaRPr lang="en-US" altLang="zh-CN" dirty="0"/>
           </a:p>
           <a:p>
             <a:pPr marL="285750" indent="-285750">
@@ -3986,18 +5923,18 @@
               <a:buChar char="Ø"/>
             </a:pPr>
             <a:r>
-              <a:rPr lang="zh-CN" altLang="en-US" dirty="0" smtClean="0"/>
+              <a:rPr lang="zh-CN" altLang="en-US" dirty="0"/>
               <a:t>熟悉</a:t>
             </a:r>
             <a:r>
-              <a:rPr lang="en-US" altLang="zh-CN" dirty="0" smtClean="0"/>
+              <a:rPr lang="en-US" altLang="zh-CN" dirty="0"/>
               <a:t>Python, JavaScript</a:t>
             </a:r>
             <a:r>
-              <a:rPr lang="zh-CN" altLang="en-US" dirty="0" smtClean="0"/>
+              <a:rPr lang="zh-CN" altLang="en-US" dirty="0"/>
               <a:t>语言</a:t>
             </a:r>
-            <a:endParaRPr lang="en-US" altLang="zh-CN" dirty="0" smtClean="0"/>
+            <a:endParaRPr lang="en-US" altLang="zh-CN" dirty="0"/>
           </a:p>
           <a:p>
             <a:pPr marL="285750" indent="-285750">
@@ -4008,14 +5945,14 @@
               <a:buChar char="Ø"/>
             </a:pPr>
             <a:r>
-              <a:rPr lang="en-US" altLang="zh-CN" dirty="0" smtClean="0"/>
+              <a:rPr lang="en-US" altLang="zh-CN" dirty="0"/>
               <a:t>Django</a:t>
             </a:r>
             <a:r>
-              <a:rPr lang="zh-CN" altLang="en-US" dirty="0" smtClean="0"/>
+              <a:rPr lang="zh-CN" altLang="en-US" dirty="0"/>
               <a:t>框架</a:t>
             </a:r>
-            <a:endParaRPr lang="en-US" altLang="zh-CN" dirty="0" smtClean="0"/>
+            <a:endParaRPr lang="en-US" altLang="zh-CN" dirty="0"/>
           </a:p>
         </p:txBody>
       </p:sp>
@@ -4052,7 +5989,7 @@
               <a:rPr lang="zh-CN" altLang="en-US" dirty="0"/>
               <a:t>软件工程研究所操作系统实验室</a:t>
             </a:r>
-            <a:endParaRPr lang="en-US" altLang="zh-CN" dirty="0" smtClean="0"/>
+            <a:endParaRPr lang="en-US" altLang="zh-CN" dirty="0"/>
           </a:p>
           <a:p>
             <a:pPr marL="285750" indent="-285750">
@@ -4063,18 +6000,18 @@
               <a:buChar char="Ø"/>
             </a:pPr>
             <a:r>
-              <a:rPr lang="zh-CN" altLang="en-US" dirty="0" smtClean="0"/>
+              <a:rPr lang="zh-CN" altLang="en-US" dirty="0"/>
               <a:t>偏好</a:t>
             </a:r>
             <a:r>
-              <a:rPr lang="en-US" altLang="zh-CN" dirty="0" smtClean="0"/>
+              <a:rPr lang="en-US" altLang="zh-CN" dirty="0"/>
               <a:t>C++, Rust</a:t>
             </a:r>
             <a:r>
-              <a:rPr lang="zh-CN" altLang="en-US" dirty="0" smtClean="0"/>
+              <a:rPr lang="zh-CN" altLang="en-US" dirty="0"/>
               <a:t>语言</a:t>
             </a:r>
-            <a:endParaRPr lang="en-US" altLang="zh-CN" dirty="0" smtClean="0"/>
+            <a:endParaRPr lang="en-US" altLang="zh-CN" dirty="0"/>
           </a:p>
           <a:p>
             <a:pPr marL="285750" indent="-285750">
@@ -4085,10 +6022,45 @@
               <a:buChar char="Ø"/>
             </a:pPr>
             <a:r>
-              <a:rPr lang="zh-CN" altLang="en-US" dirty="0" smtClean="0"/>
+              <a:rPr lang="zh-CN" altLang="en-US" dirty="0"/>
               <a:t>偏好操作系统</a:t>
             </a:r>
-            <a:endParaRPr lang="en-US" altLang="zh-CN" dirty="0" smtClean="0"/>
+            <a:endParaRPr lang="en-US" altLang="zh-CN" dirty="0"/>
+          </a:p>
+        </p:txBody>
+      </p:sp>
+      <p:sp>
+        <p:nvSpPr>
+          <p:cNvPr id="3" name="文本框 2">
+            <a:extLst>
+              <a:ext uri="{FF2B5EF4-FFF2-40B4-BE49-F238E27FC236}">
+                <a16:creationId xmlns:a16="http://schemas.microsoft.com/office/drawing/2014/main" id="{15509B76-5863-41B7-A03B-0E539D9F34E0}"/>
+              </a:ext>
+            </a:extLst>
+          </p:cNvPr>
+          <p:cNvSpPr txBox="1"/>
+          <p:nvPr/>
+        </p:nvSpPr>
+        <p:spPr>
+          <a:xfrm>
+            <a:off x="788723" y="2517887"/>
+            <a:ext cx="944735" cy="369332"/>
+          </a:xfrm>
+          <a:prstGeom prst="rect">
+            <a:avLst/>
+          </a:prstGeom>
+          <a:noFill/>
+        </p:spPr>
+        <p:txBody>
+          <a:bodyPr wrap="square" rtlCol="0">
+            <a:spAutoFit/>
+          </a:bodyPr>
+          <a:lstStyle/>
+          <a:p>
+            <a:r>
+              <a:rPr lang="zh-CN" altLang="en-US" dirty="0"/>
+              <a:t>（组长）</a:t>
+            </a:r>
           </a:p>
         </p:txBody>
       </p:sp>
@@ -4114,17 +6086,453 @@
       </p:transition>
     </mc:Fallback>
   </mc:AlternateContent>
-  <p:timing>
-    <p:tnLst>
-      <p:par>
-        <p:cTn id="1" dur="indefinite" restart="never" nodeType="tmRoot"/>
-      </p:par>
-    </p:tnLst>
-  </p:timing>
 </p:sld>
 </file>
 
 <file path=ppt/slides/slide4.xml><?xml version="1.0" encoding="utf-8"?>
+<p:sld xmlns:a="http://schemas.openxmlformats.org/drawingml/2006/main" xmlns:r="http://schemas.openxmlformats.org/officeDocument/2006/relationships" xmlns:p="http://schemas.openxmlformats.org/presentationml/2006/main">
+  <p:cSld>
+    <p:spTree>
+      <p:nvGrpSpPr>
+        <p:cNvPr id="1" name=""/>
+        <p:cNvGrpSpPr/>
+        <p:nvPr/>
+      </p:nvGrpSpPr>
+      <p:grpSpPr>
+        <a:xfrm>
+          <a:off x="0" y="0"/>
+          <a:ext cx="0" cy="0"/>
+          <a:chOff x="0" y="0"/>
+          <a:chExt cx="0" cy="0"/>
+        </a:xfrm>
+      </p:grpSpPr>
+      <p:sp>
+        <p:nvSpPr>
+          <p:cNvPr id="2" name="标题 1">
+            <a:extLst>
+              <a:ext uri="{FF2B5EF4-FFF2-40B4-BE49-F238E27FC236}">
+                <a16:creationId xmlns:a16="http://schemas.microsoft.com/office/drawing/2014/main" id="{1BCB85EC-0B86-41DE-9622-3F318B40CF91}"/>
+              </a:ext>
+            </a:extLst>
+          </p:cNvPr>
+          <p:cNvSpPr>
+            <a:spLocks noGrp="1"/>
+          </p:cNvSpPr>
+          <p:nvPr>
+            <p:ph type="title"/>
+          </p:nvPr>
+        </p:nvSpPr>
+        <p:spPr/>
+        <p:txBody>
+          <a:bodyPr/>
+          <a:lstStyle/>
+          <a:p>
+            <a:r>
+              <a:rPr lang="zh-CN" altLang="en-US" dirty="0"/>
+              <a:t>组员分工</a:t>
+            </a:r>
+          </a:p>
+        </p:txBody>
+      </p:sp>
+      <p:graphicFrame>
+        <p:nvGraphicFramePr>
+          <p:cNvPr id="7" name="内容占位符 6">
+            <a:extLst>
+              <a:ext uri="{FF2B5EF4-FFF2-40B4-BE49-F238E27FC236}">
+                <a16:creationId xmlns:a16="http://schemas.microsoft.com/office/drawing/2014/main" id="{87EA58DC-DC85-4C8B-AF62-40A533824A52}"/>
+              </a:ext>
+            </a:extLst>
+          </p:cNvPr>
+          <p:cNvGraphicFramePr>
+            <a:graphicFrameLocks noGrp="1"/>
+          </p:cNvGraphicFramePr>
+          <p:nvPr>
+            <p:ph sz="quarter" idx="4"/>
+          </p:nvPr>
+        </p:nvGraphicFramePr>
+        <p:xfrm>
+          <a:off x="1264257" y="2208198"/>
+          <a:ext cx="8816655" cy="3407695"/>
+        </p:xfrm>
+        <a:graphic>
+          <a:graphicData uri="http://schemas.openxmlformats.org/drawingml/2006/table">
+            <a:tbl>
+              <a:tblPr firstRow="1" bandRow="1">
+                <a:tableStyleId>{5C22544A-7EE6-4342-B048-85BDC9FD1C3A}</a:tableStyleId>
+              </a:tblPr>
+              <a:tblGrid>
+                <a:gridCol w="4398380">
+                  <a:extLst>
+                    <a:ext uri="{9D8B030D-6E8A-4147-A177-3AD203B41FA5}">
+                      <a16:colId xmlns:a16="http://schemas.microsoft.com/office/drawing/2014/main" val="1978347053"/>
+                    </a:ext>
+                  </a:extLst>
+                </a:gridCol>
+                <a:gridCol w="4418275">
+                  <a:extLst>
+                    <a:ext uri="{9D8B030D-6E8A-4147-A177-3AD203B41FA5}">
+                      <a16:colId xmlns:a16="http://schemas.microsoft.com/office/drawing/2014/main" val="4072654422"/>
+                    </a:ext>
+                  </a:extLst>
+                </a:gridCol>
+              </a:tblGrid>
+              <a:tr h="681539">
+                <a:tc>
+                  <a:txBody>
+                    <a:bodyPr/>
+                    <a:lstStyle/>
+                    <a:p>
+                      <a:pPr algn="ctr"/>
+                      <a:r>
+                        <a:rPr lang="zh-CN" altLang="en-US" sz="2000" b="0" dirty="0">
+                          <a:solidFill>
+                            <a:schemeClr val="tx1"/>
+                          </a:solidFill>
+                        </a:rPr>
+                        <a:t>赵正阳</a:t>
+                      </a:r>
+                    </a:p>
+                  </a:txBody>
+                  <a:tcPr anchor="ctr">
+                    <a:solidFill>
+                      <a:srgbClr val="FFF4E7"/>
+                    </a:solidFill>
+                  </a:tcPr>
+                </a:tc>
+                <a:tc>
+                  <a:txBody>
+                    <a:bodyPr/>
+                    <a:lstStyle/>
+                    <a:p>
+                      <a:pPr algn="ctr"/>
+                      <a:r>
+                        <a:rPr lang="en-US" altLang="zh-CN" sz="2000" b="0" dirty="0">
+                          <a:solidFill>
+                            <a:schemeClr val="tx1"/>
+                          </a:solidFill>
+                        </a:rPr>
+                        <a:t>Coding</a:t>
+                      </a:r>
+                      <a:r>
+                        <a:rPr lang="zh-CN" altLang="en-US" sz="2000" b="0" dirty="0">
+                          <a:solidFill>
+                            <a:schemeClr val="tx1"/>
+                          </a:solidFill>
+                        </a:rPr>
+                        <a:t>、文档、会议记录</a:t>
+                      </a:r>
+                    </a:p>
+                  </a:txBody>
+                  <a:tcPr anchor="ctr">
+                    <a:solidFill>
+                      <a:srgbClr val="FFF4E7"/>
+                    </a:solidFill>
+                  </a:tcPr>
+                </a:tc>
+                <a:extLst>
+                  <a:ext uri="{0D108BD9-81ED-4DB2-BD59-A6C34878D82A}">
+                    <a16:rowId xmlns:a16="http://schemas.microsoft.com/office/drawing/2014/main" val="2981577922"/>
+                  </a:ext>
+                </a:extLst>
+              </a:tr>
+              <a:tr h="681539">
+                <a:tc>
+                  <a:txBody>
+                    <a:bodyPr/>
+                    <a:lstStyle/>
+                    <a:p>
+                      <a:pPr algn="ctr"/>
+                      <a:r>
+                        <a:rPr lang="zh-CN" altLang="en-US" sz="2000" b="0" dirty="0">
+                          <a:solidFill>
+                            <a:schemeClr val="tx1"/>
+                          </a:solidFill>
+                        </a:rPr>
+                        <a:t>郭浩隆</a:t>
+                      </a:r>
+                    </a:p>
+                  </a:txBody>
+                  <a:tcPr anchor="ctr"/>
+                </a:tc>
+                <a:tc>
+                  <a:txBody>
+                    <a:bodyPr/>
+                    <a:lstStyle/>
+                    <a:p>
+                      <a:pPr marL="0" marR="0" lvl="0" indent="0" algn="ctr" defTabSz="914400" rtl="0" eaLnBrk="1" fontAlgn="auto" latinLnBrk="0" hangingPunct="1">
+                        <a:lnSpc>
+                          <a:spcPct val="100000"/>
+                        </a:lnSpc>
+                        <a:spcBef>
+                          <a:spcPts val="0"/>
+                        </a:spcBef>
+                        <a:spcAft>
+                          <a:spcPts val="0"/>
+                        </a:spcAft>
+                        <a:buClrTx/>
+                        <a:buSzTx/>
+                        <a:buFontTx/>
+                        <a:buNone/>
+                        <a:tabLst/>
+                        <a:defRPr/>
+                      </a:pPr>
+                      <a:r>
+                        <a:rPr lang="en-US" altLang="zh-CN" sz="2000" b="0" dirty="0">
+                          <a:solidFill>
+                            <a:schemeClr val="tx1"/>
+                          </a:solidFill>
+                        </a:rPr>
+                        <a:t>coding</a:t>
+                      </a:r>
+                      <a:r>
+                        <a:rPr lang="zh-CN" altLang="en-US" sz="2000" b="0" dirty="0">
+                          <a:solidFill>
+                            <a:schemeClr val="tx1"/>
+                          </a:solidFill>
+                        </a:rPr>
+                        <a:t>、文档、项目进度控制</a:t>
+                      </a:r>
+                    </a:p>
+                  </a:txBody>
+                  <a:tcPr anchor="ctr"/>
+                </a:tc>
+                <a:extLst>
+                  <a:ext uri="{0D108BD9-81ED-4DB2-BD59-A6C34878D82A}">
+                    <a16:rowId xmlns:a16="http://schemas.microsoft.com/office/drawing/2014/main" val="1189106873"/>
+                  </a:ext>
+                </a:extLst>
+              </a:tr>
+              <a:tr h="681539">
+                <a:tc>
+                  <a:txBody>
+                    <a:bodyPr/>
+                    <a:lstStyle/>
+                    <a:p>
+                      <a:pPr algn="ctr"/>
+                      <a:r>
+                        <a:rPr lang="zh-CN" altLang="en-US" sz="2000" b="0" dirty="0">
+                          <a:solidFill>
+                            <a:schemeClr val="tx1"/>
+                          </a:solidFill>
+                        </a:rPr>
+                        <a:t>沈一聪</a:t>
+                      </a:r>
+                    </a:p>
+                  </a:txBody>
+                  <a:tcPr anchor="ctr"/>
+                </a:tc>
+                <a:tc>
+                  <a:txBody>
+                    <a:bodyPr/>
+                    <a:lstStyle/>
+                    <a:p>
+                      <a:pPr marL="0" marR="0" lvl="0" indent="0" algn="ctr" defTabSz="914400" rtl="0" eaLnBrk="1" fontAlgn="auto" latinLnBrk="0" hangingPunct="1">
+                        <a:lnSpc>
+                          <a:spcPct val="100000"/>
+                        </a:lnSpc>
+                        <a:spcBef>
+                          <a:spcPts val="0"/>
+                        </a:spcBef>
+                        <a:spcAft>
+                          <a:spcPts val="0"/>
+                        </a:spcAft>
+                        <a:buClrTx/>
+                        <a:buSzTx/>
+                        <a:buFontTx/>
+                        <a:buNone/>
+                        <a:tabLst/>
+                        <a:defRPr/>
+                      </a:pPr>
+                      <a:r>
+                        <a:rPr lang="en-US" altLang="zh-CN" sz="2000" b="0" dirty="0">
+                          <a:solidFill>
+                            <a:schemeClr val="tx1"/>
+                          </a:solidFill>
+                        </a:rPr>
+                        <a:t>coding</a:t>
+                      </a:r>
+                      <a:r>
+                        <a:rPr lang="zh-CN" altLang="en-US" sz="2000" b="0" dirty="0">
+                          <a:solidFill>
+                            <a:schemeClr val="tx1"/>
+                          </a:solidFill>
+                        </a:rPr>
+                        <a:t>、文档、项目进度控制</a:t>
+                      </a:r>
+                    </a:p>
+                  </a:txBody>
+                  <a:tcPr anchor="ctr"/>
+                </a:tc>
+                <a:extLst>
+                  <a:ext uri="{0D108BD9-81ED-4DB2-BD59-A6C34878D82A}">
+                    <a16:rowId xmlns:a16="http://schemas.microsoft.com/office/drawing/2014/main" val="2076603071"/>
+                  </a:ext>
+                </a:extLst>
+              </a:tr>
+              <a:tr h="681539">
+                <a:tc>
+                  <a:txBody>
+                    <a:bodyPr/>
+                    <a:lstStyle/>
+                    <a:p>
+                      <a:pPr algn="ctr"/>
+                      <a:r>
+                        <a:rPr lang="zh-CN" altLang="en-US" sz="2000" b="0" dirty="0">
+                          <a:solidFill>
+                            <a:schemeClr val="tx1"/>
+                          </a:solidFill>
+                        </a:rPr>
+                        <a:t>梁远志</a:t>
+                      </a:r>
+                    </a:p>
+                  </a:txBody>
+                  <a:tcPr anchor="ctr"/>
+                </a:tc>
+                <a:tc>
+                  <a:txBody>
+                    <a:bodyPr/>
+                    <a:lstStyle/>
+                    <a:p>
+                      <a:pPr marL="0" marR="0" lvl="0" indent="0" algn="ctr" defTabSz="914400" rtl="0" eaLnBrk="1" fontAlgn="auto" latinLnBrk="0" hangingPunct="1">
+                        <a:lnSpc>
+                          <a:spcPct val="100000"/>
+                        </a:lnSpc>
+                        <a:spcBef>
+                          <a:spcPts val="0"/>
+                        </a:spcBef>
+                        <a:spcAft>
+                          <a:spcPts val="0"/>
+                        </a:spcAft>
+                        <a:buClrTx/>
+                        <a:buSzTx/>
+                        <a:buFontTx/>
+                        <a:buNone/>
+                        <a:tabLst/>
+                        <a:defRPr/>
+                      </a:pPr>
+                      <a:r>
+                        <a:rPr lang="en-US" altLang="zh-CN" sz="2000" b="0" dirty="0">
+                          <a:solidFill>
+                            <a:schemeClr val="tx1"/>
+                          </a:solidFill>
+                        </a:rPr>
+                        <a:t>coding</a:t>
+                      </a:r>
+                      <a:r>
+                        <a:rPr lang="zh-CN" altLang="en-US" sz="2000" b="0" dirty="0">
+                          <a:solidFill>
+                            <a:schemeClr val="tx1"/>
+                          </a:solidFill>
+                        </a:rPr>
+                        <a:t>、文档、测试</a:t>
+                      </a:r>
+                    </a:p>
+                  </a:txBody>
+                  <a:tcPr anchor="ctr"/>
+                </a:tc>
+                <a:extLst>
+                  <a:ext uri="{0D108BD9-81ED-4DB2-BD59-A6C34878D82A}">
+                    <a16:rowId xmlns:a16="http://schemas.microsoft.com/office/drawing/2014/main" val="1882028202"/>
+                  </a:ext>
+                </a:extLst>
+              </a:tr>
+              <a:tr h="681539">
+                <a:tc>
+                  <a:txBody>
+                    <a:bodyPr/>
+                    <a:lstStyle/>
+                    <a:p>
+                      <a:pPr algn="ctr"/>
+                      <a:r>
+                        <a:rPr lang="zh-CN" altLang="en-US" sz="2000" b="0" dirty="0">
+                          <a:solidFill>
+                            <a:schemeClr val="tx1"/>
+                          </a:solidFill>
+                        </a:rPr>
+                        <a:t>宋冰晨</a:t>
+                      </a:r>
+                    </a:p>
+                  </a:txBody>
+                  <a:tcPr anchor="ctr"/>
+                </a:tc>
+                <a:tc>
+                  <a:txBody>
+                    <a:bodyPr/>
+                    <a:lstStyle/>
+                    <a:p>
+                      <a:pPr marL="0" marR="0" lvl="0" indent="0" algn="ctr" defTabSz="914400" rtl="0" eaLnBrk="1" fontAlgn="auto" latinLnBrk="0" hangingPunct="1">
+                        <a:lnSpc>
+                          <a:spcPct val="100000"/>
+                        </a:lnSpc>
+                        <a:spcBef>
+                          <a:spcPts val="0"/>
+                        </a:spcBef>
+                        <a:spcAft>
+                          <a:spcPts val="0"/>
+                        </a:spcAft>
+                        <a:buClrTx/>
+                        <a:buSzTx/>
+                        <a:buFontTx/>
+                        <a:buNone/>
+                        <a:tabLst/>
+                        <a:defRPr/>
+                      </a:pPr>
+                      <a:r>
+                        <a:rPr lang="en-US" altLang="zh-CN" sz="2000" b="0" dirty="0">
+                          <a:solidFill>
+                            <a:schemeClr val="tx1"/>
+                          </a:solidFill>
+                        </a:rPr>
+                        <a:t>coding</a:t>
+                      </a:r>
+                      <a:r>
+                        <a:rPr lang="zh-CN" altLang="en-US" sz="2000" b="0" dirty="0">
+                          <a:solidFill>
+                            <a:schemeClr val="tx1"/>
+                          </a:solidFill>
+                        </a:rPr>
+                        <a:t>、文档、测试</a:t>
+                      </a:r>
+                    </a:p>
+                  </a:txBody>
+                  <a:tcPr anchor="ctr"/>
+                </a:tc>
+                <a:extLst>
+                  <a:ext uri="{0D108BD9-81ED-4DB2-BD59-A6C34878D82A}">
+                    <a16:rowId xmlns:a16="http://schemas.microsoft.com/office/drawing/2014/main" val="1666537950"/>
+                  </a:ext>
+                </a:extLst>
+              </a:tr>
+            </a:tbl>
+          </a:graphicData>
+        </a:graphic>
+      </p:graphicFrame>
+    </p:spTree>
+    <p:extLst>
+      <p:ext uri="{BB962C8B-B14F-4D97-AF65-F5344CB8AC3E}">
+        <p14:creationId xmlns:p14="http://schemas.microsoft.com/office/powerpoint/2010/main" val="1408734187"/>
+      </p:ext>
+    </p:extLst>
+  </p:cSld>
+  <p:clrMapOvr>
+    <a:masterClrMapping/>
+  </p:clrMapOvr>
+  <mc:AlternateContent xmlns:mc="http://schemas.openxmlformats.org/markup-compatibility/2006" xmlns:p14="http://schemas.microsoft.com/office/powerpoint/2010/main">
+    <mc:Choice Requires="p14">
+      <p:transition spd="med" p14:dur="700">
+        <p:fade/>
+      </p:transition>
+    </mc:Choice>
+    <mc:Fallback xmlns="">
+      <p:transition spd="med">
+        <p:fade/>
+      </p:transition>
+    </mc:Fallback>
+  </mc:AlternateContent>
+</p:sld>
+</file>
+
+<file path=ppt/slides/slide5.xml><?xml version="1.0" encoding="utf-8"?>
 <p:sld xmlns:a="http://schemas.openxmlformats.org/drawingml/2006/main" xmlns:r="http://schemas.openxmlformats.org/officeDocument/2006/relationships" xmlns:p="http://schemas.openxmlformats.org/presentationml/2006/main">
   <p:cSld>
     <p:spTree>
@@ -4157,10 +6565,9 @@
           <a:lstStyle/>
           <a:p>
             <a:r>
-              <a:rPr lang="zh-CN" altLang="en-US" dirty="0" smtClean="0"/>
+              <a:rPr lang="zh-CN" altLang="en-US" dirty="0"/>
               <a:t>协作方式</a:t>
             </a:r>
-            <a:endParaRPr lang="zh-CN" altLang="en-US" dirty="0"/>
           </a:p>
         </p:txBody>
       </p:sp>
@@ -4174,16 +6581,20 @@
             <p:ph type="body" idx="1"/>
           </p:nvPr>
         </p:nvSpPr>
-        <p:spPr/>
+        <p:spPr>
+          <a:xfrm>
+            <a:off x="1454561" y="1538042"/>
+            <a:ext cx="4095422" cy="743094"/>
+          </a:xfrm>
+        </p:spPr>
         <p:txBody>
           <a:bodyPr/>
           <a:lstStyle/>
           <a:p>
             <a:r>
-              <a:rPr lang="zh-CN" altLang="en-US" dirty="0" smtClean="0"/>
-              <a:t>小组会议</a:t>
-            </a:r>
-            <a:endParaRPr lang="zh-CN" altLang="en-US" dirty="0"/>
+              <a:rPr lang="zh-CN" altLang="en-US" dirty="0"/>
+              <a:t>小组交流</a:t>
+            </a:r>
           </a:p>
         </p:txBody>
       </p:sp>
@@ -4197,9 +6608,16 @@
             <p:ph sz="half" idx="2"/>
           </p:nvPr>
         </p:nvSpPr>
-        <p:spPr/>
+        <p:spPr>
+          <a:xfrm>
+            <a:off x="1454560" y="2281138"/>
+            <a:ext cx="4569002" cy="4006734"/>
+          </a:xfrm>
+        </p:spPr>
         <p:txBody>
-          <a:bodyPr/>
+          <a:bodyPr>
+            <a:normAutofit/>
+          </a:bodyPr>
           <a:lstStyle/>
           <a:p>
             <a:pPr>
@@ -4209,7 +6627,7 @@
               <a:buFont typeface="Wingdings" panose="05000000000000000000" pitchFamily="2" charset="2"/>
               <a:buChar char="Ø"/>
             </a:pPr>
-            <a:endParaRPr lang="en-US" altLang="zh-CN" dirty="0" smtClean="0"/>
+            <a:endParaRPr lang="en-US" altLang="zh-CN" dirty="0"/>
           </a:p>
           <a:p>
             <a:pPr>
@@ -4220,18 +6638,18 @@
               <a:buChar char="Ø"/>
             </a:pPr>
             <a:r>
-              <a:rPr lang="zh-CN" altLang="en-US" dirty="0" smtClean="0"/>
-              <a:t>每周五晚</a:t>
-            </a:r>
-            <a:r>
-              <a:rPr lang="en-US" altLang="zh-CN" dirty="0" smtClean="0"/>
+              <a:rPr lang="zh-CN" altLang="en-US" dirty="0"/>
+              <a:t>每周五和周一晚</a:t>
+            </a:r>
+            <a:r>
+              <a:rPr lang="en-US" altLang="zh-CN" dirty="0"/>
               <a:t>7:00</a:t>
             </a:r>
             <a:r>
-              <a:rPr lang="zh-CN" altLang="en-US" dirty="0" smtClean="0"/>
+              <a:rPr lang="zh-CN" altLang="en-US" dirty="0"/>
               <a:t>在微信群或腾讯会议开小组会</a:t>
             </a:r>
-            <a:endParaRPr lang="en-US" altLang="zh-CN" dirty="0" smtClean="0"/>
+            <a:endParaRPr lang="en-US" altLang="zh-CN" dirty="0"/>
           </a:p>
           <a:p>
             <a:pPr>
@@ -4242,50 +6660,11 @@
               <a:buChar char="Ø"/>
             </a:pPr>
             <a:r>
-              <a:rPr lang="zh-CN" altLang="en-US" dirty="0" smtClean="0"/>
+              <a:rPr lang="zh-CN" altLang="en-US" dirty="0"/>
               <a:t>交流各自的进展，安排下一周的工作计划</a:t>
             </a:r>
-            <a:endParaRPr lang="zh-CN" altLang="en-US" dirty="0"/>
-          </a:p>
-        </p:txBody>
-      </p:sp>
-      <p:sp>
-        <p:nvSpPr>
-          <p:cNvPr id="5" name="文本占位符 4"/>
-          <p:cNvSpPr>
-            <a:spLocks noGrp="1"/>
-          </p:cNvSpPr>
-          <p:nvPr>
-            <p:ph type="body" sz="quarter" idx="3"/>
-          </p:nvPr>
-        </p:nvSpPr>
-        <p:spPr/>
-        <p:txBody>
-          <a:bodyPr/>
-          <a:lstStyle/>
-          <a:p>
-            <a:r>
-              <a:rPr lang="zh-CN" altLang="en-US" dirty="0" smtClean="0"/>
-              <a:t>线上交流</a:t>
-            </a:r>
-            <a:endParaRPr lang="zh-CN" altLang="en-US" dirty="0"/>
-          </a:p>
-        </p:txBody>
-      </p:sp>
-      <p:sp>
-        <p:nvSpPr>
-          <p:cNvPr id="6" name="内容占位符 5"/>
-          <p:cNvSpPr>
-            <a:spLocks noGrp="1"/>
-          </p:cNvSpPr>
-          <p:nvPr>
-            <p:ph sz="quarter" idx="4"/>
-          </p:nvPr>
-        </p:nvSpPr>
-        <p:spPr/>
-        <p:txBody>
-          <a:bodyPr/>
-          <a:lstStyle/>
+            <a:endParaRPr lang="en-US" altLang="zh-CN" dirty="0"/>
+          </a:p>
           <a:p>
             <a:pPr>
               <a:lnSpc>
@@ -4294,7 +6673,11 @@
               <a:buFont typeface="Wingdings" panose="05000000000000000000" pitchFamily="2" charset="2"/>
               <a:buChar char="Ø"/>
             </a:pPr>
-            <a:endParaRPr lang="en-US" altLang="zh-CN" dirty="0" smtClean="0"/>
+            <a:r>
+              <a:rPr lang="zh-CN" altLang="en-US" dirty="0"/>
+              <a:t>有问题随时在微信群中讨论</a:t>
+            </a:r>
+            <a:endParaRPr lang="en-US" altLang="zh-CN" dirty="0"/>
           </a:p>
           <a:p>
             <a:pPr>
@@ -4304,24 +6687,6 @@
               <a:buFont typeface="Wingdings" panose="05000000000000000000" pitchFamily="2" charset="2"/>
               <a:buChar char="Ø"/>
             </a:pPr>
-            <a:r>
-              <a:rPr lang="zh-CN" altLang="en-US" dirty="0" smtClean="0"/>
-              <a:t>有问题随时在微信群中讨论</a:t>
-            </a:r>
-            <a:endParaRPr lang="en-US" altLang="zh-CN" dirty="0" smtClean="0"/>
-          </a:p>
-          <a:p>
-            <a:pPr>
-              <a:lnSpc>
-                <a:spcPct val="150000"/>
-              </a:lnSpc>
-              <a:buFont typeface="Wingdings" panose="05000000000000000000" pitchFamily="2" charset="2"/>
-              <a:buChar char="Ø"/>
-            </a:pPr>
-            <a:r>
-              <a:rPr lang="zh-CN" altLang="en-US" dirty="0" smtClean="0"/>
-              <a:t>分享学习、参考材料</a:t>
-            </a:r>
             <a:endParaRPr lang="zh-CN" altLang="en-US" dirty="0"/>
           </a:p>
         </p:txBody>
@@ -4334,8 +6699,8 @@
         </p:nvGrpSpPr>
         <p:grpSpPr>
           <a:xfrm>
-            <a:off x="2596749" y="1721141"/>
-            <a:ext cx="493231" cy="289337"/>
+            <a:off x="2844302" y="1786289"/>
+            <a:ext cx="342099" cy="289337"/>
             <a:chOff x="1274763" y="323851"/>
             <a:chExt cx="403226" cy="236538"/>
           </a:xfrm>
@@ -4774,7 +7139,7 @@
                 <a:tabLst/>
                 <a:defRPr/>
               </a:pPr>
-              <a:endParaRPr kumimoji="0" lang="en-US" sz="1800" b="0" i="0" u="none" strike="noStrike" kern="0" cap="none" spc="0" normalizeH="0" baseline="0" noProof="0" smtClean="0">
+              <a:endParaRPr kumimoji="0" lang="en-US" sz="1800" b="0" i="0" u="none" strike="noStrike" kern="0" cap="none" spc="0" normalizeH="0" baseline="0" noProof="0">
                 <a:ln>
                   <a:noFill/>
                 </a:ln>
@@ -5019,7 +7384,7 @@
                 <a:tabLst/>
                 <a:defRPr/>
               </a:pPr>
-              <a:endParaRPr kumimoji="0" lang="en-US" sz="1800" b="0" i="0" u="none" strike="noStrike" kern="0" cap="none" spc="0" normalizeH="0" baseline="0" noProof="0" smtClean="0">
+              <a:endParaRPr kumimoji="0" lang="en-US" sz="1800" b="0" i="0" u="none" strike="noStrike" kern="0" cap="none" spc="0" normalizeH="0" baseline="0" noProof="0">
                 <a:ln>
                   <a:noFill/>
                 </a:ln>
@@ -5038,7 +7403,562 @@
       </p:grpSp>
       <p:sp>
         <p:nvSpPr>
-          <p:cNvPr id="10" name="Freeform 53"/>
+          <p:cNvPr id="11" name="文本占位符 4">
+            <a:extLst>
+              <a:ext uri="{FF2B5EF4-FFF2-40B4-BE49-F238E27FC236}">
+                <a16:creationId xmlns:a16="http://schemas.microsoft.com/office/drawing/2014/main" id="{8948B87D-D7B1-4E84-B337-EE5BFFACEF2F}"/>
+              </a:ext>
+            </a:extLst>
+          </p:cNvPr>
+          <p:cNvSpPr txBox="1">
+            <a:spLocks/>
+          </p:cNvSpPr>
+          <p:nvPr/>
+        </p:nvSpPr>
+        <p:spPr>
+          <a:xfrm>
+            <a:off x="6828496" y="1539678"/>
+            <a:ext cx="4095422" cy="743094"/>
+          </a:xfrm>
+          <a:prstGeom prst="rect">
+            <a:avLst/>
+          </a:prstGeom>
+        </p:spPr>
+        <p:txBody>
+          <a:bodyPr vert="horz" lIns="91440" tIns="45720" rIns="91440" bIns="45720" rtlCol="0" anchor="ctr">
+            <a:normAutofit/>
+          </a:bodyPr>
+          <a:lstStyle>
+            <a:lvl1pPr marL="0" indent="0" algn="l" defTabSz="914400" rtl="0" eaLnBrk="1" latinLnBrk="0" hangingPunct="1">
+              <a:lnSpc>
+                <a:spcPct val="90000"/>
+              </a:lnSpc>
+              <a:spcBef>
+                <a:spcPts val="1200"/>
+              </a:spcBef>
+              <a:spcAft>
+                <a:spcPts val="200"/>
+              </a:spcAft>
+              <a:buClr>
+                <a:schemeClr val="tx1"/>
+              </a:buClr>
+              <a:buFont typeface="Wingdings" pitchFamily="2" charset="2"/>
+              <a:buNone/>
+              <a:defRPr sz="2100" b="1" kern="1200">
+                <a:solidFill>
+                  <a:schemeClr val="tx1"/>
+                </a:solidFill>
+                <a:latin typeface="+mn-lt"/>
+                <a:ea typeface="+mn-ea"/>
+                <a:cs typeface="+mn-cs"/>
+              </a:defRPr>
+            </a:lvl1pPr>
+            <a:lvl2pPr marL="457200" indent="0" algn="l" defTabSz="914400" rtl="0" eaLnBrk="1" latinLnBrk="0" hangingPunct="1">
+              <a:lnSpc>
+                <a:spcPct val="90000"/>
+              </a:lnSpc>
+              <a:spcBef>
+                <a:spcPts val="200"/>
+              </a:spcBef>
+              <a:spcAft>
+                <a:spcPts val="400"/>
+              </a:spcAft>
+              <a:buClr>
+                <a:schemeClr val="tx1"/>
+              </a:buClr>
+              <a:buFont typeface="Wingdings" pitchFamily="2" charset="2"/>
+              <a:buNone/>
+              <a:defRPr sz="2000" b="1" kern="1200">
+                <a:solidFill>
+                  <a:schemeClr val="tx1"/>
+                </a:solidFill>
+                <a:latin typeface="+mn-lt"/>
+                <a:ea typeface="+mn-ea"/>
+                <a:cs typeface="+mn-cs"/>
+              </a:defRPr>
+            </a:lvl2pPr>
+            <a:lvl3pPr marL="914400" indent="0" algn="l" defTabSz="914400" rtl="0" eaLnBrk="1" latinLnBrk="0" hangingPunct="1">
+              <a:lnSpc>
+                <a:spcPct val="90000"/>
+              </a:lnSpc>
+              <a:spcBef>
+                <a:spcPts val="200"/>
+              </a:spcBef>
+              <a:spcAft>
+                <a:spcPts val="400"/>
+              </a:spcAft>
+              <a:buClr>
+                <a:schemeClr val="tx1"/>
+              </a:buClr>
+              <a:buFont typeface="Wingdings" pitchFamily="2" charset="2"/>
+              <a:buNone/>
+              <a:defRPr sz="1800" b="1" kern="1200">
+                <a:solidFill>
+                  <a:schemeClr val="tx1"/>
+                </a:solidFill>
+                <a:latin typeface="+mn-lt"/>
+                <a:ea typeface="+mn-ea"/>
+                <a:cs typeface="+mn-cs"/>
+              </a:defRPr>
+            </a:lvl3pPr>
+            <a:lvl4pPr marL="1371600" indent="0" algn="l" defTabSz="914400" rtl="0" eaLnBrk="1" latinLnBrk="0" hangingPunct="1">
+              <a:lnSpc>
+                <a:spcPct val="90000"/>
+              </a:lnSpc>
+              <a:spcBef>
+                <a:spcPts val="200"/>
+              </a:spcBef>
+              <a:spcAft>
+                <a:spcPts val="400"/>
+              </a:spcAft>
+              <a:buClr>
+                <a:schemeClr val="tx1"/>
+              </a:buClr>
+              <a:buFont typeface="Wingdings" pitchFamily="2" charset="2"/>
+              <a:buNone/>
+              <a:defRPr sz="1600" b="1" kern="1200">
+                <a:solidFill>
+                  <a:schemeClr val="tx1"/>
+                </a:solidFill>
+                <a:latin typeface="+mn-lt"/>
+                <a:ea typeface="+mn-ea"/>
+                <a:cs typeface="+mn-cs"/>
+              </a:defRPr>
+            </a:lvl4pPr>
+            <a:lvl5pPr marL="1828800" indent="0" algn="l" defTabSz="914400" rtl="0" eaLnBrk="1" latinLnBrk="0" hangingPunct="1">
+              <a:lnSpc>
+                <a:spcPct val="90000"/>
+              </a:lnSpc>
+              <a:spcBef>
+                <a:spcPts val="200"/>
+              </a:spcBef>
+              <a:spcAft>
+                <a:spcPts val="400"/>
+              </a:spcAft>
+              <a:buClr>
+                <a:schemeClr val="tx1"/>
+              </a:buClr>
+              <a:buFont typeface="Wingdings" pitchFamily="2" charset="2"/>
+              <a:buNone/>
+              <a:defRPr sz="1600" b="1" kern="1200">
+                <a:solidFill>
+                  <a:schemeClr val="tx1"/>
+                </a:solidFill>
+                <a:latin typeface="+mn-lt"/>
+                <a:ea typeface="+mn-ea"/>
+                <a:cs typeface="+mn-cs"/>
+              </a:defRPr>
+            </a:lvl5pPr>
+            <a:lvl6pPr marL="2286000" indent="0" algn="l" defTabSz="914400" rtl="0" eaLnBrk="1" latinLnBrk="0" hangingPunct="1">
+              <a:lnSpc>
+                <a:spcPct val="90000"/>
+              </a:lnSpc>
+              <a:spcBef>
+                <a:spcPts val="200"/>
+              </a:spcBef>
+              <a:spcAft>
+                <a:spcPts val="400"/>
+              </a:spcAft>
+              <a:buClr>
+                <a:schemeClr val="tx1"/>
+              </a:buClr>
+              <a:buFont typeface="Wingdings" pitchFamily="2" charset="2"/>
+              <a:buNone/>
+              <a:defRPr sz="1600" b="1" kern="1200">
+                <a:solidFill>
+                  <a:schemeClr val="tx1"/>
+                </a:solidFill>
+                <a:latin typeface="+mn-lt"/>
+                <a:ea typeface="+mn-ea"/>
+                <a:cs typeface="+mn-cs"/>
+              </a:defRPr>
+            </a:lvl6pPr>
+            <a:lvl7pPr marL="2743200" indent="0" algn="l" defTabSz="914400" rtl="0" eaLnBrk="1" latinLnBrk="0" hangingPunct="1">
+              <a:lnSpc>
+                <a:spcPct val="90000"/>
+              </a:lnSpc>
+              <a:spcBef>
+                <a:spcPts val="200"/>
+              </a:spcBef>
+              <a:spcAft>
+                <a:spcPts val="400"/>
+              </a:spcAft>
+              <a:buClr>
+                <a:schemeClr val="tx1"/>
+              </a:buClr>
+              <a:buFont typeface="Wingdings" pitchFamily="2" charset="2"/>
+              <a:buNone/>
+              <a:defRPr sz="1600" b="1" kern="1200">
+                <a:solidFill>
+                  <a:schemeClr val="tx1"/>
+                </a:solidFill>
+                <a:latin typeface="+mn-lt"/>
+                <a:ea typeface="+mn-ea"/>
+                <a:cs typeface="+mn-cs"/>
+              </a:defRPr>
+            </a:lvl7pPr>
+            <a:lvl8pPr marL="3200400" indent="0" algn="l" defTabSz="914400" rtl="0" eaLnBrk="1" latinLnBrk="0" hangingPunct="1">
+              <a:lnSpc>
+                <a:spcPct val="90000"/>
+              </a:lnSpc>
+              <a:spcBef>
+                <a:spcPts val="200"/>
+              </a:spcBef>
+              <a:spcAft>
+                <a:spcPts val="400"/>
+              </a:spcAft>
+              <a:buClr>
+                <a:schemeClr val="tx1"/>
+              </a:buClr>
+              <a:buFont typeface="Wingdings" pitchFamily="2" charset="2"/>
+              <a:buNone/>
+              <a:defRPr sz="1600" b="1" kern="1200">
+                <a:solidFill>
+                  <a:schemeClr val="tx1"/>
+                </a:solidFill>
+                <a:latin typeface="+mn-lt"/>
+                <a:ea typeface="+mn-ea"/>
+                <a:cs typeface="+mn-cs"/>
+              </a:defRPr>
+            </a:lvl8pPr>
+            <a:lvl9pPr marL="3657600" indent="0" algn="l" defTabSz="914400" rtl="0" eaLnBrk="1" latinLnBrk="0" hangingPunct="1">
+              <a:lnSpc>
+                <a:spcPct val="90000"/>
+              </a:lnSpc>
+              <a:spcBef>
+                <a:spcPts val="200"/>
+              </a:spcBef>
+              <a:spcAft>
+                <a:spcPts val="400"/>
+              </a:spcAft>
+              <a:buClr>
+                <a:schemeClr val="tx1"/>
+              </a:buClr>
+              <a:buFont typeface="Wingdings" pitchFamily="2" charset="2"/>
+              <a:buNone/>
+              <a:defRPr sz="1600" b="1" kern="1200">
+                <a:solidFill>
+                  <a:schemeClr val="tx1"/>
+                </a:solidFill>
+                <a:latin typeface="+mn-lt"/>
+                <a:ea typeface="+mn-ea"/>
+                <a:cs typeface="+mn-cs"/>
+              </a:defRPr>
+            </a:lvl9pPr>
+          </a:lstStyle>
+          <a:p>
+            <a:r>
+              <a:rPr lang="zh-CN" altLang="en-US" dirty="0"/>
+              <a:t>协同工作</a:t>
+            </a:r>
+          </a:p>
+        </p:txBody>
+      </p:sp>
+      <p:sp>
+        <p:nvSpPr>
+          <p:cNvPr id="12" name="内容占位符 5">
+            <a:extLst>
+              <a:ext uri="{FF2B5EF4-FFF2-40B4-BE49-F238E27FC236}">
+                <a16:creationId xmlns:a16="http://schemas.microsoft.com/office/drawing/2014/main" id="{ACB46E6F-56BF-434A-818A-757682C1EDEA}"/>
+              </a:ext>
+            </a:extLst>
+          </p:cNvPr>
+          <p:cNvSpPr txBox="1">
+            <a:spLocks/>
+          </p:cNvSpPr>
+          <p:nvPr/>
+        </p:nvSpPr>
+        <p:spPr>
+          <a:xfrm>
+            <a:off x="6828496" y="2229134"/>
+            <a:ext cx="4569002" cy="4006736"/>
+          </a:xfrm>
+          <a:prstGeom prst="rect">
+            <a:avLst/>
+          </a:prstGeom>
+        </p:spPr>
+        <p:txBody>
+          <a:bodyPr vert="horz" lIns="91440" tIns="45720" rIns="91440" bIns="45720" rtlCol="0">
+            <a:normAutofit/>
+          </a:bodyPr>
+          <a:lstStyle>
+            <a:lvl1pPr marL="182880" indent="-182880" algn="l" defTabSz="914400" rtl="0" eaLnBrk="1" latinLnBrk="0" hangingPunct="1">
+              <a:lnSpc>
+                <a:spcPct val="90000"/>
+              </a:lnSpc>
+              <a:spcBef>
+                <a:spcPts val="1200"/>
+              </a:spcBef>
+              <a:spcAft>
+                <a:spcPts val="200"/>
+              </a:spcAft>
+              <a:buClr>
+                <a:schemeClr val="tx1"/>
+              </a:buClr>
+              <a:buFont typeface="Wingdings" pitchFamily="2" charset="2"/>
+              <a:buChar char=""/>
+              <a:defRPr sz="2200" kern="1200">
+                <a:solidFill>
+                  <a:schemeClr val="tx1"/>
+                </a:solidFill>
+                <a:latin typeface="+mn-lt"/>
+                <a:ea typeface="+mn-ea"/>
+                <a:cs typeface="+mn-cs"/>
+              </a:defRPr>
+            </a:lvl1pPr>
+            <a:lvl2pPr marL="411480" indent="-182880" algn="l" defTabSz="914400" rtl="0" eaLnBrk="1" latinLnBrk="0" hangingPunct="1">
+              <a:lnSpc>
+                <a:spcPct val="90000"/>
+              </a:lnSpc>
+              <a:spcBef>
+                <a:spcPts val="200"/>
+              </a:spcBef>
+              <a:spcAft>
+                <a:spcPts val="400"/>
+              </a:spcAft>
+              <a:buClr>
+                <a:schemeClr val="tx1"/>
+              </a:buClr>
+              <a:buFont typeface="Wingdings" pitchFamily="2" charset="2"/>
+              <a:buChar char=""/>
+              <a:defRPr sz="2000" kern="1200">
+                <a:solidFill>
+                  <a:schemeClr val="tx1"/>
+                </a:solidFill>
+                <a:latin typeface="+mn-lt"/>
+                <a:ea typeface="+mn-ea"/>
+                <a:cs typeface="+mn-cs"/>
+              </a:defRPr>
+            </a:lvl2pPr>
+            <a:lvl3pPr marL="640080" indent="-182880" algn="l" defTabSz="914400" rtl="0" eaLnBrk="1" latinLnBrk="0" hangingPunct="1">
+              <a:lnSpc>
+                <a:spcPct val="90000"/>
+              </a:lnSpc>
+              <a:spcBef>
+                <a:spcPts val="200"/>
+              </a:spcBef>
+              <a:spcAft>
+                <a:spcPts val="400"/>
+              </a:spcAft>
+              <a:buClr>
+                <a:schemeClr val="tx1"/>
+              </a:buClr>
+              <a:buFont typeface="Wingdings" pitchFamily="2" charset="2"/>
+              <a:buChar char=""/>
+              <a:defRPr sz="1800" kern="1200">
+                <a:solidFill>
+                  <a:schemeClr val="tx1"/>
+                </a:solidFill>
+                <a:latin typeface="+mn-lt"/>
+                <a:ea typeface="+mn-ea"/>
+                <a:cs typeface="+mn-cs"/>
+              </a:defRPr>
+            </a:lvl3pPr>
+            <a:lvl4pPr marL="868680" indent="-182880" algn="l" defTabSz="914400" rtl="0" eaLnBrk="1" latinLnBrk="0" hangingPunct="1">
+              <a:lnSpc>
+                <a:spcPct val="90000"/>
+              </a:lnSpc>
+              <a:spcBef>
+                <a:spcPts val="200"/>
+              </a:spcBef>
+              <a:spcAft>
+                <a:spcPts val="400"/>
+              </a:spcAft>
+              <a:buClr>
+                <a:schemeClr val="tx1"/>
+              </a:buClr>
+              <a:buFont typeface="Wingdings" pitchFamily="2" charset="2"/>
+              <a:buChar char=""/>
+              <a:defRPr sz="1600" kern="1200">
+                <a:solidFill>
+                  <a:schemeClr val="tx1"/>
+                </a:solidFill>
+                <a:latin typeface="+mn-lt"/>
+                <a:ea typeface="+mn-ea"/>
+                <a:cs typeface="+mn-cs"/>
+              </a:defRPr>
+            </a:lvl4pPr>
+            <a:lvl5pPr marL="1097280" indent="-182880" algn="l" defTabSz="914400" rtl="0" eaLnBrk="1" latinLnBrk="0" hangingPunct="1">
+              <a:lnSpc>
+                <a:spcPct val="90000"/>
+              </a:lnSpc>
+              <a:spcBef>
+                <a:spcPts val="200"/>
+              </a:spcBef>
+              <a:spcAft>
+                <a:spcPts val="400"/>
+              </a:spcAft>
+              <a:buClr>
+                <a:schemeClr val="tx1"/>
+              </a:buClr>
+              <a:buFont typeface="Wingdings" pitchFamily="2" charset="2"/>
+              <a:buChar char=""/>
+              <a:defRPr sz="1600" kern="1200">
+                <a:solidFill>
+                  <a:schemeClr val="tx1"/>
+                </a:solidFill>
+                <a:latin typeface="+mn-lt"/>
+                <a:ea typeface="+mn-ea"/>
+                <a:cs typeface="+mn-cs"/>
+              </a:defRPr>
+            </a:lvl5pPr>
+            <a:lvl6pPr marL="1284600" indent="-228600" algn="l" defTabSz="914400" rtl="0" eaLnBrk="1" latinLnBrk="0" hangingPunct="1">
+              <a:lnSpc>
+                <a:spcPct val="90000"/>
+              </a:lnSpc>
+              <a:spcBef>
+                <a:spcPts val="200"/>
+              </a:spcBef>
+              <a:spcAft>
+                <a:spcPts val="400"/>
+              </a:spcAft>
+              <a:buClr>
+                <a:schemeClr val="tx1"/>
+              </a:buClr>
+              <a:buFont typeface="Wingdings" pitchFamily="2" charset="2"/>
+              <a:buChar char=""/>
+              <a:defRPr sz="1600" kern="1200">
+                <a:solidFill>
+                  <a:schemeClr val="tx1"/>
+                </a:solidFill>
+                <a:latin typeface="+mn-lt"/>
+                <a:ea typeface="+mn-ea"/>
+                <a:cs typeface="+mn-cs"/>
+              </a:defRPr>
+            </a:lvl6pPr>
+            <a:lvl7pPr marL="1471800" indent="-228600" algn="l" defTabSz="914400" rtl="0" eaLnBrk="1" latinLnBrk="0" hangingPunct="1">
+              <a:lnSpc>
+                <a:spcPct val="90000"/>
+              </a:lnSpc>
+              <a:spcBef>
+                <a:spcPts val="200"/>
+              </a:spcBef>
+              <a:spcAft>
+                <a:spcPts val="400"/>
+              </a:spcAft>
+              <a:buClr>
+                <a:schemeClr val="tx1"/>
+              </a:buClr>
+              <a:buFont typeface="Wingdings" pitchFamily="2" charset="2"/>
+              <a:buChar char=""/>
+              <a:defRPr sz="1600" kern="1200">
+                <a:solidFill>
+                  <a:schemeClr val="tx1"/>
+                </a:solidFill>
+                <a:latin typeface="+mn-lt"/>
+                <a:ea typeface="+mn-ea"/>
+                <a:cs typeface="+mn-cs"/>
+              </a:defRPr>
+            </a:lvl7pPr>
+            <a:lvl8pPr marL="1629000" indent="-228600" algn="l" defTabSz="914400" rtl="0" eaLnBrk="1" latinLnBrk="0" hangingPunct="1">
+              <a:lnSpc>
+                <a:spcPct val="90000"/>
+              </a:lnSpc>
+              <a:spcBef>
+                <a:spcPts val="200"/>
+              </a:spcBef>
+              <a:spcAft>
+                <a:spcPts val="400"/>
+              </a:spcAft>
+              <a:buClr>
+                <a:schemeClr val="tx1"/>
+              </a:buClr>
+              <a:buFont typeface="Wingdings" pitchFamily="2" charset="2"/>
+              <a:buChar char=""/>
+              <a:defRPr sz="1600" kern="1200">
+                <a:solidFill>
+                  <a:schemeClr val="tx1"/>
+                </a:solidFill>
+                <a:latin typeface="+mn-lt"/>
+                <a:ea typeface="+mn-ea"/>
+                <a:cs typeface="+mn-cs"/>
+              </a:defRPr>
+            </a:lvl8pPr>
+            <a:lvl9pPr marL="1806200" indent="-228600" algn="l" defTabSz="914400" rtl="0" eaLnBrk="1" latinLnBrk="0" hangingPunct="1">
+              <a:lnSpc>
+                <a:spcPct val="90000"/>
+              </a:lnSpc>
+              <a:spcBef>
+                <a:spcPts val="200"/>
+              </a:spcBef>
+              <a:spcAft>
+                <a:spcPts val="400"/>
+              </a:spcAft>
+              <a:buClr>
+                <a:schemeClr val="tx1"/>
+              </a:buClr>
+              <a:buFont typeface="Wingdings" pitchFamily="2" charset="2"/>
+              <a:buChar char=""/>
+              <a:defRPr sz="1600" kern="1200">
+                <a:solidFill>
+                  <a:schemeClr val="tx1"/>
+                </a:solidFill>
+                <a:latin typeface="+mn-lt"/>
+                <a:ea typeface="+mn-ea"/>
+                <a:cs typeface="+mn-cs"/>
+              </a:defRPr>
+            </a:lvl9pPr>
+          </a:lstStyle>
+          <a:p>
+            <a:pPr>
+              <a:lnSpc>
+                <a:spcPct val="150000"/>
+              </a:lnSpc>
+              <a:buFont typeface="Wingdings" pitchFamily="2" charset="2"/>
+              <a:buChar char="Ø"/>
+            </a:pPr>
+            <a:endParaRPr lang="en-US" altLang="zh-CN" dirty="0"/>
+          </a:p>
+          <a:p>
+            <a:pPr>
+              <a:lnSpc>
+                <a:spcPct val="150000"/>
+              </a:lnSpc>
+              <a:buFont typeface="Wingdings" pitchFamily="2" charset="2"/>
+              <a:buChar char="Ø"/>
+            </a:pPr>
+            <a:r>
+              <a:rPr lang="en-US" altLang="zh-CN" dirty="0" err="1"/>
+              <a:t>Github</a:t>
+            </a:r>
+            <a:r>
+              <a:rPr lang="en-US" altLang="zh-CN" dirty="0"/>
+              <a:t> </a:t>
+            </a:r>
+            <a:r>
+              <a:rPr lang="zh-CN" altLang="en-US" dirty="0"/>
+              <a:t>代码管理</a:t>
+            </a:r>
+            <a:endParaRPr lang="en-US" altLang="zh-CN" dirty="0"/>
+          </a:p>
+          <a:p>
+            <a:pPr>
+              <a:lnSpc>
+                <a:spcPct val="150000"/>
+              </a:lnSpc>
+              <a:buFont typeface="Wingdings" pitchFamily="2" charset="2"/>
+              <a:buChar char="Ø"/>
+            </a:pPr>
+            <a:r>
+              <a:rPr lang="en-US" altLang="zh-CN" dirty="0"/>
+              <a:t>Microsoft Project </a:t>
+            </a:r>
+            <a:r>
+              <a:rPr lang="zh-CN" altLang="en-US" dirty="0"/>
+              <a:t>进度控制和统计</a:t>
+            </a:r>
+          </a:p>
+        </p:txBody>
+      </p:sp>
+      <p:sp>
+        <p:nvSpPr>
+          <p:cNvPr id="13" name="Freeform 53">
+            <a:extLst>
+              <a:ext uri="{FF2B5EF4-FFF2-40B4-BE49-F238E27FC236}">
+                <a16:creationId xmlns:a16="http://schemas.microsoft.com/office/drawing/2014/main" id="{070037D3-C0BA-4C6D-B130-EC6B45ECA908}"/>
+              </a:ext>
+            </a:extLst>
+          </p:cNvPr>
           <p:cNvSpPr>
             <a:spLocks noEditPoints="1"/>
           </p:cNvSpPr>
@@ -5046,8 +7966,8 @@
         </p:nvSpPr>
         <p:spPr bwMode="auto">
           <a:xfrm>
-            <a:off x="7619087" y="1721141"/>
-            <a:ext cx="346029" cy="332076"/>
+            <a:off x="8216354" y="1787925"/>
+            <a:ext cx="298038" cy="332076"/>
           </a:xfrm>
           <a:custGeom>
             <a:avLst/>
@@ -5593,7 +8513,7 @@
               <a:tabLst/>
               <a:defRPr/>
             </a:pPr>
-            <a:endParaRPr kumimoji="0" lang="en-US" sz="1800" b="0" i="0" u="none" strike="noStrike" kern="0" cap="none" spc="0" normalizeH="0" baseline="0" noProof="0" smtClean="0">
+            <a:endParaRPr kumimoji="0" lang="en-US" sz="1800" b="0" i="0" u="none" strike="noStrike" kern="0" cap="none" spc="0" normalizeH="0" baseline="0" noProof="0">
               <a:ln>
                 <a:noFill/>
               </a:ln>
@@ -5631,17 +8551,10 @@
       </p:transition>
     </mc:Fallback>
   </mc:AlternateContent>
-  <p:timing>
-    <p:tnLst>
-      <p:par>
-        <p:cTn id="1" dur="indefinite" restart="never" nodeType="tmRoot"/>
-      </p:par>
-    </p:tnLst>
-  </p:timing>
 </p:sld>
 </file>
 
-<file path=ppt/slides/slide5.xml><?xml version="1.0" encoding="utf-8"?>
+<file path=ppt/slides/slide6.xml><?xml version="1.0" encoding="utf-8"?>
 <p:sld xmlns:a="http://schemas.openxmlformats.org/drawingml/2006/main" xmlns:r="http://schemas.openxmlformats.org/officeDocument/2006/relationships" xmlns:p="http://schemas.openxmlformats.org/presentationml/2006/main">
   <p:cSld>
     <p:spTree>
@@ -5674,10 +8587,9 @@
           <a:lstStyle/>
           <a:p>
             <a:r>
-              <a:rPr lang="zh-CN" altLang="en-US" dirty="0" smtClean="0"/>
+              <a:rPr lang="zh-CN" altLang="en-US" dirty="0"/>
               <a:t>目  录</a:t>
             </a:r>
-            <a:endParaRPr lang="zh-CN" altLang="en-US" dirty="0"/>
           </a:p>
         </p:txBody>
       </p:sp>
@@ -5715,7 +8627,7 @@
               <a:t>1 </a:t>
             </a:r>
             <a:r>
-              <a:rPr lang="zh-CN" altLang="en-US" dirty="0" smtClean="0">
+              <a:rPr lang="zh-CN" altLang="en-US" dirty="0">
                 <a:solidFill>
                   <a:schemeClr val="tx1">
                     <a:lumMod val="25000"/>
@@ -5725,14 +8637,6 @@
               </a:rPr>
               <a:t>组员介绍</a:t>
             </a:r>
-            <a:endParaRPr lang="zh-CN" altLang="en-US" dirty="0">
-              <a:solidFill>
-                <a:schemeClr val="tx1">
-                  <a:lumMod val="25000"/>
-                  <a:lumOff val="75000"/>
-                </a:schemeClr>
-              </a:solidFill>
-            </a:endParaRPr>
           </a:p>
         </p:txBody>
       </p:sp>
@@ -5763,10 +8667,9 @@
               <a:t>2 </a:t>
             </a:r>
             <a:r>
-              <a:rPr lang="zh-CN" altLang="en-US" dirty="0" smtClean="0"/>
+              <a:rPr lang="zh-CN" altLang="en-US" dirty="0"/>
               <a:t>项目选择</a:t>
             </a:r>
-            <a:endParaRPr lang="zh-CN" altLang="en-US" dirty="0"/>
           </a:p>
         </p:txBody>
       </p:sp>
@@ -5793,7 +8696,7 @@
           <a:lstStyle/>
           <a:p>
             <a:r>
-              <a:rPr lang="en-US" altLang="zh-CN" dirty="0" smtClean="0">
+              <a:rPr lang="en-US" altLang="zh-CN" dirty="0">
                 <a:solidFill>
                   <a:schemeClr val="tx1">
                     <a:lumMod val="25000"/>
@@ -5812,27 +8715,8 @@
                   </a:schemeClr>
                 </a:solidFill>
               </a:rPr>
-              <a:t>项目</a:t>
-            </a:r>
-            <a:r>
-              <a:rPr lang="zh-CN" altLang="en-US" dirty="0" smtClean="0">
-                <a:solidFill>
-                  <a:schemeClr val="tx1">
-                    <a:lumMod val="25000"/>
-                    <a:lumOff val="75000"/>
-                  </a:schemeClr>
-                </a:solidFill>
-              </a:rPr>
-              <a:t>计划</a:t>
-            </a:r>
-            <a:endParaRPr lang="zh-CN" altLang="en-US" dirty="0">
-              <a:solidFill>
-                <a:schemeClr val="tx1">
-                  <a:lumMod val="25000"/>
-                  <a:lumOff val="75000"/>
-                </a:schemeClr>
-              </a:solidFill>
-            </a:endParaRPr>
+              <a:t>项目计划</a:t>
+            </a:r>
           </a:p>
         </p:txBody>
       </p:sp>
@@ -5858,17 +8742,10 @@
       </p:transition>
     </mc:Fallback>
   </mc:AlternateContent>
-  <p:timing>
-    <p:tnLst>
-      <p:par>
-        <p:cTn id="1" dur="indefinite" restart="never" nodeType="tmRoot"/>
-      </p:par>
-    </p:tnLst>
-  </p:timing>
 </p:sld>
 </file>
 
-<file path=ppt/slides/slide6.xml><?xml version="1.0" encoding="utf-8"?>
+<file path=ppt/slides/slide7.xml><?xml version="1.0" encoding="utf-8"?>
 <p:sld xmlns:a="http://schemas.openxmlformats.org/drawingml/2006/main" xmlns:r="http://schemas.openxmlformats.org/officeDocument/2006/relationships" xmlns:p="http://schemas.openxmlformats.org/presentationml/2006/main">
   <p:cSld>
     <p:spTree>
@@ -5901,10 +8778,9 @@
           <a:lstStyle/>
           <a:p>
             <a:r>
-              <a:rPr lang="zh-CN" altLang="en-US" dirty="0" smtClean="0"/>
+              <a:rPr lang="zh-CN" altLang="en-US" dirty="0"/>
               <a:t>项目选择</a:t>
             </a:r>
-            <a:endParaRPr lang="zh-CN" altLang="en-US" dirty="0"/>
           </a:p>
         </p:txBody>
       </p:sp>
@@ -6570,7 +9446,6 @@
             <a:ln>
               <a:noFill/>
             </a:ln>
-            <a:extLst/>
           </p:spPr>
           <p:txBody>
             <a:bodyPr vert="horz" wrap="square" lIns="91440" tIns="45720" rIns="91440" bIns="45720" numCol="1" anchor="t" anchorCtr="0" compatLnSpc="1">
@@ -6990,7 +9865,6 @@
             <a:ln>
               <a:noFill/>
             </a:ln>
-            <a:extLst/>
           </p:spPr>
           <p:txBody>
             <a:bodyPr vert="horz" wrap="square" lIns="91440" tIns="45720" rIns="91440" bIns="45720" numCol="1" anchor="t" anchorCtr="0" compatLnSpc="1">
@@ -8231,14 +11105,14 @@
               <a:buChar char="Ø"/>
             </a:pPr>
             <a:r>
-              <a:rPr lang="zh-CN" altLang="en-US" sz="2400" dirty="0" smtClean="0"/>
+              <a:rPr lang="zh-CN" altLang="en-US" sz="2400" dirty="0"/>
               <a:t>选择的开源项目：</a:t>
             </a:r>
             <a:r>
-              <a:rPr lang="en-US" altLang="zh-CN" sz="2400" dirty="0" err="1" smtClean="0"/>
+              <a:rPr lang="en-US" altLang="zh-CN" sz="2400" dirty="0" err="1"/>
               <a:t>Scrapy</a:t>
             </a:r>
-            <a:endParaRPr lang="en-US" altLang="zh-CN" sz="2400" dirty="0" smtClean="0"/>
+            <a:endParaRPr lang="en-US" altLang="zh-CN" sz="2400" dirty="0"/>
           </a:p>
           <a:p>
             <a:pPr marL="342900" indent="-342900">
@@ -8249,14 +11123,14 @@
               <a:buChar char="Ø"/>
             </a:pPr>
             <a:r>
-              <a:rPr lang="en-US" altLang="zh-CN" sz="2400" dirty="0" err="1" smtClean="0"/>
+              <a:rPr lang="en-US" altLang="zh-CN" sz="2400" dirty="0" err="1"/>
               <a:t>Scrapy</a:t>
             </a:r>
             <a:r>
-              <a:rPr lang="zh-CN" altLang="en-US" sz="2400" dirty="0" smtClean="0"/>
+              <a:rPr lang="zh-CN" altLang="en-US" sz="2400" dirty="0"/>
               <a:t>是一个快速的、高层次的网络爬虫框架，用于爬取网页并提取结构化的数据，可用于数据挖掘、监控、自动化测试等多种用途</a:t>
             </a:r>
-            <a:endParaRPr lang="en-US" altLang="zh-CN" sz="2400" dirty="0" smtClean="0"/>
+            <a:endParaRPr lang="en-US" altLang="zh-CN" sz="2400" dirty="0"/>
           </a:p>
           <a:p>
             <a:pPr marL="342900" indent="-342900">
@@ -8267,14 +11141,13 @@
               <a:buChar char="Ø"/>
             </a:pPr>
             <a:r>
-              <a:rPr lang="en-US" altLang="zh-CN" sz="2400" dirty="0" err="1" smtClean="0"/>
+              <a:rPr lang="en-US" altLang="zh-CN" sz="2400" dirty="0" err="1"/>
               <a:t>Scrapy</a:t>
             </a:r>
             <a:r>
-              <a:rPr lang="zh-CN" altLang="en-US" sz="2400" dirty="0" smtClean="0"/>
+              <a:rPr lang="zh-CN" altLang="en-US" sz="2400" dirty="0"/>
               <a:t>的优点</a:t>
             </a:r>
-            <a:endParaRPr lang="zh-CN" altLang="en-US" sz="2400" dirty="0"/>
           </a:p>
         </p:txBody>
       </p:sp>
@@ -8302,10 +11175,9 @@
           <a:p>
             <a:pPr algn="ctr"/>
             <a:r>
-              <a:rPr lang="zh-CN" altLang="en-US" dirty="0" smtClean="0"/>
+              <a:rPr lang="zh-CN" altLang="en-US" dirty="0"/>
               <a:t>快速、简单、易用</a:t>
             </a:r>
-            <a:endParaRPr lang="zh-CN" altLang="en-US" dirty="0"/>
           </a:p>
         </p:txBody>
       </p:sp>
@@ -8333,18 +11205,17 @@
           <a:p>
             <a:pPr algn="ctr"/>
             <a:r>
-              <a:rPr lang="zh-CN" altLang="en-US" dirty="0" smtClean="0"/>
+              <a:rPr lang="zh-CN" altLang="en-US" dirty="0"/>
               <a:t>易于扩展</a:t>
             </a:r>
-            <a:endParaRPr lang="en-US" altLang="zh-CN" dirty="0" smtClean="0"/>
+            <a:endParaRPr lang="en-US" altLang="zh-CN" dirty="0"/>
           </a:p>
           <a:p>
             <a:pPr algn="ctr"/>
             <a:r>
-              <a:rPr lang="zh-CN" altLang="en-US" dirty="0" smtClean="0"/>
+              <a:rPr lang="zh-CN" altLang="en-US" dirty="0"/>
               <a:t>无需修改核心代码</a:t>
             </a:r>
-            <a:endParaRPr lang="zh-CN" altLang="en-US" dirty="0"/>
           </a:p>
         </p:txBody>
       </p:sp>
@@ -8372,26 +11243,25 @@
           <a:p>
             <a:pPr algn="ctr"/>
             <a:r>
-              <a:rPr lang="zh-CN" altLang="en-US" dirty="0" smtClean="0"/>
+              <a:rPr lang="zh-CN" altLang="en-US" dirty="0"/>
               <a:t>使用</a:t>
             </a:r>
             <a:r>
-              <a:rPr lang="en-US" altLang="zh-CN" dirty="0" smtClean="0"/>
+              <a:rPr lang="en-US" altLang="zh-CN" dirty="0"/>
               <a:t>Python</a:t>
             </a:r>
             <a:r>
-              <a:rPr lang="zh-CN" altLang="en-US" dirty="0" smtClean="0"/>
+              <a:rPr lang="zh-CN" altLang="en-US" dirty="0"/>
               <a:t>编写</a:t>
             </a:r>
-            <a:endParaRPr lang="en-US" altLang="zh-CN" dirty="0" smtClean="0"/>
+            <a:endParaRPr lang="en-US" altLang="zh-CN" dirty="0"/>
           </a:p>
           <a:p>
             <a:pPr algn="ctr"/>
             <a:r>
-              <a:rPr lang="zh-CN" altLang="en-US" dirty="0" smtClean="0"/>
+              <a:rPr lang="zh-CN" altLang="en-US" dirty="0"/>
               <a:t>方便移植</a:t>
             </a:r>
-            <a:endParaRPr lang="zh-CN" altLang="en-US" dirty="0"/>
           </a:p>
         </p:txBody>
       </p:sp>
@@ -8417,17 +11287,10 @@
       </p:transition>
     </mc:Fallback>
   </mc:AlternateContent>
-  <p:timing>
-    <p:tnLst>
-      <p:par>
-        <p:cTn id="1" dur="indefinite" restart="never" nodeType="tmRoot"/>
-      </p:par>
-    </p:tnLst>
-  </p:timing>
 </p:sld>
 </file>
 
-<file path=ppt/slides/slide7.xml><?xml version="1.0" encoding="utf-8"?>
+<file path=ppt/slides/slide8.xml><?xml version="1.0" encoding="utf-8"?>
 <p:sld xmlns:a="http://schemas.openxmlformats.org/drawingml/2006/main" xmlns:r="http://schemas.openxmlformats.org/officeDocument/2006/relationships" xmlns:p="http://schemas.openxmlformats.org/presentationml/2006/main">
   <p:cSld>
     <p:spTree>
@@ -8460,10 +11323,9 @@
           <a:lstStyle/>
           <a:p>
             <a:r>
-              <a:rPr lang="zh-CN" altLang="en-US" dirty="0" smtClean="0"/>
+              <a:rPr lang="zh-CN" altLang="en-US" dirty="0"/>
               <a:t>项目选择</a:t>
             </a:r>
-            <a:endParaRPr lang="zh-CN" altLang="en-US" dirty="0"/>
           </a:p>
         </p:txBody>
       </p:sp>
@@ -8868,15 +11730,7 @@
                   <a:srgbClr val="2C2C2C"/>
                 </a:solidFill>
               </a:rPr>
-              <a:t>，并进行进行后期处理（详细分析、过滤、存储等</a:t>
-            </a:r>
-            <a:r>
-              <a:rPr lang="zh-CN" altLang="en-US" sz="1600" dirty="0" smtClean="0">
-                <a:solidFill>
-                  <a:srgbClr val="2C2C2C"/>
-                </a:solidFill>
-              </a:rPr>
-              <a:t>）</a:t>
+              <a:t>，并进行进行后期处理（详细分析、过滤、存储等）</a:t>
             </a:r>
             <a:endParaRPr lang="zh-CN" altLang="en-US" dirty="0"/>
           </a:p>
@@ -8947,233 +11801,6 @@
       </p:transition>
     </mc:Fallback>
   </mc:AlternateContent>
-  <p:timing>
-    <p:tnLst>
-      <p:par>
-        <p:cTn id="1" dur="indefinite" restart="never" nodeType="tmRoot"/>
-      </p:par>
-    </p:tnLst>
-  </p:timing>
-</p:sld>
-</file>
-
-<file path=ppt/slides/slide8.xml><?xml version="1.0" encoding="utf-8"?>
-<p:sld xmlns:a="http://schemas.openxmlformats.org/drawingml/2006/main" xmlns:r="http://schemas.openxmlformats.org/officeDocument/2006/relationships" xmlns:p="http://schemas.openxmlformats.org/presentationml/2006/main">
-  <p:cSld>
-    <p:spTree>
-      <p:nvGrpSpPr>
-        <p:cNvPr id="1" name=""/>
-        <p:cNvGrpSpPr/>
-        <p:nvPr/>
-      </p:nvGrpSpPr>
-      <p:grpSpPr>
-        <a:xfrm>
-          <a:off x="0" y="0"/>
-          <a:ext cx="0" cy="0"/>
-          <a:chOff x="0" y="0"/>
-          <a:chExt cx="0" cy="0"/>
-        </a:xfrm>
-      </p:grpSpPr>
-      <p:sp>
-        <p:nvSpPr>
-          <p:cNvPr id="2" name="文本占位符 1"/>
-          <p:cNvSpPr>
-            <a:spLocks noGrp="1"/>
-          </p:cNvSpPr>
-          <p:nvPr>
-            <p:ph type="body" sz="quarter" idx="10"/>
-          </p:nvPr>
-        </p:nvSpPr>
-        <p:spPr/>
-        <p:txBody>
-          <a:bodyPr/>
-          <a:lstStyle/>
-          <a:p>
-            <a:r>
-              <a:rPr lang="zh-CN" altLang="en-US" dirty="0" smtClean="0"/>
-              <a:t>目  录</a:t>
-            </a:r>
-            <a:endParaRPr lang="zh-CN" altLang="en-US" dirty="0"/>
-          </a:p>
-        </p:txBody>
-      </p:sp>
-      <p:sp>
-        <p:nvSpPr>
-          <p:cNvPr id="3" name="文本占位符 2"/>
-          <p:cNvSpPr>
-            <a:spLocks noGrp="1"/>
-          </p:cNvSpPr>
-          <p:nvPr>
-            <p:ph type="body" sz="quarter" idx="11"/>
-          </p:nvPr>
-        </p:nvSpPr>
-        <p:spPr>
-          <a:xfrm>
-            <a:off x="4913083" y="2189458"/>
-            <a:ext cx="4030662" cy="507855"/>
-          </a:xfrm>
-        </p:spPr>
-        <p:txBody>
-          <a:bodyPr>
-            <a:normAutofit lnSpcReduction="10000"/>
-          </a:bodyPr>
-          <a:lstStyle/>
-          <a:p>
-            <a:r>
-              <a:rPr lang="en-US" altLang="zh-CN" dirty="0">
-                <a:solidFill>
-                  <a:schemeClr val="tx1">
-                    <a:lumMod val="25000"/>
-                    <a:lumOff val="75000"/>
-                  </a:schemeClr>
-                </a:solidFill>
-              </a:rPr>
-              <a:t>1 </a:t>
-            </a:r>
-            <a:r>
-              <a:rPr lang="zh-CN" altLang="en-US" dirty="0" smtClean="0">
-                <a:solidFill>
-                  <a:schemeClr val="tx1">
-                    <a:lumMod val="25000"/>
-                    <a:lumOff val="75000"/>
-                  </a:schemeClr>
-                </a:solidFill>
-              </a:rPr>
-              <a:t>组员介绍</a:t>
-            </a:r>
-            <a:endParaRPr lang="zh-CN" altLang="en-US" dirty="0">
-              <a:solidFill>
-                <a:schemeClr val="tx1">
-                  <a:lumMod val="25000"/>
-                  <a:lumOff val="75000"/>
-                </a:schemeClr>
-              </a:solidFill>
-            </a:endParaRPr>
-          </a:p>
-        </p:txBody>
-      </p:sp>
-      <p:sp>
-        <p:nvSpPr>
-          <p:cNvPr id="4" name="文本占位符 3"/>
-          <p:cNvSpPr>
-            <a:spLocks noGrp="1"/>
-          </p:cNvSpPr>
-          <p:nvPr>
-            <p:ph type="body" sz="quarter" idx="12"/>
-          </p:nvPr>
-        </p:nvSpPr>
-        <p:spPr>
-          <a:xfrm>
-            <a:off x="4913083" y="3149406"/>
-            <a:ext cx="4030662" cy="507855"/>
-          </a:xfrm>
-        </p:spPr>
-        <p:txBody>
-          <a:bodyPr>
-            <a:normAutofit lnSpcReduction="10000"/>
-          </a:bodyPr>
-          <a:lstStyle/>
-          <a:p>
-            <a:r>
-              <a:rPr lang="en-US" altLang="zh-CN" dirty="0">
-                <a:solidFill>
-                  <a:schemeClr val="tx1">
-                    <a:lumMod val="25000"/>
-                    <a:lumOff val="75000"/>
-                  </a:schemeClr>
-                </a:solidFill>
-              </a:rPr>
-              <a:t>2 </a:t>
-            </a:r>
-            <a:r>
-              <a:rPr lang="zh-CN" altLang="en-US" dirty="0" smtClean="0">
-                <a:solidFill>
-                  <a:schemeClr val="tx1">
-                    <a:lumMod val="25000"/>
-                    <a:lumOff val="75000"/>
-                  </a:schemeClr>
-                </a:solidFill>
-              </a:rPr>
-              <a:t>项目选择</a:t>
-            </a:r>
-            <a:endParaRPr lang="zh-CN" altLang="en-US" dirty="0">
-              <a:solidFill>
-                <a:schemeClr val="tx1">
-                  <a:lumMod val="25000"/>
-                  <a:lumOff val="75000"/>
-                </a:schemeClr>
-              </a:solidFill>
-            </a:endParaRPr>
-          </a:p>
-        </p:txBody>
-      </p:sp>
-      <p:sp>
-        <p:nvSpPr>
-          <p:cNvPr id="5" name="文本占位符 4"/>
-          <p:cNvSpPr>
-            <a:spLocks noGrp="1"/>
-          </p:cNvSpPr>
-          <p:nvPr>
-            <p:ph type="body" sz="quarter" idx="13"/>
-          </p:nvPr>
-        </p:nvSpPr>
-        <p:spPr>
-          <a:xfrm>
-            <a:off x="4913083" y="4109354"/>
-            <a:ext cx="4030662" cy="507855"/>
-          </a:xfrm>
-        </p:spPr>
-        <p:txBody>
-          <a:bodyPr>
-            <a:normAutofit lnSpcReduction="10000"/>
-          </a:bodyPr>
-          <a:lstStyle/>
-          <a:p>
-            <a:r>
-              <a:rPr lang="en-US" altLang="zh-CN" dirty="0" smtClean="0"/>
-              <a:t>3 </a:t>
-            </a:r>
-            <a:r>
-              <a:rPr lang="zh-CN" altLang="en-US" dirty="0"/>
-              <a:t>项目</a:t>
-            </a:r>
-            <a:r>
-              <a:rPr lang="zh-CN" altLang="en-US" dirty="0" smtClean="0"/>
-              <a:t>计划</a:t>
-            </a:r>
-            <a:endParaRPr lang="zh-CN" altLang="en-US" dirty="0"/>
-          </a:p>
-        </p:txBody>
-      </p:sp>
-    </p:spTree>
-    <p:extLst>
-      <p:ext uri="{BB962C8B-B14F-4D97-AF65-F5344CB8AC3E}">
-        <p14:creationId xmlns:p14="http://schemas.microsoft.com/office/powerpoint/2010/main" val="3063920228"/>
-      </p:ext>
-    </p:extLst>
-  </p:cSld>
-  <p:clrMapOvr>
-    <a:masterClrMapping/>
-  </p:clrMapOvr>
-  <mc:AlternateContent xmlns:mc="http://schemas.openxmlformats.org/markup-compatibility/2006" xmlns:p14="http://schemas.microsoft.com/office/powerpoint/2010/main">
-    <mc:Choice Requires="p14">
-      <p:transition spd="med" p14:dur="700">
-        <p:fade/>
-      </p:transition>
-    </mc:Choice>
-    <mc:Fallback xmlns="">
-      <p:transition spd="med">
-        <p:fade/>
-      </p:transition>
-    </mc:Fallback>
-  </mc:AlternateContent>
-  <p:timing>
-    <p:tnLst>
-      <p:par>
-        <p:cTn id="1" dur="indefinite" restart="never" nodeType="tmRoot"/>
-      </p:par>
-    </p:tnLst>
-  </p:timing>
 </p:sld>
 </file>
 
@@ -9196,7 +11823,13 @@
       </p:grpSpPr>
       <p:sp>
         <p:nvSpPr>
-          <p:cNvPr id="2" name="标题 1"/>
+          <p:cNvPr id="2" name="标题 1">
+            <a:extLst>
+              <a:ext uri="{FF2B5EF4-FFF2-40B4-BE49-F238E27FC236}">
+                <a16:creationId xmlns:a16="http://schemas.microsoft.com/office/drawing/2014/main" id="{12192C3A-55FF-465E-A576-01694D8B52E5}"/>
+              </a:ext>
+            </a:extLst>
+          </p:cNvPr>
           <p:cNvSpPr>
             <a:spLocks noGrp="1"/>
           </p:cNvSpPr>
@@ -9206,242 +11839,581 @@
         </p:nvSpPr>
         <p:spPr/>
         <p:txBody>
-          <a:bodyPr/>
+          <a:bodyPr>
+            <a:normAutofit/>
+          </a:bodyPr>
           <a:lstStyle/>
           <a:p>
             <a:r>
               <a:rPr lang="zh-CN" altLang="en-US" dirty="0"/>
-              <a:t>项目</a:t>
-            </a:r>
-            <a:r>
-              <a:rPr lang="zh-CN" altLang="en-US" dirty="0" smtClean="0"/>
-              <a:t>计划</a:t>
-            </a:r>
-            <a:endParaRPr lang="zh-CN" altLang="en-US" dirty="0"/>
+              <a:t>改进</a:t>
+            </a:r>
+            <a:r>
+              <a:rPr lang="en-US" altLang="zh-CN" dirty="0"/>
+              <a:t>1——</a:t>
+            </a:r>
+            <a:r>
+              <a:rPr lang="en-US" altLang="zh-CN" dirty="0" err="1"/>
+              <a:t>Scrapy+Selenium</a:t>
+            </a:r>
+            <a:r>
+              <a:rPr lang="zh-CN" altLang="en-US" dirty="0"/>
+              <a:t>反爬虫</a:t>
+            </a:r>
+          </a:p>
+        </p:txBody>
+      </p:sp>
+      <p:pic>
+        <p:nvPicPr>
+          <p:cNvPr id="5" name="图片 4">
+            <a:extLst>
+              <a:ext uri="{FF2B5EF4-FFF2-40B4-BE49-F238E27FC236}">
+                <a16:creationId xmlns:a16="http://schemas.microsoft.com/office/drawing/2014/main" id="{8E26D59E-E0F8-443A-99A5-56AE28AF576E}"/>
+              </a:ext>
+            </a:extLst>
+          </p:cNvPr>
+          <p:cNvPicPr>
+            <a:picLocks noChangeAspect="1"/>
+          </p:cNvPicPr>
+          <p:nvPr/>
+        </p:nvPicPr>
+        <p:blipFill>
+          <a:blip r:embed="rId2"/>
+          <a:stretch>
+            <a:fillRect/>
+          </a:stretch>
+        </p:blipFill>
+        <p:spPr>
+          <a:xfrm>
+            <a:off x="528707" y="1865148"/>
+            <a:ext cx="3864937" cy="895441"/>
+          </a:xfrm>
+          <a:prstGeom prst="rect">
+            <a:avLst/>
+          </a:prstGeom>
+        </p:spPr>
+      </p:pic>
+      <p:pic>
+        <p:nvPicPr>
+          <p:cNvPr id="6" name="图片 5">
+            <a:extLst>
+              <a:ext uri="{FF2B5EF4-FFF2-40B4-BE49-F238E27FC236}">
+                <a16:creationId xmlns:a16="http://schemas.microsoft.com/office/drawing/2014/main" id="{D8023A86-7FF0-4390-8E54-8663B67169E0}"/>
+              </a:ext>
+            </a:extLst>
+          </p:cNvPr>
+          <p:cNvPicPr>
+            <a:picLocks noChangeAspect="1"/>
+          </p:cNvPicPr>
+          <p:nvPr/>
+        </p:nvPicPr>
+        <p:blipFill>
+          <a:blip r:embed="rId3"/>
+          <a:stretch>
+            <a:fillRect/>
+          </a:stretch>
+        </p:blipFill>
+        <p:spPr>
+          <a:xfrm>
+            <a:off x="754057" y="3279206"/>
+            <a:ext cx="2730198" cy="965222"/>
+          </a:xfrm>
+          <a:prstGeom prst="rect">
+            <a:avLst/>
+          </a:prstGeom>
+        </p:spPr>
+      </p:pic>
+      <p:sp>
+        <p:nvSpPr>
+          <p:cNvPr id="8" name="矩形 7">
+            <a:extLst>
+              <a:ext uri="{FF2B5EF4-FFF2-40B4-BE49-F238E27FC236}">
+                <a16:creationId xmlns:a16="http://schemas.microsoft.com/office/drawing/2014/main" id="{41F8A6BE-C670-4A7A-BECA-FDF07F7F9529}"/>
+              </a:ext>
+            </a:extLst>
+          </p:cNvPr>
+          <p:cNvSpPr/>
+          <p:nvPr/>
+        </p:nvSpPr>
+        <p:spPr>
+          <a:xfrm>
+            <a:off x="4837799" y="1520605"/>
+            <a:ext cx="7063848" cy="3416320"/>
+          </a:xfrm>
+          <a:prstGeom prst="rect">
+            <a:avLst/>
+          </a:prstGeom>
+        </p:spPr>
+        <p:txBody>
+          <a:bodyPr wrap="square">
+            <a:spAutoFit/>
+          </a:bodyPr>
+          <a:lstStyle/>
+          <a:p>
+            <a:pPr algn="just"/>
+            <a:r>
+              <a:rPr lang="zh-CN" altLang="en-US" dirty="0">
+                <a:solidFill>
+                  <a:srgbClr val="000000"/>
+                </a:solidFill>
+                <a:latin typeface="PingFang SC"/>
+              </a:rPr>
+              <a:t>应用方法：</a:t>
+            </a:r>
+            <a:endParaRPr lang="en-US" altLang="zh-CN" dirty="0">
+              <a:solidFill>
+                <a:srgbClr val="000000"/>
+              </a:solidFill>
+              <a:latin typeface="PingFang SC"/>
+            </a:endParaRPr>
+          </a:p>
+          <a:p>
+            <a:pPr algn="just"/>
+            <a:endParaRPr lang="en-US" altLang="zh-CN" dirty="0">
+              <a:solidFill>
+                <a:srgbClr val="000000"/>
+              </a:solidFill>
+              <a:latin typeface="PingFang SC"/>
+            </a:endParaRPr>
+          </a:p>
+          <a:p>
+            <a:pPr algn="just"/>
+            <a:r>
+              <a:rPr lang="en-US" altLang="zh-CN" dirty="0">
+                <a:solidFill>
+                  <a:srgbClr val="000000"/>
+                </a:solidFill>
+                <a:latin typeface="PingFang SC"/>
+              </a:rPr>
+              <a:t>- </a:t>
+            </a:r>
+            <a:r>
+              <a:rPr lang="zh-CN" altLang="en-US" dirty="0">
+                <a:solidFill>
+                  <a:srgbClr val="000000"/>
+                </a:solidFill>
+                <a:latin typeface="PingFang SC"/>
+              </a:rPr>
+              <a:t>重写爬虫文件的构造方法</a:t>
+            </a:r>
+            <a:r>
+              <a:rPr lang="en-US" altLang="zh-CN" dirty="0">
+                <a:solidFill>
+                  <a:srgbClr val="000000"/>
+                </a:solidFill>
+                <a:latin typeface="PingFang SC"/>
+              </a:rPr>
+              <a:t>,</a:t>
+            </a:r>
+            <a:r>
+              <a:rPr lang="zh-CN" altLang="en-US" dirty="0">
+                <a:solidFill>
+                  <a:srgbClr val="000000"/>
+                </a:solidFill>
+                <a:latin typeface="PingFang SC"/>
+              </a:rPr>
+              <a:t>在该方法中使用</a:t>
+            </a:r>
+            <a:r>
+              <a:rPr lang="en-US" altLang="zh-CN" dirty="0">
+                <a:solidFill>
+                  <a:srgbClr val="000000"/>
+                </a:solidFill>
+                <a:latin typeface="PingFang SC"/>
+              </a:rPr>
+              <a:t>selenium</a:t>
+            </a:r>
+            <a:r>
+              <a:rPr lang="zh-CN" altLang="en-US" dirty="0">
+                <a:solidFill>
+                  <a:srgbClr val="000000"/>
+                </a:solidFill>
+                <a:latin typeface="PingFang SC"/>
+              </a:rPr>
+              <a:t>实例化一个浏览器对象</a:t>
+            </a:r>
+            <a:r>
+              <a:rPr lang="en-US" altLang="zh-CN" dirty="0">
+                <a:solidFill>
+                  <a:srgbClr val="000000"/>
+                </a:solidFill>
+                <a:latin typeface="PingFang SC"/>
+              </a:rPr>
+              <a:t>(</a:t>
+            </a:r>
+            <a:r>
+              <a:rPr lang="zh-CN" altLang="en-US" dirty="0">
+                <a:solidFill>
+                  <a:srgbClr val="000000"/>
+                </a:solidFill>
+                <a:latin typeface="PingFang SC"/>
+              </a:rPr>
+              <a:t>因为浏览器对象只要被实例化一次</a:t>
+            </a:r>
+            <a:r>
+              <a:rPr lang="en-US" altLang="zh-CN" dirty="0">
+                <a:solidFill>
+                  <a:srgbClr val="000000"/>
+                </a:solidFill>
+                <a:latin typeface="PingFang SC"/>
+              </a:rPr>
+              <a:t>)</a:t>
+            </a:r>
+          </a:p>
+          <a:p>
+            <a:pPr marL="285750" indent="-285750" algn="just">
+              <a:buFontTx/>
+              <a:buChar char="-"/>
+            </a:pPr>
+            <a:endParaRPr lang="en-US" altLang="zh-CN" dirty="0">
+              <a:solidFill>
+                <a:srgbClr val="000000"/>
+              </a:solidFill>
+              <a:latin typeface="PingFang SC"/>
+            </a:endParaRPr>
+          </a:p>
+          <a:p>
+            <a:pPr algn="just"/>
+            <a:r>
+              <a:rPr lang="en-US" altLang="zh-CN" dirty="0">
+                <a:solidFill>
+                  <a:srgbClr val="000000"/>
+                </a:solidFill>
+                <a:latin typeface="PingFang SC"/>
+              </a:rPr>
+              <a:t>- </a:t>
+            </a:r>
+            <a:r>
+              <a:rPr lang="zh-CN" altLang="en-US" dirty="0">
+                <a:solidFill>
+                  <a:srgbClr val="000000"/>
+                </a:solidFill>
+                <a:latin typeface="PingFang SC"/>
+              </a:rPr>
+              <a:t>重写爬虫文件的</a:t>
+            </a:r>
+            <a:r>
+              <a:rPr lang="en-US" altLang="zh-CN" dirty="0">
+                <a:solidFill>
+                  <a:srgbClr val="000000"/>
+                </a:solidFill>
+                <a:latin typeface="PingFang SC"/>
+              </a:rPr>
+              <a:t>closed(</a:t>
+            </a:r>
+            <a:r>
+              <a:rPr lang="en-US" altLang="zh-CN" dirty="0" err="1">
+                <a:solidFill>
+                  <a:srgbClr val="000000"/>
+                </a:solidFill>
+                <a:latin typeface="PingFang SC"/>
+              </a:rPr>
+              <a:t>self,spider</a:t>
+            </a:r>
+            <a:r>
+              <a:rPr lang="en-US" altLang="zh-CN" dirty="0">
+                <a:solidFill>
+                  <a:srgbClr val="000000"/>
+                </a:solidFill>
+                <a:latin typeface="PingFang SC"/>
+              </a:rPr>
+              <a:t>)</a:t>
+            </a:r>
+            <a:r>
+              <a:rPr lang="zh-CN" altLang="en-US" dirty="0">
+                <a:solidFill>
+                  <a:srgbClr val="000000"/>
+                </a:solidFill>
+                <a:latin typeface="PingFang SC"/>
+              </a:rPr>
+              <a:t>方法</a:t>
+            </a:r>
+            <a:r>
+              <a:rPr lang="en-US" altLang="zh-CN" dirty="0">
+                <a:solidFill>
+                  <a:srgbClr val="000000"/>
+                </a:solidFill>
+                <a:latin typeface="PingFang SC"/>
+              </a:rPr>
+              <a:t>,</a:t>
+            </a:r>
+            <a:r>
+              <a:rPr lang="zh-CN" altLang="en-US" dirty="0">
+                <a:solidFill>
+                  <a:srgbClr val="000000"/>
+                </a:solidFill>
+                <a:latin typeface="PingFang SC"/>
+              </a:rPr>
+              <a:t>在其内部关闭浏览器对象</a:t>
+            </a:r>
+            <a:r>
+              <a:rPr lang="en-US" altLang="zh-CN" dirty="0">
+                <a:solidFill>
+                  <a:srgbClr val="000000"/>
+                </a:solidFill>
+                <a:latin typeface="PingFang SC"/>
+              </a:rPr>
+              <a:t>,</a:t>
+            </a:r>
+            <a:r>
+              <a:rPr lang="zh-CN" altLang="en-US" dirty="0">
+                <a:solidFill>
+                  <a:srgbClr val="000000"/>
+                </a:solidFill>
+                <a:latin typeface="PingFang SC"/>
+              </a:rPr>
+              <a:t>该方法是爬虫结束时被调用</a:t>
+            </a:r>
+            <a:endParaRPr lang="en-US" altLang="zh-CN" dirty="0">
+              <a:solidFill>
+                <a:srgbClr val="000000"/>
+              </a:solidFill>
+              <a:latin typeface="PingFang SC"/>
+            </a:endParaRPr>
+          </a:p>
+          <a:p>
+            <a:pPr marL="285750" indent="-285750" algn="just">
+              <a:buFontTx/>
+              <a:buChar char="-"/>
+            </a:pPr>
+            <a:endParaRPr lang="zh-CN" altLang="en-US" dirty="0">
+              <a:solidFill>
+                <a:srgbClr val="000000"/>
+              </a:solidFill>
+              <a:latin typeface="PingFang SC"/>
+            </a:endParaRPr>
+          </a:p>
+          <a:p>
+            <a:pPr algn="just"/>
+            <a:r>
+              <a:rPr lang="en-US" altLang="zh-CN" dirty="0">
+                <a:solidFill>
+                  <a:srgbClr val="000000"/>
+                </a:solidFill>
+                <a:latin typeface="PingFang SC"/>
+              </a:rPr>
+              <a:t>- </a:t>
+            </a:r>
+            <a:r>
+              <a:rPr lang="zh-CN" altLang="en-US" dirty="0">
+                <a:solidFill>
+                  <a:srgbClr val="000000"/>
+                </a:solidFill>
+                <a:latin typeface="PingFang SC"/>
+              </a:rPr>
+              <a:t>重写下载中间件的</a:t>
+            </a:r>
+            <a:r>
+              <a:rPr lang="en-US" altLang="zh-CN" dirty="0" err="1">
+                <a:solidFill>
+                  <a:srgbClr val="000000"/>
+                </a:solidFill>
+                <a:latin typeface="PingFang SC"/>
+              </a:rPr>
+              <a:t>process_response</a:t>
+            </a:r>
+            <a:r>
+              <a:rPr lang="zh-CN" altLang="en-US" dirty="0">
+                <a:solidFill>
+                  <a:srgbClr val="000000"/>
+                </a:solidFill>
+                <a:latin typeface="PingFang SC"/>
+              </a:rPr>
+              <a:t>方法</a:t>
+            </a:r>
+            <a:r>
+              <a:rPr lang="en-US" altLang="zh-CN" dirty="0">
+                <a:solidFill>
+                  <a:srgbClr val="000000"/>
+                </a:solidFill>
+                <a:latin typeface="PingFang SC"/>
+              </a:rPr>
+              <a:t>,</a:t>
+            </a:r>
+            <a:r>
+              <a:rPr lang="zh-CN" altLang="en-US" dirty="0">
+                <a:solidFill>
+                  <a:srgbClr val="000000"/>
+                </a:solidFill>
+                <a:latin typeface="PingFang SC"/>
+              </a:rPr>
+              <a:t>让该方法对响应进行拦截</a:t>
+            </a:r>
+            <a:r>
+              <a:rPr lang="en-US" altLang="zh-CN" dirty="0">
+                <a:solidFill>
+                  <a:srgbClr val="000000"/>
+                </a:solidFill>
+                <a:latin typeface="PingFang SC"/>
+              </a:rPr>
+              <a:t>,</a:t>
+            </a:r>
+            <a:r>
+              <a:rPr lang="zh-CN" altLang="en-US" dirty="0">
+                <a:solidFill>
+                  <a:srgbClr val="000000"/>
+                </a:solidFill>
+                <a:latin typeface="PingFang SC"/>
+              </a:rPr>
+              <a:t>并篡改</a:t>
+            </a:r>
+            <a:r>
+              <a:rPr lang="en-US" altLang="zh-CN" dirty="0">
+                <a:solidFill>
+                  <a:srgbClr val="000000"/>
+                </a:solidFill>
+                <a:latin typeface="PingFang SC"/>
+              </a:rPr>
+              <a:t>response</a:t>
+            </a:r>
+            <a:r>
+              <a:rPr lang="zh-CN" altLang="en-US" dirty="0">
+                <a:solidFill>
+                  <a:srgbClr val="000000"/>
+                </a:solidFill>
+                <a:latin typeface="PingFang SC"/>
+              </a:rPr>
+              <a:t>中存储的页面数据</a:t>
+            </a:r>
+            <a:endParaRPr lang="en-US" altLang="zh-CN" dirty="0">
+              <a:solidFill>
+                <a:srgbClr val="000000"/>
+              </a:solidFill>
+              <a:latin typeface="PingFang SC"/>
+            </a:endParaRPr>
+          </a:p>
+          <a:p>
+            <a:pPr marL="285750" indent="-285750" algn="just">
+              <a:buFontTx/>
+              <a:buChar char="-"/>
+            </a:pPr>
+            <a:endParaRPr lang="zh-CN" altLang="en-US" dirty="0">
+              <a:solidFill>
+                <a:srgbClr val="000000"/>
+              </a:solidFill>
+              <a:latin typeface="PingFang SC"/>
+            </a:endParaRPr>
+          </a:p>
+          <a:p>
+            <a:pPr algn="just"/>
+            <a:r>
+              <a:rPr lang="en-US" altLang="zh-CN" dirty="0">
+                <a:solidFill>
+                  <a:srgbClr val="000000"/>
+                </a:solidFill>
+                <a:latin typeface="PingFang SC"/>
+              </a:rPr>
+              <a:t>- </a:t>
+            </a:r>
+            <a:r>
+              <a:rPr lang="zh-CN" altLang="en-US" dirty="0">
+                <a:solidFill>
+                  <a:srgbClr val="000000"/>
+                </a:solidFill>
+                <a:latin typeface="PingFang SC"/>
+              </a:rPr>
+              <a:t>在配置文件中开启下载中间件</a:t>
+            </a:r>
+            <a:endParaRPr lang="zh-CN" altLang="en-US" b="0" i="0" dirty="0">
+              <a:solidFill>
+                <a:srgbClr val="000000"/>
+              </a:solidFill>
+              <a:effectLst/>
+              <a:latin typeface="PingFang SC"/>
+            </a:endParaRPr>
           </a:p>
         </p:txBody>
       </p:sp>
       <p:sp>
         <p:nvSpPr>
-          <p:cNvPr id="3" name="文本占位符 2"/>
-          <p:cNvSpPr>
-            <a:spLocks noGrp="1"/>
-          </p:cNvSpPr>
-          <p:nvPr>
-            <p:ph type="body" idx="1"/>
-          </p:nvPr>
-        </p:nvSpPr>
-        <p:spPr/>
-        <p:txBody>
-          <a:bodyPr/>
-          <a:lstStyle/>
-          <a:p>
-            <a:r>
-              <a:rPr lang="zh-CN" altLang="en-US" dirty="0" smtClean="0"/>
-              <a:t>工作内容</a:t>
-            </a:r>
-            <a:endParaRPr lang="zh-CN" altLang="en-US" dirty="0"/>
-          </a:p>
-        </p:txBody>
-      </p:sp>
-      <p:sp>
-        <p:nvSpPr>
-          <p:cNvPr id="4" name="内容占位符 3"/>
-          <p:cNvSpPr>
-            <a:spLocks noGrp="1"/>
-          </p:cNvSpPr>
-          <p:nvPr>
-            <p:ph sz="half" idx="2"/>
-          </p:nvPr>
-        </p:nvSpPr>
-        <p:spPr/>
-        <p:txBody>
-          <a:bodyPr/>
-          <a:lstStyle/>
-          <a:p>
-            <a:pPr>
-              <a:lnSpc>
-                <a:spcPct val="150000"/>
-              </a:lnSpc>
-              <a:buFont typeface="Wingdings" panose="05000000000000000000" pitchFamily="2" charset="2"/>
-              <a:buChar char="Ø"/>
-            </a:pPr>
-            <a:r>
-              <a:rPr lang="zh-CN" altLang="en-US" dirty="0" smtClean="0"/>
-              <a:t>针对某个网站使用</a:t>
-            </a:r>
-            <a:r>
-              <a:rPr lang="en-US" altLang="zh-CN" dirty="0" err="1" smtClean="0"/>
-              <a:t>Scrapy</a:t>
-            </a:r>
-            <a:r>
-              <a:rPr lang="zh-CN" altLang="en-US" dirty="0" smtClean="0"/>
-              <a:t>编写爬虫程序</a:t>
-            </a:r>
-            <a:endParaRPr lang="en-US" altLang="zh-CN" dirty="0" smtClean="0"/>
-          </a:p>
-          <a:p>
-            <a:pPr>
-              <a:lnSpc>
-                <a:spcPct val="150000"/>
-              </a:lnSpc>
-              <a:buFont typeface="Wingdings" panose="05000000000000000000" pitchFamily="2" charset="2"/>
-              <a:buChar char="Ø"/>
-            </a:pPr>
-            <a:r>
-              <a:rPr lang="zh-CN" altLang="en-US" dirty="0" smtClean="0"/>
-              <a:t>对爬虫进行改进，可以考虑的改进点：改进</a:t>
-            </a:r>
-            <a:r>
-              <a:rPr lang="zh-CN" altLang="en-US" dirty="0"/>
-              <a:t>算法、基于现有功能组合实现新功能、优化</a:t>
-            </a:r>
-            <a:r>
-              <a:rPr lang="zh-CN" altLang="en-US" dirty="0" smtClean="0"/>
-              <a:t>性能等</a:t>
-            </a:r>
-            <a:endParaRPr lang="zh-CN" altLang="en-US" dirty="0"/>
-          </a:p>
-          <a:p>
-            <a:pPr marL="457200" indent="-457200">
-              <a:lnSpc>
-                <a:spcPct val="150000"/>
-              </a:lnSpc>
-              <a:buFont typeface="+mj-lt"/>
-              <a:buAutoNum type="arabicPeriod"/>
-            </a:pPr>
-            <a:endParaRPr lang="zh-CN" altLang="en-US" dirty="0"/>
-          </a:p>
-        </p:txBody>
-      </p:sp>
-      <p:sp>
-        <p:nvSpPr>
-          <p:cNvPr id="5" name="文本占位符 4"/>
-          <p:cNvSpPr>
-            <a:spLocks noGrp="1"/>
-          </p:cNvSpPr>
-          <p:nvPr>
-            <p:ph type="body" sz="quarter" idx="3"/>
-          </p:nvPr>
-        </p:nvSpPr>
-        <p:spPr/>
-        <p:txBody>
-          <a:bodyPr/>
-          <a:lstStyle/>
-          <a:p>
-            <a:r>
-              <a:rPr lang="zh-CN" altLang="en-US" dirty="0" smtClean="0"/>
-              <a:t>整体计划</a:t>
-            </a:r>
-            <a:endParaRPr lang="zh-CN" altLang="en-US" dirty="0"/>
-          </a:p>
-        </p:txBody>
-      </p:sp>
-      <p:sp>
-        <p:nvSpPr>
-          <p:cNvPr id="6" name="内容占位符 5"/>
-          <p:cNvSpPr>
-            <a:spLocks noGrp="1"/>
-          </p:cNvSpPr>
-          <p:nvPr>
-            <p:ph sz="quarter" idx="4"/>
-          </p:nvPr>
+          <p:cNvPr id="3" name="矩形 2">
+            <a:extLst>
+              <a:ext uri="{FF2B5EF4-FFF2-40B4-BE49-F238E27FC236}">
+                <a16:creationId xmlns:a16="http://schemas.microsoft.com/office/drawing/2014/main" id="{8E4F3EB7-1140-46F9-93AB-760B13F6ABB3}"/>
+              </a:ext>
+            </a:extLst>
+          </p:cNvPr>
+          <p:cNvSpPr/>
+          <p:nvPr/>
         </p:nvSpPr>
         <p:spPr>
           <a:xfrm>
-            <a:off x="6231230" y="2215988"/>
-            <a:ext cx="4754880" cy="4314021"/>
+            <a:off x="390031" y="5232882"/>
+            <a:ext cx="11098474" cy="1200329"/>
           </a:xfrm>
+          <a:prstGeom prst="rect">
+            <a:avLst/>
+          </a:prstGeom>
         </p:spPr>
         <p:txBody>
-          <a:bodyPr/>
+          <a:bodyPr wrap="square">
+            <a:spAutoFit/>
+          </a:bodyPr>
           <a:lstStyle/>
           <a:p>
-            <a:pPr marL="457200" indent="-457200">
-              <a:lnSpc>
-                <a:spcPct val="150000"/>
-              </a:lnSpc>
-              <a:buFont typeface="+mj-lt"/>
-              <a:buAutoNum type="arabicPeriod"/>
+            <a:pPr marL="285750" indent="-285750">
+              <a:buFont typeface="Arial" panose="020B0604020202020204" pitchFamily="34" charset="0"/>
+              <a:buChar char="•"/>
             </a:pPr>
             <a:r>
-              <a:rPr lang="zh-CN" altLang="en-US" dirty="0" smtClean="0"/>
-              <a:t>了解</a:t>
-            </a:r>
-            <a:r>
-              <a:rPr lang="en-US" altLang="zh-CN" dirty="0" err="1" smtClean="0"/>
-              <a:t>Scrapy</a:t>
-            </a:r>
-            <a:r>
-              <a:rPr lang="zh-CN" altLang="en-US" dirty="0" smtClean="0"/>
-              <a:t>框架和使用方法</a:t>
-            </a:r>
-            <a:endParaRPr lang="en-US" altLang="zh-CN" dirty="0" smtClean="0"/>
-          </a:p>
-          <a:p>
-            <a:pPr marL="457200" indent="-457200">
-              <a:lnSpc>
-                <a:spcPct val="150000"/>
-              </a:lnSpc>
-              <a:buFont typeface="+mj-lt"/>
-              <a:buAutoNum type="arabicPeriod"/>
+              <a:rPr lang="en-US" altLang="zh-CN" dirty="0"/>
+              <a:t>Selenium</a:t>
+            </a:r>
+            <a:r>
+              <a:rPr lang="zh-CN" altLang="en-US" dirty="0"/>
+              <a:t>框架底层使用</a:t>
+            </a:r>
+            <a:r>
+              <a:rPr lang="en-US" altLang="zh-CN" dirty="0"/>
+              <a:t>JavaScript</a:t>
+            </a:r>
+            <a:r>
+              <a:rPr lang="zh-CN" altLang="en-US" dirty="0"/>
+              <a:t>模拟真实用户对浏览器进行操作。测试脚本执行时，浏览器自动按照脚本代码做出点击，输入，打开，验证等操作，就像真实用户所做的一样，从终端用户的角度测试应用程序。</a:t>
+            </a:r>
+          </a:p>
+          <a:p>
+            <a:pPr marL="285750" indent="-285750">
+              <a:buFont typeface="Arial" panose="020B0604020202020204" pitchFamily="34" charset="0"/>
+              <a:buChar char="•"/>
             </a:pPr>
             <a:r>
-              <a:rPr lang="zh-CN" altLang="en-US" dirty="0" smtClean="0"/>
-              <a:t>使用</a:t>
-            </a:r>
-            <a:r>
-              <a:rPr lang="en-US" altLang="zh-CN" dirty="0" err="1" smtClean="0"/>
-              <a:t>Scrapy</a:t>
-            </a:r>
-            <a:r>
-              <a:rPr lang="zh-CN" altLang="en-US" dirty="0" smtClean="0"/>
-              <a:t>编写简单爬虫，阅读源代码，熟悉</a:t>
-            </a:r>
-            <a:r>
-              <a:rPr lang="en-US" altLang="zh-CN" dirty="0" err="1" smtClean="0"/>
-              <a:t>Scrapy</a:t>
-            </a:r>
-            <a:r>
-              <a:rPr lang="zh-CN" altLang="en-US" dirty="0" smtClean="0"/>
-              <a:t>框架的几个主要组件</a:t>
-            </a:r>
-            <a:endParaRPr lang="en-US" altLang="zh-CN" dirty="0" smtClean="0"/>
-          </a:p>
-          <a:p>
-            <a:pPr marL="457200" indent="-457200">
-              <a:lnSpc>
-                <a:spcPct val="150000"/>
-              </a:lnSpc>
-              <a:buFont typeface="+mj-lt"/>
-              <a:buAutoNum type="arabicPeriod"/>
+              <a:rPr lang="zh-CN" altLang="en-US" dirty="0"/>
+              <a:t>使浏览器兼容性测试自动化成为可能，尽管在不同的浏览器上依然有细微的差别。</a:t>
+            </a:r>
+          </a:p>
+          <a:p>
+            <a:pPr marL="285750" indent="-285750">
+              <a:buFont typeface="Arial" panose="020B0604020202020204" pitchFamily="34" charset="0"/>
+              <a:buChar char="•"/>
             </a:pPr>
             <a:r>
-              <a:rPr lang="zh-CN" altLang="en-US" dirty="0" smtClean="0"/>
-              <a:t>针对某个网站编写完整的爬虫程序并分析性能，寻找改进点</a:t>
-            </a:r>
-            <a:endParaRPr lang="en-US" altLang="zh-CN" dirty="0" smtClean="0"/>
-          </a:p>
-          <a:p>
-            <a:pPr marL="457200" indent="-457200">
-              <a:lnSpc>
-                <a:spcPct val="150000"/>
-              </a:lnSpc>
-              <a:buFont typeface="+mj-lt"/>
-              <a:buAutoNum type="arabicPeriod"/>
-            </a:pPr>
-            <a:r>
-              <a:rPr lang="zh-CN" altLang="en-US" dirty="0" smtClean="0"/>
-              <a:t>对爬虫程序进行改进和测试</a:t>
-            </a:r>
-            <a:endParaRPr lang="zh-CN" altLang="en-US" dirty="0"/>
+              <a:rPr lang="zh-CN" altLang="en-US" dirty="0"/>
+              <a:t>使用简单，可使用</a:t>
+            </a:r>
+            <a:r>
+              <a:rPr lang="en-US" altLang="zh-CN" dirty="0"/>
+              <a:t>Java</a:t>
+            </a:r>
+            <a:r>
+              <a:rPr lang="zh-CN" altLang="en-US" dirty="0"/>
+              <a:t>，</a:t>
+            </a:r>
+            <a:r>
+              <a:rPr lang="en-US" altLang="zh-CN" dirty="0"/>
+              <a:t>Python</a:t>
+            </a:r>
+            <a:r>
+              <a:rPr lang="zh-CN" altLang="en-US" dirty="0"/>
+              <a:t>等多种语言编写用例脚本。</a:t>
+            </a:r>
           </a:p>
         </p:txBody>
       </p:sp>
     </p:spTree>
     <p:extLst>
       <p:ext uri="{BB962C8B-B14F-4D97-AF65-F5344CB8AC3E}">
-        <p14:creationId xmlns:p14="http://schemas.microsoft.com/office/powerpoint/2010/main" val="2612895551"/>
+        <p14:creationId xmlns:p14="http://schemas.microsoft.com/office/powerpoint/2010/main" val="2886783816"/>
       </p:ext>
     </p:extLst>
   </p:cSld>
@@ -9460,13 +12432,6 @@
       </p:transition>
     </mc:Fallback>
   </mc:AlternateContent>
-  <p:timing>
-    <p:tnLst>
-      <p:par>
-        <p:cTn id="1" dur="indefinite" restart="never" nodeType="tmRoot"/>
-      </p:par>
-    </p:tnLst>
-  </p:timing>
 </p:sld>
 </file>
 

--- a/实验准备/汇报ppt.pptx
+++ b/实验准备/汇报ppt.pptx
@@ -212,7 +212,7 @@
           <a:p>
             <a:fld id="{96B07F6E-5E06-4377-95F5-B5E03129E00E}" type="datetimeFigureOut">
               <a:rPr lang="zh-CN" altLang="en-US" smtClean="0"/>
-              <a:t>2020/3/13</a:t>
+              <a:t>2020/3/14</a:t>
             </a:fld>
             <a:endParaRPr lang="zh-CN" altLang="en-US"/>
           </a:p>
@@ -907,7 +907,7 @@
           <a:p>
             <a:fld id="{AE984D52-CCAD-4B14-974A-DD4900A9F75E}" type="datetimeFigureOut">
               <a:rPr lang="zh-CN" altLang="en-US" smtClean="0"/>
-              <a:t>2020/3/13</a:t>
+              <a:t>2020/3/14</a:t>
             </a:fld>
             <a:endParaRPr lang="zh-CN" altLang="en-US"/>
           </a:p>
@@ -1369,7 +1369,7 @@
           <a:p>
             <a:fld id="{AE984D52-CCAD-4B14-974A-DD4900A9F75E}" type="datetimeFigureOut">
               <a:rPr lang="zh-CN" altLang="en-US" smtClean="0"/>
-              <a:t>2020/3/13</a:t>
+              <a:t>2020/3/14</a:t>
             </a:fld>
             <a:endParaRPr lang="zh-CN" altLang="en-US"/>
           </a:p>
@@ -1669,7 +1669,7 @@
           <a:p>
             <a:fld id="{AE984D52-CCAD-4B14-974A-DD4900A9F75E}" type="datetimeFigureOut">
               <a:rPr lang="zh-CN" altLang="en-US" smtClean="0"/>
-              <a:t>2020/3/13</a:t>
+              <a:t>2020/3/14</a:t>
             </a:fld>
             <a:endParaRPr lang="zh-CN" altLang="en-US"/>
           </a:p>
@@ -2103,7 +2103,7 @@
           <a:p>
             <a:fld id="{AE984D52-CCAD-4B14-974A-DD4900A9F75E}" type="datetimeFigureOut">
               <a:rPr lang="zh-CN" altLang="en-US" smtClean="0"/>
-              <a:t>2020/3/13</a:t>
+              <a:t>2020/3/14</a:t>
             </a:fld>
             <a:endParaRPr lang="zh-CN" altLang="en-US"/>
           </a:p>
@@ -2233,7 +2233,7 @@
           <a:p>
             <a:fld id="{AE984D52-CCAD-4B14-974A-DD4900A9F75E}" type="datetimeFigureOut">
               <a:rPr lang="zh-CN" altLang="en-US" smtClean="0"/>
-              <a:t>2020/3/13</a:t>
+              <a:t>2020/3/14</a:t>
             </a:fld>
             <a:endParaRPr lang="zh-CN" altLang="en-US"/>
           </a:p>
@@ -2340,7 +2340,7 @@
           <a:p>
             <a:fld id="{AE984D52-CCAD-4B14-974A-DD4900A9F75E}" type="datetimeFigureOut">
               <a:rPr lang="zh-CN" altLang="en-US" smtClean="0"/>
-              <a:t>2020/3/13</a:t>
+              <a:t>2020/3/14</a:t>
             </a:fld>
             <a:endParaRPr lang="zh-CN" altLang="en-US"/>
           </a:p>
@@ -2601,7 +2601,7 @@
           <a:p>
             <a:fld id="{AE984D52-CCAD-4B14-974A-DD4900A9F75E}" type="datetimeFigureOut">
               <a:rPr lang="zh-CN" altLang="en-US" smtClean="0"/>
-              <a:t>2020/3/13</a:t>
+              <a:t>2020/3/14</a:t>
             </a:fld>
             <a:endParaRPr lang="zh-CN" altLang="en-US"/>
           </a:p>
@@ -3381,8 +3381,12 @@
               <a:t>Scrapy</a:t>
             </a:r>
             <a:r>
+              <a:rPr lang="zh-CN" altLang="en-US"/>
+              <a:t>可视化管理</a:t>
+            </a:r>
+            <a:r>
               <a:rPr lang="zh-CN" altLang="en-US" dirty="0"/>
-              <a:t>可视化管理管理工具</a:t>
+              <a:t>工具</a:t>
             </a:r>
           </a:p>
         </p:txBody>
@@ -3658,7 +3662,7 @@
         <p:spPr/>
         <p:txBody>
           <a:bodyPr>
-            <a:normAutofit fontScale="90000"/>
+            <a:normAutofit/>
           </a:bodyPr>
           <a:lstStyle/>
           <a:p>
@@ -3676,7 +3680,7 @@
             </a:r>
             <a:r>
               <a:rPr lang="zh-CN" altLang="en-US" dirty="0"/>
-              <a:t>可视化管理管理工具</a:t>
+              <a:t>可视化管理工具</a:t>
             </a:r>
           </a:p>
         </p:txBody>
